--- a/Introduction to Data Analytics/Course 2 Capstone Deck.pptx
+++ b/Introduction to Data Analytics/Course 2 Capstone Deck.pptx
@@ -282,11 +282,26 @@
 <pc:chgInfo xmlns:a="http://schemas.openxmlformats.org/drawingml/2006/main" xmlns:r="http://schemas.openxmlformats.org/officeDocument/2006/relationships" xmlns:ac="http://schemas.microsoft.com/office/drawing/2013/main/command" xmlns:pc="http://schemas.microsoft.com/office/powerpoint/2013/main/command">
   <pc:docChgLst>
     <pc:chgData name="Dennis Lam" userId="b03a39e68183e059" providerId="LiveId" clId="{9CA8014A-03C8-4E04-8D1D-0C9C505AADC7}"/>
-    <pc:docChg chg="undo custSel addSld modSld">
-      <pc:chgData name="Dennis Lam" userId="b03a39e68183e059" providerId="LiveId" clId="{9CA8014A-03C8-4E04-8D1D-0C9C505AADC7}" dt="2021-11-18T03:48:00.360" v="831" actId="2890"/>
+    <pc:docChg chg="undo redo custSel addSld modSld">
+      <pc:chgData name="Dennis Lam" userId="b03a39e68183e059" providerId="LiveId" clId="{9CA8014A-03C8-4E04-8D1D-0C9C505AADC7}" dt="2021-11-18T08:27:26.872" v="2721" actId="20577"/>
       <pc:docMkLst>
         <pc:docMk/>
       </pc:docMkLst>
+      <pc:sldChg chg="modSp mod">
+        <pc:chgData name="Dennis Lam" userId="b03a39e68183e059" providerId="LiveId" clId="{9CA8014A-03C8-4E04-8D1D-0C9C505AADC7}" dt="2021-11-18T06:36:22.390" v="833" actId="27636"/>
+        <pc:sldMkLst>
+          <pc:docMk/>
+          <pc:sldMk cId="0" sldId="256"/>
+        </pc:sldMkLst>
+        <pc:spChg chg="mod">
+          <ac:chgData name="Dennis Lam" userId="b03a39e68183e059" providerId="LiveId" clId="{9CA8014A-03C8-4E04-8D1D-0C9C505AADC7}" dt="2021-11-18T06:36:22.390" v="833" actId="27636"/>
+          <ac:spMkLst>
+            <pc:docMk/>
+            <pc:sldMk cId="0" sldId="256"/>
+            <ac:spMk id="57" creationId="{00000000-0000-0000-0000-000000000000}"/>
+          </ac:spMkLst>
+        </pc:spChg>
+      </pc:sldChg>
       <pc:sldChg chg="modSp mod">
         <pc:chgData name="Dennis Lam" userId="b03a39e68183e059" providerId="LiveId" clId="{9CA8014A-03C8-4E04-8D1D-0C9C505AADC7}" dt="2021-11-18T01:11:48.084" v="269" actId="20577"/>
         <pc:sldMkLst>
@@ -347,26 +362,257 @@
           </ac:spMkLst>
         </pc:spChg>
       </pc:sldChg>
-      <pc:sldChg chg="add">
-        <pc:chgData name="Dennis Lam" userId="b03a39e68183e059" providerId="LiveId" clId="{9CA8014A-03C8-4E04-8D1D-0C9C505AADC7}" dt="2021-11-18T03:47:55.516" v="829" actId="2890"/>
+      <pc:sldChg chg="modSp mod modNotes">
+        <pc:chgData name="Dennis Lam" userId="b03a39e68183e059" providerId="LiveId" clId="{9CA8014A-03C8-4E04-8D1D-0C9C505AADC7}" dt="2021-11-18T06:38:15.570" v="871" actId="20577"/>
+        <pc:sldMkLst>
+          <pc:docMk/>
+          <pc:sldMk cId="0" sldId="263"/>
+        </pc:sldMkLst>
+        <pc:spChg chg="mod">
+          <ac:chgData name="Dennis Lam" userId="b03a39e68183e059" providerId="LiveId" clId="{9CA8014A-03C8-4E04-8D1D-0C9C505AADC7}" dt="2021-11-18T06:38:15.570" v="871" actId="20577"/>
+          <ac:spMkLst>
+            <pc:docMk/>
+            <pc:sldMk cId="0" sldId="263"/>
+            <ac:spMk id="111" creationId="{00000000-0000-0000-0000-000000000000}"/>
+          </ac:spMkLst>
+        </pc:spChg>
+        <pc:spChg chg="mod">
+          <ac:chgData name="Dennis Lam" userId="b03a39e68183e059" providerId="LiveId" clId="{9CA8014A-03C8-4E04-8D1D-0C9C505AADC7}" dt="2021-11-18T06:37:44.987" v="868" actId="20577"/>
+          <ac:spMkLst>
+            <pc:docMk/>
+            <pc:sldMk cId="0" sldId="263"/>
+            <ac:spMk id="112" creationId="{00000000-0000-0000-0000-000000000000}"/>
+          </ac:spMkLst>
+        </pc:spChg>
+        <pc:picChg chg="mod">
+          <ac:chgData name="Dennis Lam" userId="b03a39e68183e059" providerId="LiveId" clId="{9CA8014A-03C8-4E04-8D1D-0C9C505AADC7}" dt="2021-11-18T06:36:35.095" v="836" actId="14100"/>
+          <ac:picMkLst>
+            <pc:docMk/>
+            <pc:sldMk cId="0" sldId="263"/>
+            <ac:picMk id="113" creationId="{00000000-0000-0000-0000-000000000000}"/>
+          </ac:picMkLst>
+        </pc:picChg>
+      </pc:sldChg>
+      <pc:sldChg chg="modSp mod">
+        <pc:chgData name="Dennis Lam" userId="b03a39e68183e059" providerId="LiveId" clId="{9CA8014A-03C8-4E04-8D1D-0C9C505AADC7}" dt="2021-11-18T08:12:57.366" v="1533" actId="12"/>
+        <pc:sldMkLst>
+          <pc:docMk/>
+          <pc:sldMk cId="0" sldId="264"/>
+        </pc:sldMkLst>
+        <pc:spChg chg="mod">
+          <ac:chgData name="Dennis Lam" userId="b03a39e68183e059" providerId="LiveId" clId="{9CA8014A-03C8-4E04-8D1D-0C9C505AADC7}" dt="2021-11-18T08:12:57.366" v="1533" actId="12"/>
+          <ac:spMkLst>
+            <pc:docMk/>
+            <pc:sldMk cId="0" sldId="264"/>
+            <ac:spMk id="120" creationId="{00000000-0000-0000-0000-000000000000}"/>
+          </ac:spMkLst>
+        </pc:spChg>
+      </pc:sldChg>
+      <pc:sldChg chg="modSp mod">
+        <pc:chgData name="Dennis Lam" userId="b03a39e68183e059" providerId="LiveId" clId="{9CA8014A-03C8-4E04-8D1D-0C9C505AADC7}" dt="2021-11-18T08:26:28.435" v="2625" actId="20577"/>
+        <pc:sldMkLst>
+          <pc:docMk/>
+          <pc:sldMk cId="0" sldId="265"/>
+        </pc:sldMkLst>
+        <pc:spChg chg="mod">
+          <ac:chgData name="Dennis Lam" userId="b03a39e68183e059" providerId="LiveId" clId="{9CA8014A-03C8-4E04-8D1D-0C9C505AADC7}" dt="2021-11-18T08:26:28.435" v="2625" actId="20577"/>
+          <ac:spMkLst>
+            <pc:docMk/>
+            <pc:sldMk cId="0" sldId="265"/>
+            <ac:spMk id="127" creationId="{00000000-0000-0000-0000-000000000000}"/>
+          </ac:spMkLst>
+        </pc:spChg>
+      </pc:sldChg>
+      <pc:sldChg chg="modSp mod">
+        <pc:chgData name="Dennis Lam" userId="b03a39e68183e059" providerId="LiveId" clId="{9CA8014A-03C8-4E04-8D1D-0C9C505AADC7}" dt="2021-11-18T08:26:19.652" v="2624" actId="20577"/>
+        <pc:sldMkLst>
+          <pc:docMk/>
+          <pc:sldMk cId="0" sldId="266"/>
+        </pc:sldMkLst>
+        <pc:spChg chg="mod">
+          <ac:chgData name="Dennis Lam" userId="b03a39e68183e059" providerId="LiveId" clId="{9CA8014A-03C8-4E04-8D1D-0C9C505AADC7}" dt="2021-11-18T08:26:19.652" v="2624" actId="20577"/>
+          <ac:spMkLst>
+            <pc:docMk/>
+            <pc:sldMk cId="0" sldId="266"/>
+            <ac:spMk id="134" creationId="{00000000-0000-0000-0000-000000000000}"/>
+          </ac:spMkLst>
+        </pc:spChg>
+      </pc:sldChg>
+      <pc:sldChg chg="modSp mod">
+        <pc:chgData name="Dennis Lam" userId="b03a39e68183e059" providerId="LiveId" clId="{9CA8014A-03C8-4E04-8D1D-0C9C505AADC7}" dt="2021-11-18T08:26:15.932" v="2623" actId="20577"/>
+        <pc:sldMkLst>
+          <pc:docMk/>
+          <pc:sldMk cId="0" sldId="267"/>
+        </pc:sldMkLst>
+        <pc:spChg chg="mod">
+          <ac:chgData name="Dennis Lam" userId="b03a39e68183e059" providerId="LiveId" clId="{9CA8014A-03C8-4E04-8D1D-0C9C505AADC7}" dt="2021-11-18T08:26:15.932" v="2623" actId="20577"/>
+          <ac:spMkLst>
+            <pc:docMk/>
+            <pc:sldMk cId="0" sldId="267"/>
+            <ac:spMk id="141" creationId="{00000000-0000-0000-0000-000000000000}"/>
+          </ac:spMkLst>
+        </pc:spChg>
+      </pc:sldChg>
+      <pc:sldChg chg="modSp mod">
+        <pc:chgData name="Dennis Lam" userId="b03a39e68183e059" providerId="LiveId" clId="{9CA8014A-03C8-4E04-8D1D-0C9C505AADC7}" dt="2021-11-18T08:26:12.463" v="2622" actId="20577"/>
+        <pc:sldMkLst>
+          <pc:docMk/>
+          <pc:sldMk cId="0" sldId="268"/>
+        </pc:sldMkLst>
+        <pc:spChg chg="mod">
+          <ac:chgData name="Dennis Lam" userId="b03a39e68183e059" providerId="LiveId" clId="{9CA8014A-03C8-4E04-8D1D-0C9C505AADC7}" dt="2021-11-18T08:26:12.463" v="2622" actId="20577"/>
+          <ac:spMkLst>
+            <pc:docMk/>
+            <pc:sldMk cId="0" sldId="268"/>
+            <ac:spMk id="148" creationId="{00000000-0000-0000-0000-000000000000}"/>
+          </ac:spMkLst>
+        </pc:spChg>
+      </pc:sldChg>
+      <pc:sldChg chg="modSp mod">
+        <pc:chgData name="Dennis Lam" userId="b03a39e68183e059" providerId="LiveId" clId="{9CA8014A-03C8-4E04-8D1D-0C9C505AADC7}" dt="2021-11-18T08:26:37.109" v="2626" actId="20577"/>
+        <pc:sldMkLst>
+          <pc:docMk/>
+          <pc:sldMk cId="0" sldId="269"/>
+        </pc:sldMkLst>
+        <pc:spChg chg="mod">
+          <ac:chgData name="Dennis Lam" userId="b03a39e68183e059" providerId="LiveId" clId="{9CA8014A-03C8-4E04-8D1D-0C9C505AADC7}" dt="2021-11-18T08:26:37.109" v="2626" actId="20577"/>
+          <ac:spMkLst>
+            <pc:docMk/>
+            <pc:sldMk cId="0" sldId="269"/>
+            <ac:spMk id="155" creationId="{00000000-0000-0000-0000-000000000000}"/>
+          </ac:spMkLst>
+        </pc:spChg>
+      </pc:sldChg>
+      <pc:sldChg chg="modSp mod">
+        <pc:chgData name="Dennis Lam" userId="b03a39e68183e059" providerId="LiveId" clId="{9CA8014A-03C8-4E04-8D1D-0C9C505AADC7}" dt="2021-11-18T08:26:07.915" v="2621" actId="20577"/>
+        <pc:sldMkLst>
+          <pc:docMk/>
+          <pc:sldMk cId="0" sldId="270"/>
+        </pc:sldMkLst>
+        <pc:spChg chg="mod">
+          <ac:chgData name="Dennis Lam" userId="b03a39e68183e059" providerId="LiveId" clId="{9CA8014A-03C8-4E04-8D1D-0C9C505AADC7}" dt="2021-11-18T08:26:07.915" v="2621" actId="20577"/>
+          <ac:spMkLst>
+            <pc:docMk/>
+            <pc:sldMk cId="0" sldId="270"/>
+            <ac:spMk id="162" creationId="{00000000-0000-0000-0000-000000000000}"/>
+          </ac:spMkLst>
+        </pc:spChg>
+      </pc:sldChg>
+      <pc:sldChg chg="modSp mod">
+        <pc:chgData name="Dennis Lam" userId="b03a39e68183e059" providerId="LiveId" clId="{9CA8014A-03C8-4E04-8D1D-0C9C505AADC7}" dt="2021-11-18T08:27:26.872" v="2721" actId="20577"/>
+        <pc:sldMkLst>
+          <pc:docMk/>
+          <pc:sldMk cId="0" sldId="271"/>
+        </pc:sldMkLst>
+        <pc:spChg chg="mod">
+          <ac:chgData name="Dennis Lam" userId="b03a39e68183e059" providerId="LiveId" clId="{9CA8014A-03C8-4E04-8D1D-0C9C505AADC7}" dt="2021-11-18T08:27:26.872" v="2721" actId="20577"/>
+          <ac:spMkLst>
+            <pc:docMk/>
+            <pc:sldMk cId="0" sldId="271"/>
+            <ac:spMk id="169" creationId="{00000000-0000-0000-0000-000000000000}"/>
+          </ac:spMkLst>
+        </pc:spChg>
+      </pc:sldChg>
+      <pc:sldChg chg="addSp modSp add mod">
+        <pc:chgData name="Dennis Lam" userId="b03a39e68183e059" providerId="LiveId" clId="{9CA8014A-03C8-4E04-8D1D-0C9C505AADC7}" dt="2021-11-18T06:50:00.149" v="915" actId="20577"/>
         <pc:sldMkLst>
           <pc:docMk/>
           <pc:sldMk cId="3878331478" sldId="272"/>
         </pc:sldMkLst>
+        <pc:spChg chg="mod">
+          <ac:chgData name="Dennis Lam" userId="b03a39e68183e059" providerId="LiveId" clId="{9CA8014A-03C8-4E04-8D1D-0C9C505AADC7}" dt="2021-11-18T06:50:00.149" v="915" actId="20577"/>
+          <ac:spMkLst>
+            <pc:docMk/>
+            <pc:sldMk cId="3878331478" sldId="272"/>
+            <ac:spMk id="111" creationId="{00000000-0000-0000-0000-000000000000}"/>
+          </ac:spMkLst>
+        </pc:spChg>
+        <pc:spChg chg="mod">
+          <ac:chgData name="Dennis Lam" userId="b03a39e68183e059" providerId="LiveId" clId="{9CA8014A-03C8-4E04-8D1D-0C9C505AADC7}" dt="2021-11-18T06:49:26.055" v="912" actId="20577"/>
+          <ac:spMkLst>
+            <pc:docMk/>
+            <pc:sldMk cId="3878331478" sldId="272"/>
+            <ac:spMk id="112" creationId="{00000000-0000-0000-0000-000000000000}"/>
+          </ac:spMkLst>
+        </pc:spChg>
+        <pc:picChg chg="add mod">
+          <ac:chgData name="Dennis Lam" userId="b03a39e68183e059" providerId="LiveId" clId="{9CA8014A-03C8-4E04-8D1D-0C9C505AADC7}" dt="2021-11-18T06:47:56.273" v="881" actId="14100"/>
+          <ac:picMkLst>
+            <pc:docMk/>
+            <pc:sldMk cId="3878331478" sldId="272"/>
+            <ac:picMk id="5" creationId="{7B5F27EC-1A48-478A-BC30-E7D758BCC4CE}"/>
+          </ac:picMkLst>
+        </pc:picChg>
+        <pc:picChg chg="mod">
+          <ac:chgData name="Dennis Lam" userId="b03a39e68183e059" providerId="LiveId" clId="{9CA8014A-03C8-4E04-8D1D-0C9C505AADC7}" dt="2021-11-18T06:47:34.194" v="878" actId="14100"/>
+          <ac:picMkLst>
+            <pc:docMk/>
+            <pc:sldMk cId="3878331478" sldId="272"/>
+            <ac:picMk id="113" creationId="{00000000-0000-0000-0000-000000000000}"/>
+          </ac:picMkLst>
+        </pc:picChg>
       </pc:sldChg>
-      <pc:sldChg chg="add">
-        <pc:chgData name="Dennis Lam" userId="b03a39e68183e059" providerId="LiveId" clId="{9CA8014A-03C8-4E04-8D1D-0C9C505AADC7}" dt="2021-11-18T03:47:58.279" v="830" actId="2890"/>
+      <pc:sldChg chg="modSp add mod">
+        <pc:chgData name="Dennis Lam" userId="b03a39e68183e059" providerId="LiveId" clId="{9CA8014A-03C8-4E04-8D1D-0C9C505AADC7}" dt="2021-11-18T06:53:17.981" v="940" actId="20577"/>
         <pc:sldMkLst>
           <pc:docMk/>
           <pc:sldMk cId="3499915561" sldId="273"/>
         </pc:sldMkLst>
+        <pc:spChg chg="mod">
+          <ac:chgData name="Dennis Lam" userId="b03a39e68183e059" providerId="LiveId" clId="{9CA8014A-03C8-4E04-8D1D-0C9C505AADC7}" dt="2021-11-18T06:53:04.391" v="922" actId="20577"/>
+          <ac:spMkLst>
+            <pc:docMk/>
+            <pc:sldMk cId="3499915561" sldId="273"/>
+            <ac:spMk id="111" creationId="{00000000-0000-0000-0000-000000000000}"/>
+          </ac:spMkLst>
+        </pc:spChg>
+        <pc:spChg chg="mod">
+          <ac:chgData name="Dennis Lam" userId="b03a39e68183e059" providerId="LiveId" clId="{9CA8014A-03C8-4E04-8D1D-0C9C505AADC7}" dt="2021-11-18T06:53:17.981" v="940" actId="20577"/>
+          <ac:spMkLst>
+            <pc:docMk/>
+            <pc:sldMk cId="3499915561" sldId="273"/>
+            <ac:spMk id="112" creationId="{00000000-0000-0000-0000-000000000000}"/>
+          </ac:spMkLst>
+        </pc:spChg>
+        <pc:picChg chg="mod">
+          <ac:chgData name="Dennis Lam" userId="b03a39e68183e059" providerId="LiveId" clId="{9CA8014A-03C8-4E04-8D1D-0C9C505AADC7}" dt="2021-11-18T06:52:30.667" v="918" actId="14100"/>
+          <ac:picMkLst>
+            <pc:docMk/>
+            <pc:sldMk cId="3499915561" sldId="273"/>
+            <ac:picMk id="113" creationId="{00000000-0000-0000-0000-000000000000}"/>
+          </ac:picMkLst>
+        </pc:picChg>
       </pc:sldChg>
-      <pc:sldChg chg="add">
-        <pc:chgData name="Dennis Lam" userId="b03a39e68183e059" providerId="LiveId" clId="{9CA8014A-03C8-4E04-8D1D-0C9C505AADC7}" dt="2021-11-18T03:48:00.360" v="831" actId="2890"/>
+      <pc:sldChg chg="modSp add mod">
+        <pc:chgData name="Dennis Lam" userId="b03a39e68183e059" providerId="LiveId" clId="{9CA8014A-03C8-4E04-8D1D-0C9C505AADC7}" dt="2021-11-18T07:00:31.008" v="1019" actId="20577"/>
         <pc:sldMkLst>
           <pc:docMk/>
           <pc:sldMk cId="2253881611" sldId="274"/>
         </pc:sldMkLst>
+        <pc:spChg chg="mod">
+          <ac:chgData name="Dennis Lam" userId="b03a39e68183e059" providerId="LiveId" clId="{9CA8014A-03C8-4E04-8D1D-0C9C505AADC7}" dt="2021-11-18T06:59:47.031" v="949" actId="20577"/>
+          <ac:spMkLst>
+            <pc:docMk/>
+            <pc:sldMk cId="2253881611" sldId="274"/>
+            <ac:spMk id="111" creationId="{00000000-0000-0000-0000-000000000000}"/>
+          </ac:spMkLst>
+        </pc:spChg>
+        <pc:spChg chg="mod">
+          <ac:chgData name="Dennis Lam" userId="b03a39e68183e059" providerId="LiveId" clId="{9CA8014A-03C8-4E04-8D1D-0C9C505AADC7}" dt="2021-11-18T07:00:31.008" v="1019" actId="20577"/>
+          <ac:spMkLst>
+            <pc:docMk/>
+            <pc:sldMk cId="2253881611" sldId="274"/>
+            <ac:spMk id="112" creationId="{00000000-0000-0000-0000-000000000000}"/>
+          </ac:spMkLst>
+        </pc:spChg>
+        <pc:picChg chg="mod">
+          <ac:chgData name="Dennis Lam" userId="b03a39e68183e059" providerId="LiveId" clId="{9CA8014A-03C8-4E04-8D1D-0C9C505AADC7}" dt="2021-11-18T06:59:20.290" v="946" actId="14100"/>
+          <ac:picMkLst>
+            <pc:docMk/>
+            <pc:sldMk cId="2253881611" sldId="274"/>
+            <ac:picMk id="113" creationId="{00000000-0000-0000-0000-000000000000}"/>
+          </ac:picMkLst>
+        </pc:picChg>
       </pc:sldChg>
     </pc:docChg>
   </pc:docChgLst>
@@ -843,7 +1089,7 @@
         </p:nvSpPr>
         <p:spPr>
           <a:xfrm>
-            <a:off x="381300" y="685800"/>
+            <a:off x="381000" y="685800"/>
             <a:ext cx="6096000" cy="3429000"/>
           </a:xfrm>
           <a:custGeom>
@@ -1165,7 +1411,7 @@
         </p:nvSpPr>
         <p:spPr>
           <a:xfrm>
-            <a:off x="381300" y="685800"/>
+            <a:off x="381000" y="685800"/>
             <a:ext cx="6096000" cy="3429000"/>
           </a:xfrm>
           <a:custGeom>
@@ -1269,7 +1515,7 @@
         </p:nvSpPr>
         <p:spPr>
           <a:xfrm>
-            <a:off x="381300" y="685800"/>
+            <a:off x="381000" y="685800"/>
             <a:ext cx="6096000" cy="3429000"/>
           </a:xfrm>
           <a:custGeom>
@@ -1373,7 +1619,7 @@
         </p:nvSpPr>
         <p:spPr>
           <a:xfrm>
-            <a:off x="381300" y="685800"/>
+            <a:off x="381000" y="685800"/>
             <a:ext cx="6096000" cy="3429000"/>
           </a:xfrm>
           <a:custGeom>
@@ -1477,7 +1723,7 @@
         </p:nvSpPr>
         <p:spPr>
           <a:xfrm>
-            <a:off x="381300" y="685800"/>
+            <a:off x="381000" y="685800"/>
             <a:ext cx="6096000" cy="3429000"/>
           </a:xfrm>
           <a:custGeom>
@@ -1581,7 +1827,7 @@
         </p:nvSpPr>
         <p:spPr>
           <a:xfrm>
-            <a:off x="381300" y="685800"/>
+            <a:off x="381000" y="685800"/>
             <a:ext cx="6096000" cy="3429000"/>
           </a:xfrm>
           <a:custGeom>
@@ -1685,7 +1931,7 @@
         </p:nvSpPr>
         <p:spPr>
           <a:xfrm>
-            <a:off x="381300" y="685800"/>
+            <a:off x="381000" y="685800"/>
             <a:ext cx="6096000" cy="3429000"/>
           </a:xfrm>
           <a:custGeom>
@@ -1789,7 +2035,7 @@
         </p:nvSpPr>
         <p:spPr>
           <a:xfrm>
-            <a:off x="381300" y="685800"/>
+            <a:off x="381000" y="685800"/>
             <a:ext cx="6096000" cy="3429000"/>
           </a:xfrm>
           <a:custGeom>
@@ -1893,7 +2139,7 @@
         </p:nvSpPr>
         <p:spPr>
           <a:xfrm>
-            <a:off x="381300" y="685800"/>
+            <a:off x="381000" y="685800"/>
             <a:ext cx="6096000" cy="3429000"/>
           </a:xfrm>
           <a:custGeom>
@@ -2621,7 +2867,7 @@
         </p:nvSpPr>
         <p:spPr>
           <a:xfrm>
-            <a:off x="381300" y="685800"/>
+            <a:off x="381000" y="685800"/>
             <a:ext cx="6096000" cy="3429000"/>
           </a:xfrm>
           <a:custGeom>
@@ -8044,7 +8290,7 @@
         </p:spPr>
         <p:txBody>
           <a:bodyPr spcFirstLastPara="1" wrap="square" lIns="91425" tIns="91425" rIns="91425" bIns="91425" anchor="t" anchorCtr="0">
-            <a:normAutofit lnSpcReduction="20000"/>
+            <a:normAutofit lnSpcReduction="10000"/>
           </a:bodyPr>
           <a:lstStyle/>
           <a:p>
@@ -8328,10 +8574,10 @@
               <a:buNone/>
             </a:pPr>
             <a:r>
-              <a:rPr lang="en" sz="2800"/>
-              <a:t>Your Data Visualization</a:t>
+              <a:rPr lang="en" sz="2800" dirty="0"/>
+              <a:t>Your Data Visualization 3 of 4</a:t>
             </a:r>
-            <a:endParaRPr sz="2800"/>
+            <a:endParaRPr sz="2800" dirty="0"/>
           </a:p>
         </p:txBody>
       </p:sp>
@@ -8348,7 +8594,7 @@
         <p:spPr>
           <a:xfrm>
             <a:off x="311700" y="1152475"/>
-            <a:ext cx="8520600" cy="431100"/>
+            <a:ext cx="8520600" cy="621678"/>
           </a:xfrm>
           <a:prstGeom prst="rect">
             <a:avLst/>
@@ -8370,22 +8616,10 @@
               <a:buNone/>
             </a:pPr>
             <a:r>
-              <a:rPr lang="en" sz="1600"/>
-              <a:t>Using Tableau, create the </a:t>
+              <a:rPr lang="en" sz="1600" dirty="0"/>
+              <a:t>Purchases by Age</a:t>
             </a:r>
-            <a:r>
-              <a:rPr lang="en" sz="1600" i="1"/>
-              <a:t>requested visualization</a:t>
-            </a:r>
-            <a:r>
-              <a:rPr lang="en" sz="1600"/>
-              <a:t> </a:t>
-            </a:r>
-            <a:r>
-              <a:rPr lang="en" sz="1600" i="1"/>
-              <a:t>(Placeholder)</a:t>
-            </a:r>
-            <a:endParaRPr sz="1600" i="1"/>
+            <a:endParaRPr sz="1600" i="1" dirty="0"/>
           </a:p>
         </p:txBody>
       </p:sp>
@@ -8396,17 +8630,14 @@
           <p:nvPr/>
         </p:nvPicPr>
         <p:blipFill>
-          <a:blip r:embed="rId3">
-            <a:alphaModFix/>
-          </a:blip>
-          <a:stretch>
-            <a:fillRect/>
-          </a:stretch>
+          <a:blip r:embed="rId3"/>
+          <a:srcRect/>
+          <a:stretch/>
         </p:blipFill>
         <p:spPr>
           <a:xfrm>
-            <a:off x="2643900" y="2001525"/>
-            <a:ext cx="3856176" cy="2892125"/>
+            <a:off x="402021" y="1718325"/>
+            <a:ext cx="7961586" cy="3425175"/>
           </a:xfrm>
           <a:prstGeom prst="rect">
             <a:avLst/>
@@ -8482,10 +8713,10 @@
               <a:buNone/>
             </a:pPr>
             <a:r>
-              <a:rPr lang="en" sz="2800"/>
-              <a:t>Your Data Visualization</a:t>
+              <a:rPr lang="en" sz="2800" dirty="0"/>
+              <a:t>Your Data Visualization 4 of 4</a:t>
             </a:r>
-            <a:endParaRPr sz="2800"/>
+            <a:endParaRPr sz="2800" dirty="0"/>
           </a:p>
         </p:txBody>
       </p:sp>
@@ -8502,7 +8733,7 @@
         <p:spPr>
           <a:xfrm>
             <a:off x="311700" y="1152475"/>
-            <a:ext cx="8520600" cy="431100"/>
+            <a:ext cx="8520600" cy="621678"/>
           </a:xfrm>
           <a:prstGeom prst="rect">
             <a:avLst/>
@@ -8524,22 +8755,10 @@
               <a:buNone/>
             </a:pPr>
             <a:r>
-              <a:rPr lang="en" sz="1600"/>
-              <a:t>Using Tableau, create the </a:t>
+              <a:rPr lang="en" sz="1600" dirty="0"/>
+              <a:t>Total Sales by Category (Month) and Product Title</a:t>
             </a:r>
-            <a:r>
-              <a:rPr lang="en" sz="1600" i="1"/>
-              <a:t>requested visualization</a:t>
-            </a:r>
-            <a:r>
-              <a:rPr lang="en" sz="1600"/>
-              <a:t> </a:t>
-            </a:r>
-            <a:r>
-              <a:rPr lang="en" sz="1600" i="1"/>
-              <a:t>(Placeholder)</a:t>
-            </a:r>
-            <a:endParaRPr sz="1600" i="1"/>
+            <a:endParaRPr sz="1600" dirty="0"/>
           </a:p>
         </p:txBody>
       </p:sp>
@@ -8550,17 +8769,14 @@
           <p:nvPr/>
         </p:nvPicPr>
         <p:blipFill>
-          <a:blip r:embed="rId3">
-            <a:alphaModFix/>
-          </a:blip>
-          <a:stretch>
-            <a:fillRect/>
-          </a:stretch>
+          <a:blip r:embed="rId3"/>
+          <a:srcRect/>
+          <a:stretch/>
         </p:blipFill>
         <p:spPr>
           <a:xfrm>
-            <a:off x="2643900" y="2001525"/>
-            <a:ext cx="3856176" cy="2892125"/>
+            <a:off x="402020" y="1583576"/>
+            <a:ext cx="8276897" cy="3429858"/>
           </a:xfrm>
           <a:prstGeom prst="rect">
             <a:avLst/>
@@ -8693,8 +8909,8 @@
         </p:nvSpPr>
         <p:spPr>
           <a:xfrm>
-            <a:off x="311700" y="2149975"/>
-            <a:ext cx="8520600" cy="2770500"/>
+            <a:off x="390528" y="1583575"/>
+            <a:ext cx="8520600" cy="3382563"/>
           </a:xfrm>
           <a:prstGeom prst="rect">
             <a:avLst/>
@@ -8716,17 +8932,18 @@
           </a:bodyPr>
           <a:lstStyle/>
           <a:p>
-            <a:pPr marL="0" lvl="0" indent="0" algn="l" rtl="0">
-              <a:spcBef>
-                <a:spcPts val="0"/>
-              </a:spcBef>
-              <a:spcAft>
-                <a:spcPts val="0"/>
-              </a:spcAft>
-              <a:buNone/>
+            <a:pPr marL="342900" lvl="0" indent="-342900" algn="l" rtl="0">
+              <a:spcBef>
+                <a:spcPts val="0"/>
+              </a:spcBef>
+              <a:spcAft>
+                <a:spcPts val="0"/>
+              </a:spcAft>
+              <a:buFont typeface="Arial" panose="020B0604020202020204" pitchFamily="34" charset="0"/>
+              <a:buChar char="•"/>
             </a:pPr>
             <a:r>
-              <a:rPr lang="en" sz="1200">
+              <a:rPr lang="en-MY" sz="2400" dirty="0">
                 <a:solidFill>
                   <a:srgbClr val="434343"/>
                 </a:solidFill>
@@ -8735,9 +8952,160 @@
                 <a:cs typeface="DM Sans"/>
                 <a:sym typeface="DM Sans"/>
               </a:rPr>
-              <a:t>Enter your answer here:</a:t>
+              <a:t>Visual 1 shows purchases trending up each month. Purchases are high on day 20 to day 30 every month</a:t>
             </a:r>
-            <a:endParaRPr sz="1200">
+          </a:p>
+          <a:p>
+            <a:pPr marL="342900" lvl="0" indent="-342900" algn="l" rtl="0">
+              <a:spcBef>
+                <a:spcPts val="0"/>
+              </a:spcBef>
+              <a:spcAft>
+                <a:spcPts val="0"/>
+              </a:spcAft>
+              <a:buFont typeface="Arial" panose="020B0604020202020204" pitchFamily="34" charset="0"/>
+              <a:buChar char="•"/>
+            </a:pPr>
+            <a:r>
+              <a:rPr lang="en-MY" sz="2400" dirty="0">
+                <a:solidFill>
+                  <a:srgbClr val="434343"/>
+                </a:solidFill>
+                <a:latin typeface="DM Sans"/>
+                <a:ea typeface="DM Sans"/>
+                <a:cs typeface="DM Sans"/>
+                <a:sym typeface="DM Sans"/>
+              </a:rPr>
+              <a:t>Visual 2 shows cat &amp; dog treats are highest purchase overall. Product Reddy </a:t>
+            </a:r>
+            <a:r>
+              <a:rPr lang="en-MY" sz="2400" dirty="0" err="1">
+                <a:solidFill>
+                  <a:srgbClr val="434343"/>
+                </a:solidFill>
+                <a:latin typeface="DM Sans"/>
+                <a:ea typeface="DM Sans"/>
+                <a:cs typeface="DM Sans"/>
+                <a:sym typeface="DM Sans"/>
+              </a:rPr>
+              <a:t>Beddy</a:t>
+            </a:r>
+            <a:r>
+              <a:rPr lang="en-MY" sz="2400" dirty="0">
+                <a:solidFill>
+                  <a:srgbClr val="434343"/>
+                </a:solidFill>
+                <a:latin typeface="DM Sans"/>
+                <a:ea typeface="DM Sans"/>
+                <a:cs typeface="DM Sans"/>
+                <a:sym typeface="DM Sans"/>
+              </a:rPr>
+              <a:t> is most popular purchase</a:t>
+            </a:r>
+          </a:p>
+          <a:p>
+            <a:pPr marL="342900" lvl="0" indent="-342900" algn="l" rtl="0">
+              <a:spcBef>
+                <a:spcPts val="0"/>
+              </a:spcBef>
+              <a:spcAft>
+                <a:spcPts val="0"/>
+              </a:spcAft>
+              <a:buFont typeface="Arial" panose="020B0604020202020204" pitchFamily="34" charset="0"/>
+              <a:buChar char="•"/>
+            </a:pPr>
+            <a:r>
+              <a:rPr lang="en-MY" sz="2400" dirty="0">
+                <a:solidFill>
+                  <a:srgbClr val="434343"/>
+                </a:solidFill>
+                <a:latin typeface="DM Sans"/>
+                <a:ea typeface="DM Sans"/>
+                <a:cs typeface="DM Sans"/>
+                <a:sym typeface="DM Sans"/>
+              </a:rPr>
+              <a:t>Visual 3 shows customers in age range 22-33 purchased at least 2000 items in 6 months</a:t>
+            </a:r>
+          </a:p>
+          <a:p>
+            <a:pPr marL="342900" lvl="0" indent="-342900" algn="l" rtl="0">
+              <a:spcBef>
+                <a:spcPts val="0"/>
+              </a:spcBef>
+              <a:spcAft>
+                <a:spcPts val="0"/>
+              </a:spcAft>
+              <a:buFont typeface="Arial" panose="020B0604020202020204" pitchFamily="34" charset="0"/>
+              <a:buChar char="•"/>
+            </a:pPr>
+            <a:r>
+              <a:rPr lang="en-MY" sz="2400" dirty="0">
+                <a:solidFill>
+                  <a:srgbClr val="434343"/>
+                </a:solidFill>
+                <a:latin typeface="DM Sans"/>
+                <a:ea typeface="DM Sans"/>
+                <a:cs typeface="DM Sans"/>
+                <a:sym typeface="DM Sans"/>
+              </a:rPr>
+              <a:t>Visual 4 shows bedding racked in mostly total sales with Reddy </a:t>
+            </a:r>
+            <a:r>
+              <a:rPr lang="en-MY" sz="2400" dirty="0" err="1">
+                <a:solidFill>
+                  <a:srgbClr val="434343"/>
+                </a:solidFill>
+                <a:latin typeface="DM Sans"/>
+                <a:ea typeface="DM Sans"/>
+                <a:cs typeface="DM Sans"/>
+                <a:sym typeface="DM Sans"/>
+              </a:rPr>
+              <a:t>Beddy</a:t>
+            </a:r>
+            <a:r>
+              <a:rPr lang="en-MY" sz="2400" dirty="0">
+                <a:solidFill>
+                  <a:srgbClr val="434343"/>
+                </a:solidFill>
+                <a:latin typeface="DM Sans"/>
+                <a:ea typeface="DM Sans"/>
+                <a:cs typeface="DM Sans"/>
+                <a:sym typeface="DM Sans"/>
+              </a:rPr>
+              <a:t> ranked number one ($400k) alone</a:t>
+            </a:r>
+          </a:p>
+          <a:p>
+            <a:pPr marL="0" lvl="0" indent="0" algn="l" rtl="0">
+              <a:spcBef>
+                <a:spcPts val="0"/>
+              </a:spcBef>
+              <a:spcAft>
+                <a:spcPts val="0"/>
+              </a:spcAft>
+              <a:buNone/>
+            </a:pPr>
+            <a:endParaRPr lang="en-MY" sz="2400" dirty="0">
+              <a:solidFill>
+                <a:srgbClr val="434343"/>
+              </a:solidFill>
+              <a:latin typeface="DM Sans"/>
+              <a:ea typeface="DM Sans"/>
+              <a:cs typeface="DM Sans"/>
+              <a:sym typeface="DM Sans"/>
+            </a:endParaRPr>
+          </a:p>
+          <a:p>
+            <a:pPr marL="0" lvl="0" indent="0" algn="l" rtl="0">
+              <a:spcBef>
+                <a:spcPts val="0"/>
+              </a:spcBef>
+              <a:spcAft>
+                <a:spcPts val="0"/>
+              </a:spcAft>
+              <a:buNone/>
+            </a:pPr>
+            <a:endParaRPr sz="2400" dirty="0">
               <a:solidFill>
                 <a:srgbClr val="434343"/>
               </a:solidFill>
@@ -8899,7 +9267,7 @@
               <a:buNone/>
             </a:pPr>
             <a:r>
-              <a:rPr lang="en" sz="1200">
+              <a:rPr lang="en-MY" sz="2400" dirty="0">
                 <a:solidFill>
                   <a:srgbClr val="434343"/>
                 </a:solidFill>
@@ -8908,9 +9276,9 @@
                 <a:cs typeface="DM Sans"/>
                 <a:sym typeface="DM Sans"/>
               </a:rPr>
-              <a:t>Enter your answer here:</a:t>
+              <a:t>Yes, absolutely.</a:t>
             </a:r>
-            <a:endParaRPr sz="1200">
+            <a:endParaRPr sz="2400" dirty="0">
               <a:solidFill>
                 <a:srgbClr val="434343"/>
               </a:solidFill>
@@ -9072,7 +9440,7 @@
               <a:buNone/>
             </a:pPr>
             <a:r>
-              <a:rPr lang="en" sz="1200">
+              <a:rPr lang="en" sz="2400" dirty="0">
                 <a:solidFill>
                   <a:srgbClr val="434343"/>
                 </a:solidFill>
@@ -9081,9 +9449,9 @@
                 <a:cs typeface="DM Sans"/>
                 <a:sym typeface="DM Sans"/>
               </a:rPr>
-              <a:t>Enter your answer here:</a:t>
+              <a:t>Focus on age group interest ( 22 to 33 ) range by marketing, promotions and surveying them to know what they like and fulfill their needs.</a:t>
             </a:r>
-            <a:endParaRPr sz="1200">
+            <a:endParaRPr sz="2400" dirty="0">
               <a:solidFill>
                 <a:srgbClr val="434343"/>
               </a:solidFill>
@@ -9245,7 +9613,7 @@
               <a:buNone/>
             </a:pPr>
             <a:r>
-              <a:rPr lang="en" sz="1200">
+              <a:rPr lang="en" sz="2400" dirty="0">
                 <a:solidFill>
                   <a:srgbClr val="434343"/>
                 </a:solidFill>
@@ -9254,9 +9622,9 @@
                 <a:cs typeface="DM Sans"/>
                 <a:sym typeface="DM Sans"/>
               </a:rPr>
-              <a:t>Enter your answer here:</a:t>
+              <a:t>To increase sales and revenue, the company can focus on top 5 categories and product titles in stocking and publicity. It will be good to mix and match them, offer bundle prices, offer discounts for bulk purchases or membership drive.</a:t>
             </a:r>
-            <a:endParaRPr sz="1200">
+            <a:endParaRPr sz="2400" dirty="0">
               <a:solidFill>
                 <a:srgbClr val="434343"/>
               </a:solidFill>
@@ -9418,7 +9786,7 @@
               <a:buNone/>
             </a:pPr>
             <a:r>
-              <a:rPr lang="en" sz="1200">
+              <a:rPr lang="en" sz="2400" dirty="0">
                 <a:solidFill>
                   <a:srgbClr val="434343"/>
                 </a:solidFill>
@@ -9427,9 +9795,9 @@
                 <a:cs typeface="DM Sans"/>
                 <a:sym typeface="DM Sans"/>
               </a:rPr>
-              <a:t>Enter your answer here:</a:t>
+              <a:t>Since there is an increasing trend of purchases every month in 2021, the potential to grow is there.</a:t>
             </a:r>
-            <a:endParaRPr sz="1200">
+            <a:endParaRPr sz="2400" dirty="0">
               <a:solidFill>
                 <a:srgbClr val="434343"/>
               </a:solidFill>
@@ -9591,7 +9959,7 @@
               <a:buNone/>
             </a:pPr>
             <a:r>
-              <a:rPr lang="en" sz="1200">
+              <a:rPr lang="en-US" sz="2400" dirty="0">
                 <a:solidFill>
                   <a:srgbClr val="434343"/>
                 </a:solidFill>
@@ -9600,9 +9968,9 @@
                 <a:cs typeface="DM Sans"/>
                 <a:sym typeface="DM Sans"/>
               </a:rPr>
-              <a:t>Enter your answer here:</a:t>
+              <a:t>A note of caution is we need sales data for the remaining July to December 2021 to give an overall picture to determine the future state of business.</a:t>
             </a:r>
-            <a:endParaRPr sz="1200">
+            <a:endParaRPr sz="2400" dirty="0">
               <a:solidFill>
                 <a:srgbClr val="434343"/>
               </a:solidFill>
@@ -9764,7 +10132,7 @@
               <a:buNone/>
             </a:pPr>
             <a:r>
-              <a:rPr lang="en" sz="1200">
+              <a:rPr lang="en" sz="2400" dirty="0">
                 <a:solidFill>
                   <a:srgbClr val="434343"/>
                 </a:solidFill>
@@ -9773,9 +10141,52 @@
                 <a:cs typeface="DM Sans"/>
                 <a:sym typeface="DM Sans"/>
               </a:rPr>
-              <a:t>Enter your answer here:</a:t>
+              <a:t>An insight found is New York, New Jersey and Pennsylvania is top 3 performing states in terms of total purchases.</a:t>
             </a:r>
-            <a:endParaRPr sz="1200">
+          </a:p>
+          <a:p>
+            <a:pPr marL="0" lvl="0" indent="0" algn="l" rtl="0">
+              <a:spcBef>
+                <a:spcPts val="0"/>
+              </a:spcBef>
+              <a:spcAft>
+                <a:spcPts val="0"/>
+              </a:spcAft>
+              <a:buNone/>
+            </a:pPr>
+            <a:endParaRPr lang="en" sz="2400" dirty="0">
+              <a:solidFill>
+                <a:srgbClr val="434343"/>
+              </a:solidFill>
+              <a:latin typeface="DM Sans"/>
+              <a:ea typeface="DM Sans"/>
+              <a:cs typeface="DM Sans"/>
+              <a:sym typeface="DM Sans"/>
+            </a:endParaRPr>
+          </a:p>
+          <a:p>
+            <a:pPr marL="0" lvl="0" indent="0" algn="l" rtl="0">
+              <a:spcBef>
+                <a:spcPts val="0"/>
+              </a:spcBef>
+              <a:spcAft>
+                <a:spcPts val="0"/>
+              </a:spcAft>
+              <a:buNone/>
+            </a:pPr>
+            <a:r>
+              <a:rPr lang="en" sz="2400" dirty="0">
+                <a:solidFill>
+                  <a:srgbClr val="434343"/>
+                </a:solidFill>
+                <a:latin typeface="DM Sans"/>
+                <a:ea typeface="DM Sans"/>
+                <a:cs typeface="DM Sans"/>
+                <a:sym typeface="DM Sans"/>
+              </a:rPr>
+              <a:t>Inu + Neko need to investigate why these states have done well and apply it for future expansions.</a:t>
+            </a:r>
+            <a:endParaRPr sz="2400" dirty="0">
               <a:solidFill>
                 <a:srgbClr val="434343"/>
               </a:solidFill>
@@ -9965,7 +10376,7 @@
               <a:buNone/>
             </a:pPr>
             <a:r>
-              <a:rPr lang="en" sz="1200">
+              <a:rPr lang="en" sz="2400">
                 <a:solidFill>
                   <a:srgbClr val="434343"/>
                 </a:solidFill>
@@ -9974,9 +10385,9 @@
                 <a:cs typeface="DM Sans"/>
                 <a:sym typeface="DM Sans"/>
               </a:rPr>
-              <a:t>Enter your answer here:</a:t>
+              <a:t>It will be great to have past years of sales data for further analysis.</a:t>
             </a:r>
-            <a:endParaRPr sz="1200">
+            <a:endParaRPr sz="2400" dirty="0">
               <a:solidFill>
                 <a:srgbClr val="434343"/>
               </a:solidFill>
@@ -11430,10 +11841,10 @@
               <a:buNone/>
             </a:pPr>
             <a:r>
-              <a:rPr lang="en" sz="2800"/>
+              <a:rPr lang="en" sz="2800" dirty="0"/>
               <a:t>Your Approach 4 of 4</a:t>
             </a:r>
-            <a:endParaRPr sz="2800"/>
+            <a:endParaRPr sz="2800" dirty="0"/>
           </a:p>
         </p:txBody>
       </p:sp>
@@ -11705,10 +12116,10 @@
               <a:buNone/>
             </a:pPr>
             <a:r>
-              <a:rPr lang="en" sz="2800"/>
-              <a:t>Your Data Visualization</a:t>
+              <a:rPr lang="en" sz="2800" dirty="0"/>
+              <a:t>Your Data Visualization 1 of 4</a:t>
             </a:r>
-            <a:endParaRPr sz="2800"/>
+            <a:endParaRPr sz="2800" dirty="0"/>
           </a:p>
         </p:txBody>
       </p:sp>
@@ -11725,7 +12136,7 @@
         <p:spPr>
           <a:xfrm>
             <a:off x="311700" y="1152475"/>
-            <a:ext cx="8520600" cy="431100"/>
+            <a:ext cx="8520600" cy="621678"/>
           </a:xfrm>
           <a:prstGeom prst="rect">
             <a:avLst/>
@@ -11747,22 +12158,10 @@
               <a:buNone/>
             </a:pPr>
             <a:r>
-              <a:rPr lang="en" sz="1600"/>
-              <a:t>Using Tableau, create the </a:t>
+              <a:rPr lang="en" sz="1600" dirty="0"/>
+              <a:t>Purchases Trend by Month and Day</a:t>
             </a:r>
-            <a:r>
-              <a:rPr lang="en" sz="1600" i="1"/>
-              <a:t>requested visualization</a:t>
-            </a:r>
-            <a:r>
-              <a:rPr lang="en" sz="1600"/>
-              <a:t> </a:t>
-            </a:r>
-            <a:r>
-              <a:rPr lang="en" sz="1600" i="1"/>
-              <a:t>(Placeholder)</a:t>
-            </a:r>
-            <a:endParaRPr sz="1600" i="1"/>
+            <a:endParaRPr sz="1600" i="1" dirty="0"/>
           </a:p>
         </p:txBody>
       </p:sp>
@@ -11773,17 +12172,14 @@
           <p:nvPr/>
         </p:nvPicPr>
         <p:blipFill>
-          <a:blip r:embed="rId3">
-            <a:alphaModFix/>
-          </a:blip>
-          <a:stretch>
-            <a:fillRect/>
-          </a:stretch>
+          <a:blip r:embed="rId3"/>
+          <a:srcRect/>
+          <a:stretch/>
         </p:blipFill>
         <p:spPr>
           <a:xfrm>
-            <a:off x="2643900" y="2001525"/>
-            <a:ext cx="3856176" cy="2892125"/>
+            <a:off x="488731" y="1718325"/>
+            <a:ext cx="8245365" cy="3175325"/>
           </a:xfrm>
           <a:prstGeom prst="rect">
             <a:avLst/>
@@ -11854,10 +12250,10 @@
               <a:buNone/>
             </a:pPr>
             <a:r>
-              <a:rPr lang="en" sz="2800"/>
-              <a:t>Your Data Visualization</a:t>
+              <a:rPr lang="en" sz="2800" dirty="0"/>
+              <a:t>Your Data Visualization 2 of 4</a:t>
             </a:r>
-            <a:endParaRPr sz="2800"/>
+            <a:endParaRPr sz="2800" dirty="0"/>
           </a:p>
         </p:txBody>
       </p:sp>
@@ -11874,7 +12270,7 @@
         <p:spPr>
           <a:xfrm>
             <a:off x="311700" y="1152475"/>
-            <a:ext cx="8520600" cy="431100"/>
+            <a:ext cx="8520600" cy="621678"/>
           </a:xfrm>
           <a:prstGeom prst="rect">
             <a:avLst/>
@@ -11896,22 +12292,10 @@
               <a:buNone/>
             </a:pPr>
             <a:r>
-              <a:rPr lang="en" sz="1600"/>
-              <a:t>Using Tableau, create the </a:t>
+              <a:rPr lang="en" sz="1600" dirty="0"/>
+              <a:t>Purchases by Category and Title</a:t>
             </a:r>
-            <a:r>
-              <a:rPr lang="en" sz="1600" i="1"/>
-              <a:t>requested visualization</a:t>
-            </a:r>
-            <a:r>
-              <a:rPr lang="en" sz="1600"/>
-              <a:t> </a:t>
-            </a:r>
-            <a:r>
-              <a:rPr lang="en" sz="1600" i="1"/>
-              <a:t>(Placeholder)</a:t>
-            </a:r>
-            <a:endParaRPr sz="1600" i="1"/>
+            <a:endParaRPr sz="1600" i="1" dirty="0"/>
           </a:p>
         </p:txBody>
       </p:sp>
@@ -11922,17 +12306,45 @@
           <p:nvPr/>
         </p:nvPicPr>
         <p:blipFill>
-          <a:blip r:embed="rId3">
-            <a:alphaModFix/>
-          </a:blip>
-          <a:stretch>
-            <a:fillRect/>
-          </a:stretch>
+          <a:blip r:embed="rId3"/>
+          <a:srcRect/>
+          <a:stretch/>
         </p:blipFill>
         <p:spPr>
           <a:xfrm>
-            <a:off x="2643900" y="2001525"/>
-            <a:ext cx="3856176" cy="2892125"/>
+            <a:off x="381549" y="1655379"/>
+            <a:ext cx="3856176" cy="3208283"/>
+          </a:xfrm>
+          <a:prstGeom prst="rect">
+            <a:avLst/>
+          </a:prstGeom>
+          <a:noFill/>
+          <a:ln>
+            <a:noFill/>
+          </a:ln>
+        </p:spPr>
+      </p:pic>
+      <p:pic>
+        <p:nvPicPr>
+          <p:cNvPr id="5" name="Google Shape;113;p20">
+            <a:extLst>
+              <a:ext uri="{FF2B5EF4-FFF2-40B4-BE49-F238E27FC236}">
+                <a16:creationId xmlns:a16="http://schemas.microsoft.com/office/drawing/2014/main" id="{7B5F27EC-1A48-478A-BC30-E7D758BCC4CE}"/>
+              </a:ext>
+            </a:extLst>
+          </p:cNvPr>
+          <p:cNvPicPr preferRelativeResize="0"/>
+          <p:nvPr/>
+        </p:nvPicPr>
+        <p:blipFill>
+          <a:blip r:embed="rId4"/>
+          <a:srcRect/>
+          <a:stretch/>
+        </p:blipFill>
+        <p:spPr>
+          <a:xfrm>
+            <a:off x="4237725" y="1828800"/>
+            <a:ext cx="4290848" cy="2932386"/>
           </a:xfrm>
           <a:prstGeom prst="rect">
             <a:avLst/>

--- a/Introduction to Data Analytics/Course 2 Capstone Deck.pptx
+++ b/Introduction to Data Analytics/Course 2 Capstone Deck.pptx
@@ -5,28 +5,27 @@
     <p:sldMasterId id="2147483659" r:id="rId1"/>
   </p:sldMasterIdLst>
   <p:notesMasterIdLst>
-    <p:notesMasterId r:id="rId21"/>
+    <p:notesMasterId r:id="rId20"/>
   </p:notesMasterIdLst>
   <p:sldIdLst>
-    <p:sldId id="256" r:id="rId2"/>
-    <p:sldId id="257" r:id="rId3"/>
-    <p:sldId id="258" r:id="rId4"/>
-    <p:sldId id="259" r:id="rId5"/>
-    <p:sldId id="260" r:id="rId6"/>
-    <p:sldId id="261" r:id="rId7"/>
-    <p:sldId id="262" r:id="rId8"/>
-    <p:sldId id="263" r:id="rId9"/>
-    <p:sldId id="272" r:id="rId10"/>
-    <p:sldId id="273" r:id="rId11"/>
-    <p:sldId id="274" r:id="rId12"/>
-    <p:sldId id="264" r:id="rId13"/>
-    <p:sldId id="265" r:id="rId14"/>
-    <p:sldId id="266" r:id="rId15"/>
-    <p:sldId id="267" r:id="rId16"/>
-    <p:sldId id="268" r:id="rId17"/>
-    <p:sldId id="269" r:id="rId18"/>
-    <p:sldId id="270" r:id="rId19"/>
-    <p:sldId id="271" r:id="rId20"/>
+    <p:sldId id="257" r:id="rId2"/>
+    <p:sldId id="258" r:id="rId3"/>
+    <p:sldId id="259" r:id="rId4"/>
+    <p:sldId id="260" r:id="rId5"/>
+    <p:sldId id="261" r:id="rId6"/>
+    <p:sldId id="262" r:id="rId7"/>
+    <p:sldId id="263" r:id="rId8"/>
+    <p:sldId id="272" r:id="rId9"/>
+    <p:sldId id="273" r:id="rId10"/>
+    <p:sldId id="274" r:id="rId11"/>
+    <p:sldId id="264" r:id="rId12"/>
+    <p:sldId id="265" r:id="rId13"/>
+    <p:sldId id="266" r:id="rId14"/>
+    <p:sldId id="267" r:id="rId15"/>
+    <p:sldId id="268" r:id="rId16"/>
+    <p:sldId id="269" r:id="rId17"/>
+    <p:sldId id="270" r:id="rId18"/>
+    <p:sldId id="271" r:id="rId19"/>
   </p:sldIdLst>
   <p:sldSz cx="9144000" cy="5143500" type="screen16x9"/>
   <p:notesSz cx="6858000" cy="9144000"/>
@@ -282,13 +281,13 @@
 <pc:chgInfo xmlns:a="http://schemas.openxmlformats.org/drawingml/2006/main" xmlns:r="http://schemas.openxmlformats.org/officeDocument/2006/relationships" xmlns:ac="http://schemas.microsoft.com/office/drawing/2013/main/command" xmlns:pc="http://schemas.microsoft.com/office/powerpoint/2013/main/command">
   <pc:docChgLst>
     <pc:chgData name="Dennis Lam" userId="b03a39e68183e059" providerId="LiveId" clId="{9CA8014A-03C8-4E04-8D1D-0C9C505AADC7}"/>
-    <pc:docChg chg="undo redo custSel addSld modSld">
-      <pc:chgData name="Dennis Lam" userId="b03a39e68183e059" providerId="LiveId" clId="{9CA8014A-03C8-4E04-8D1D-0C9C505AADC7}" dt="2021-11-18T08:27:26.872" v="2721" actId="20577"/>
+    <pc:docChg chg="undo redo custSel addSld delSld modSld">
+      <pc:chgData name="Dennis Lam" userId="b03a39e68183e059" providerId="LiveId" clId="{9CA8014A-03C8-4E04-8D1D-0C9C505AADC7}" dt="2021-11-18T09:41:12.324" v="2723" actId="729"/>
       <pc:docMkLst>
         <pc:docMk/>
       </pc:docMkLst>
-      <pc:sldChg chg="modSp mod">
-        <pc:chgData name="Dennis Lam" userId="b03a39e68183e059" providerId="LiveId" clId="{9CA8014A-03C8-4E04-8D1D-0C9C505AADC7}" dt="2021-11-18T06:36:22.390" v="833" actId="27636"/>
+      <pc:sldChg chg="modSp del mod">
+        <pc:chgData name="Dennis Lam" userId="b03a39e68183e059" providerId="LiveId" clId="{9CA8014A-03C8-4E04-8D1D-0C9C505AADC7}" dt="2021-11-18T09:41:05.220" v="2722" actId="2696"/>
         <pc:sldMkLst>
           <pc:docMk/>
           <pc:sldMk cId="0" sldId="256"/>
@@ -301,6 +300,13 @@
             <ac:spMk id="57" creationId="{00000000-0000-0000-0000-000000000000}"/>
           </ac:spMkLst>
         </pc:spChg>
+      </pc:sldChg>
+      <pc:sldChg chg="mod modShow">
+        <pc:chgData name="Dennis Lam" userId="b03a39e68183e059" providerId="LiveId" clId="{9CA8014A-03C8-4E04-8D1D-0C9C505AADC7}" dt="2021-11-18T09:41:12.324" v="2723" actId="729"/>
+        <pc:sldMkLst>
+          <pc:docMk/>
+          <pc:sldMk cId="0" sldId="257"/>
+        </pc:sldMkLst>
       </pc:sldChg>
       <pc:sldChg chg="modSp mod">
         <pc:chgData name="Dennis Lam" userId="b03a39e68183e059" providerId="LiveId" clId="{9CA8014A-03C8-4E04-8D1D-0C9C505AADC7}" dt="2021-11-18T01:11:48.084" v="269" actId="20577"/>
@@ -1065,7 +1071,7 @@
   <p:cSld>
     <p:spTree>
       <p:nvGrpSpPr>
-        <p:cNvPr id="1" name="Shape 52"/>
+        <p:cNvPr id="1" name="Shape 58"/>
         <p:cNvGrpSpPr/>
         <p:nvPr/>
       </p:nvGrpSpPr>
@@ -1079,7 +1085,7 @@
       </p:grpSpPr>
       <p:sp>
         <p:nvSpPr>
-          <p:cNvPr id="53" name="Google Shape;53;gf24172381d_0_0:notes"/>
+          <p:cNvPr id="59" name="Google Shape;59;gf202640c57_3_2:notes"/>
           <p:cNvSpPr>
             <a:spLocks noGrp="1" noRot="1" noChangeAspect="1"/>
           </p:cNvSpPr>
@@ -1120,7 +1126,7 @@
       </p:sp>
       <p:sp>
         <p:nvSpPr>
-          <p:cNvPr id="54" name="Google Shape;54;gf24172381d_0_0:notes"/>
+          <p:cNvPr id="60" name="Google Shape;60;gf202640c57_3_2:notes"/>
           <p:cNvSpPr txBox="1">
             <a:spLocks noGrp="1"/>
           </p:cNvSpPr>
@@ -1263,7 +1269,7 @@
     </p:spTree>
     <p:extLst>
       <p:ext uri="{BB962C8B-B14F-4D97-AF65-F5344CB8AC3E}">
-        <p14:creationId xmlns:p14="http://schemas.microsoft.com/office/powerpoint/2010/main" val="2448838592"/>
+        <p14:creationId xmlns:p14="http://schemas.microsoft.com/office/powerpoint/2010/main" val="3585179434"/>
       </p:ext>
     </p:extLst>
   </p:cSld>
@@ -1274,6 +1280,1358 @@
 </file>
 
 <file path=ppt/notesSlides/notesSlide11.xml><?xml version="1.0" encoding="utf-8"?>
+<p:notes xmlns:a="http://schemas.openxmlformats.org/drawingml/2006/main" xmlns:r="http://schemas.openxmlformats.org/officeDocument/2006/relationships" xmlns:p="http://schemas.openxmlformats.org/presentationml/2006/main" showMasterSp="0" showMasterPhAnim="0">
+  <p:cSld>
+    <p:spTree>
+      <p:nvGrpSpPr>
+        <p:cNvPr id="1" name="Shape 114"/>
+        <p:cNvGrpSpPr/>
+        <p:nvPr/>
+      </p:nvGrpSpPr>
+      <p:grpSpPr>
+        <a:xfrm>
+          <a:off x="0" y="0"/>
+          <a:ext cx="0" cy="0"/>
+          <a:chOff x="0" y="0"/>
+          <a:chExt cx="0" cy="0"/>
+        </a:xfrm>
+      </p:grpSpPr>
+      <p:sp>
+        <p:nvSpPr>
+          <p:cNvPr id="115" name="Google Shape;115;gf6bbe62a93_0_16:notes"/>
+          <p:cNvSpPr>
+            <a:spLocks noGrp="1" noRot="1" noChangeAspect="1"/>
+          </p:cNvSpPr>
+          <p:nvPr>
+            <p:ph type="sldImg" idx="2"/>
+          </p:nvPr>
+        </p:nvSpPr>
+        <p:spPr>
+          <a:xfrm>
+            <a:off x="381000" y="685800"/>
+            <a:ext cx="6096000" cy="3429000"/>
+          </a:xfrm>
+          <a:custGeom>
+            <a:avLst/>
+            <a:gdLst/>
+            <a:ahLst/>
+            <a:cxnLst/>
+            <a:rect l="l" t="t" r="r" b="b"/>
+            <a:pathLst>
+              <a:path w="120000" h="120000" extrusionOk="0">
+                <a:moveTo>
+                  <a:pt x="0" y="0"/>
+                </a:moveTo>
+                <a:lnTo>
+                  <a:pt x="120000" y="0"/>
+                </a:lnTo>
+                <a:lnTo>
+                  <a:pt x="120000" y="120000"/>
+                </a:lnTo>
+                <a:lnTo>
+                  <a:pt x="0" y="120000"/>
+                </a:lnTo>
+                <a:close/>
+              </a:path>
+            </a:pathLst>
+          </a:custGeom>
+        </p:spPr>
+      </p:sp>
+      <p:sp>
+        <p:nvSpPr>
+          <p:cNvPr id="116" name="Google Shape;116;gf6bbe62a93_0_16:notes"/>
+          <p:cNvSpPr txBox="1">
+            <a:spLocks noGrp="1"/>
+          </p:cNvSpPr>
+          <p:nvPr>
+            <p:ph type="body" idx="1"/>
+          </p:nvPr>
+        </p:nvSpPr>
+        <p:spPr>
+          <a:xfrm>
+            <a:off x="685800" y="4343400"/>
+            <a:ext cx="5486400" cy="4114800"/>
+          </a:xfrm>
+          <a:prstGeom prst="rect">
+            <a:avLst/>
+          </a:prstGeom>
+        </p:spPr>
+        <p:txBody>
+          <a:bodyPr spcFirstLastPara="1" wrap="square" lIns="91425" tIns="91425" rIns="91425" bIns="91425" anchor="t" anchorCtr="0">
+            <a:noAutofit/>
+          </a:bodyPr>
+          <a:lstStyle/>
+          <a:p>
+            <a:pPr marL="0" lvl="0" indent="0" algn="l" rtl="0">
+              <a:spcBef>
+                <a:spcPts val="0"/>
+              </a:spcBef>
+              <a:spcAft>
+                <a:spcPts val="0"/>
+              </a:spcAft>
+              <a:buNone/>
+            </a:pPr>
+            <a:endParaRPr/>
+          </a:p>
+        </p:txBody>
+      </p:sp>
+    </p:spTree>
+  </p:cSld>
+  <p:clrMapOvr>
+    <a:masterClrMapping/>
+  </p:clrMapOvr>
+</p:notes>
+</file>
+
+<file path=ppt/notesSlides/notesSlide12.xml><?xml version="1.0" encoding="utf-8"?>
+<p:notes xmlns:a="http://schemas.openxmlformats.org/drawingml/2006/main" xmlns:r="http://schemas.openxmlformats.org/officeDocument/2006/relationships" xmlns:p="http://schemas.openxmlformats.org/presentationml/2006/main" showMasterSp="0" showMasterPhAnim="0">
+  <p:cSld>
+    <p:spTree>
+      <p:nvGrpSpPr>
+        <p:cNvPr id="1" name="Shape 121"/>
+        <p:cNvGrpSpPr/>
+        <p:nvPr/>
+      </p:nvGrpSpPr>
+      <p:grpSpPr>
+        <a:xfrm>
+          <a:off x="0" y="0"/>
+          <a:ext cx="0" cy="0"/>
+          <a:chOff x="0" y="0"/>
+          <a:chExt cx="0" cy="0"/>
+        </a:xfrm>
+      </p:grpSpPr>
+      <p:sp>
+        <p:nvSpPr>
+          <p:cNvPr id="122" name="Google Shape;122;gf202640c57_0_0:notes"/>
+          <p:cNvSpPr>
+            <a:spLocks noGrp="1" noRot="1" noChangeAspect="1"/>
+          </p:cNvSpPr>
+          <p:nvPr>
+            <p:ph type="sldImg" idx="2"/>
+          </p:nvPr>
+        </p:nvSpPr>
+        <p:spPr>
+          <a:xfrm>
+            <a:off x="381000" y="685800"/>
+            <a:ext cx="6096000" cy="3429000"/>
+          </a:xfrm>
+          <a:custGeom>
+            <a:avLst/>
+            <a:gdLst/>
+            <a:ahLst/>
+            <a:cxnLst/>
+            <a:rect l="l" t="t" r="r" b="b"/>
+            <a:pathLst>
+              <a:path w="120000" h="120000" extrusionOk="0">
+                <a:moveTo>
+                  <a:pt x="0" y="0"/>
+                </a:moveTo>
+                <a:lnTo>
+                  <a:pt x="120000" y="0"/>
+                </a:lnTo>
+                <a:lnTo>
+                  <a:pt x="120000" y="120000"/>
+                </a:lnTo>
+                <a:lnTo>
+                  <a:pt x="0" y="120000"/>
+                </a:lnTo>
+                <a:close/>
+              </a:path>
+            </a:pathLst>
+          </a:custGeom>
+        </p:spPr>
+      </p:sp>
+      <p:sp>
+        <p:nvSpPr>
+          <p:cNvPr id="123" name="Google Shape;123;gf202640c57_0_0:notes"/>
+          <p:cNvSpPr txBox="1">
+            <a:spLocks noGrp="1"/>
+          </p:cNvSpPr>
+          <p:nvPr>
+            <p:ph type="body" idx="1"/>
+          </p:nvPr>
+        </p:nvSpPr>
+        <p:spPr>
+          <a:xfrm>
+            <a:off x="685800" y="4343400"/>
+            <a:ext cx="5486400" cy="4114800"/>
+          </a:xfrm>
+          <a:prstGeom prst="rect">
+            <a:avLst/>
+          </a:prstGeom>
+        </p:spPr>
+        <p:txBody>
+          <a:bodyPr spcFirstLastPara="1" wrap="square" lIns="91425" tIns="91425" rIns="91425" bIns="91425" anchor="t" anchorCtr="0">
+            <a:noAutofit/>
+          </a:bodyPr>
+          <a:lstStyle/>
+          <a:p>
+            <a:pPr marL="0" lvl="0" indent="0" algn="l" rtl="0">
+              <a:spcBef>
+                <a:spcPts val="0"/>
+              </a:spcBef>
+              <a:spcAft>
+                <a:spcPts val="0"/>
+              </a:spcAft>
+              <a:buNone/>
+            </a:pPr>
+            <a:endParaRPr/>
+          </a:p>
+        </p:txBody>
+      </p:sp>
+    </p:spTree>
+  </p:cSld>
+  <p:clrMapOvr>
+    <a:masterClrMapping/>
+  </p:clrMapOvr>
+</p:notes>
+</file>
+
+<file path=ppt/notesSlides/notesSlide13.xml><?xml version="1.0" encoding="utf-8"?>
+<p:notes xmlns:a="http://schemas.openxmlformats.org/drawingml/2006/main" xmlns:r="http://schemas.openxmlformats.org/officeDocument/2006/relationships" xmlns:p="http://schemas.openxmlformats.org/presentationml/2006/main" showMasterSp="0" showMasterPhAnim="0">
+  <p:cSld>
+    <p:spTree>
+      <p:nvGrpSpPr>
+        <p:cNvPr id="1" name="Shape 128"/>
+        <p:cNvGrpSpPr/>
+        <p:nvPr/>
+      </p:nvGrpSpPr>
+      <p:grpSpPr>
+        <a:xfrm>
+          <a:off x="0" y="0"/>
+          <a:ext cx="0" cy="0"/>
+          <a:chOff x="0" y="0"/>
+          <a:chExt cx="0" cy="0"/>
+        </a:xfrm>
+      </p:grpSpPr>
+      <p:sp>
+        <p:nvSpPr>
+          <p:cNvPr id="129" name="Google Shape;129;gf6bbe62a93_0_22:notes"/>
+          <p:cNvSpPr>
+            <a:spLocks noGrp="1" noRot="1" noChangeAspect="1"/>
+          </p:cNvSpPr>
+          <p:nvPr>
+            <p:ph type="sldImg" idx="2"/>
+          </p:nvPr>
+        </p:nvSpPr>
+        <p:spPr>
+          <a:xfrm>
+            <a:off x="381000" y="685800"/>
+            <a:ext cx="6096000" cy="3429000"/>
+          </a:xfrm>
+          <a:custGeom>
+            <a:avLst/>
+            <a:gdLst/>
+            <a:ahLst/>
+            <a:cxnLst/>
+            <a:rect l="l" t="t" r="r" b="b"/>
+            <a:pathLst>
+              <a:path w="120000" h="120000" extrusionOk="0">
+                <a:moveTo>
+                  <a:pt x="0" y="0"/>
+                </a:moveTo>
+                <a:lnTo>
+                  <a:pt x="120000" y="0"/>
+                </a:lnTo>
+                <a:lnTo>
+                  <a:pt x="120000" y="120000"/>
+                </a:lnTo>
+                <a:lnTo>
+                  <a:pt x="0" y="120000"/>
+                </a:lnTo>
+                <a:close/>
+              </a:path>
+            </a:pathLst>
+          </a:custGeom>
+        </p:spPr>
+      </p:sp>
+      <p:sp>
+        <p:nvSpPr>
+          <p:cNvPr id="130" name="Google Shape;130;gf6bbe62a93_0_22:notes"/>
+          <p:cNvSpPr txBox="1">
+            <a:spLocks noGrp="1"/>
+          </p:cNvSpPr>
+          <p:nvPr>
+            <p:ph type="body" idx="1"/>
+          </p:nvPr>
+        </p:nvSpPr>
+        <p:spPr>
+          <a:xfrm>
+            <a:off x="685800" y="4343400"/>
+            <a:ext cx="5486400" cy="4114800"/>
+          </a:xfrm>
+          <a:prstGeom prst="rect">
+            <a:avLst/>
+          </a:prstGeom>
+        </p:spPr>
+        <p:txBody>
+          <a:bodyPr spcFirstLastPara="1" wrap="square" lIns="91425" tIns="91425" rIns="91425" bIns="91425" anchor="t" anchorCtr="0">
+            <a:noAutofit/>
+          </a:bodyPr>
+          <a:lstStyle/>
+          <a:p>
+            <a:pPr marL="0" lvl="0" indent="0" algn="l" rtl="0">
+              <a:spcBef>
+                <a:spcPts val="0"/>
+              </a:spcBef>
+              <a:spcAft>
+                <a:spcPts val="0"/>
+              </a:spcAft>
+              <a:buNone/>
+            </a:pPr>
+            <a:endParaRPr/>
+          </a:p>
+        </p:txBody>
+      </p:sp>
+    </p:spTree>
+  </p:cSld>
+  <p:clrMapOvr>
+    <a:masterClrMapping/>
+  </p:clrMapOvr>
+</p:notes>
+</file>
+
+<file path=ppt/notesSlides/notesSlide14.xml><?xml version="1.0" encoding="utf-8"?>
+<p:notes xmlns:a="http://schemas.openxmlformats.org/drawingml/2006/main" xmlns:r="http://schemas.openxmlformats.org/officeDocument/2006/relationships" xmlns:p="http://schemas.openxmlformats.org/presentationml/2006/main" showMasterSp="0" showMasterPhAnim="0">
+  <p:cSld>
+    <p:spTree>
+      <p:nvGrpSpPr>
+        <p:cNvPr id="1" name="Shape 135"/>
+        <p:cNvGrpSpPr/>
+        <p:nvPr/>
+      </p:nvGrpSpPr>
+      <p:grpSpPr>
+        <a:xfrm>
+          <a:off x="0" y="0"/>
+          <a:ext cx="0" cy="0"/>
+          <a:chOff x="0" y="0"/>
+          <a:chExt cx="0" cy="0"/>
+        </a:xfrm>
+      </p:grpSpPr>
+      <p:sp>
+        <p:nvSpPr>
+          <p:cNvPr id="136" name="Google Shape;136;gf202640c57_0_32:notes"/>
+          <p:cNvSpPr>
+            <a:spLocks noGrp="1" noRot="1" noChangeAspect="1"/>
+          </p:cNvSpPr>
+          <p:nvPr>
+            <p:ph type="sldImg" idx="2"/>
+          </p:nvPr>
+        </p:nvSpPr>
+        <p:spPr>
+          <a:xfrm>
+            <a:off x="381000" y="685800"/>
+            <a:ext cx="6096000" cy="3429000"/>
+          </a:xfrm>
+          <a:custGeom>
+            <a:avLst/>
+            <a:gdLst/>
+            <a:ahLst/>
+            <a:cxnLst/>
+            <a:rect l="l" t="t" r="r" b="b"/>
+            <a:pathLst>
+              <a:path w="120000" h="120000" extrusionOk="0">
+                <a:moveTo>
+                  <a:pt x="0" y="0"/>
+                </a:moveTo>
+                <a:lnTo>
+                  <a:pt x="120000" y="0"/>
+                </a:lnTo>
+                <a:lnTo>
+                  <a:pt x="120000" y="120000"/>
+                </a:lnTo>
+                <a:lnTo>
+                  <a:pt x="0" y="120000"/>
+                </a:lnTo>
+                <a:close/>
+              </a:path>
+            </a:pathLst>
+          </a:custGeom>
+        </p:spPr>
+      </p:sp>
+      <p:sp>
+        <p:nvSpPr>
+          <p:cNvPr id="137" name="Google Shape;137;gf202640c57_0_32:notes"/>
+          <p:cNvSpPr txBox="1">
+            <a:spLocks noGrp="1"/>
+          </p:cNvSpPr>
+          <p:nvPr>
+            <p:ph type="body" idx="1"/>
+          </p:nvPr>
+        </p:nvSpPr>
+        <p:spPr>
+          <a:xfrm>
+            <a:off x="685800" y="4343400"/>
+            <a:ext cx="5486400" cy="4114800"/>
+          </a:xfrm>
+          <a:prstGeom prst="rect">
+            <a:avLst/>
+          </a:prstGeom>
+        </p:spPr>
+        <p:txBody>
+          <a:bodyPr spcFirstLastPara="1" wrap="square" lIns="91425" tIns="91425" rIns="91425" bIns="91425" anchor="t" anchorCtr="0">
+            <a:noAutofit/>
+          </a:bodyPr>
+          <a:lstStyle/>
+          <a:p>
+            <a:pPr marL="0" lvl="0" indent="0" algn="l" rtl="0">
+              <a:spcBef>
+                <a:spcPts val="0"/>
+              </a:spcBef>
+              <a:spcAft>
+                <a:spcPts val="0"/>
+              </a:spcAft>
+              <a:buNone/>
+            </a:pPr>
+            <a:endParaRPr/>
+          </a:p>
+        </p:txBody>
+      </p:sp>
+    </p:spTree>
+  </p:cSld>
+  <p:clrMapOvr>
+    <a:masterClrMapping/>
+  </p:clrMapOvr>
+</p:notes>
+</file>
+
+<file path=ppt/notesSlides/notesSlide15.xml><?xml version="1.0" encoding="utf-8"?>
+<p:notes xmlns:a="http://schemas.openxmlformats.org/drawingml/2006/main" xmlns:r="http://schemas.openxmlformats.org/officeDocument/2006/relationships" xmlns:p="http://schemas.openxmlformats.org/presentationml/2006/main" showMasterSp="0" showMasterPhAnim="0">
+  <p:cSld>
+    <p:spTree>
+      <p:nvGrpSpPr>
+        <p:cNvPr id="1" name="Shape 142"/>
+        <p:cNvGrpSpPr/>
+        <p:nvPr/>
+      </p:nvGrpSpPr>
+      <p:grpSpPr>
+        <a:xfrm>
+          <a:off x="0" y="0"/>
+          <a:ext cx="0" cy="0"/>
+          <a:chOff x="0" y="0"/>
+          <a:chExt cx="0" cy="0"/>
+        </a:xfrm>
+      </p:grpSpPr>
+      <p:sp>
+        <p:nvSpPr>
+          <p:cNvPr id="143" name="Google Shape;143;gf202640c57_0_26:notes"/>
+          <p:cNvSpPr>
+            <a:spLocks noGrp="1" noRot="1" noChangeAspect="1"/>
+          </p:cNvSpPr>
+          <p:nvPr>
+            <p:ph type="sldImg" idx="2"/>
+          </p:nvPr>
+        </p:nvSpPr>
+        <p:spPr>
+          <a:xfrm>
+            <a:off x="381000" y="685800"/>
+            <a:ext cx="6096000" cy="3429000"/>
+          </a:xfrm>
+          <a:custGeom>
+            <a:avLst/>
+            <a:gdLst/>
+            <a:ahLst/>
+            <a:cxnLst/>
+            <a:rect l="l" t="t" r="r" b="b"/>
+            <a:pathLst>
+              <a:path w="120000" h="120000" extrusionOk="0">
+                <a:moveTo>
+                  <a:pt x="0" y="0"/>
+                </a:moveTo>
+                <a:lnTo>
+                  <a:pt x="120000" y="0"/>
+                </a:lnTo>
+                <a:lnTo>
+                  <a:pt x="120000" y="120000"/>
+                </a:lnTo>
+                <a:lnTo>
+                  <a:pt x="0" y="120000"/>
+                </a:lnTo>
+                <a:close/>
+              </a:path>
+            </a:pathLst>
+          </a:custGeom>
+        </p:spPr>
+      </p:sp>
+      <p:sp>
+        <p:nvSpPr>
+          <p:cNvPr id="144" name="Google Shape;144;gf202640c57_0_26:notes"/>
+          <p:cNvSpPr txBox="1">
+            <a:spLocks noGrp="1"/>
+          </p:cNvSpPr>
+          <p:nvPr>
+            <p:ph type="body" idx="1"/>
+          </p:nvPr>
+        </p:nvSpPr>
+        <p:spPr>
+          <a:xfrm>
+            <a:off x="685800" y="4343400"/>
+            <a:ext cx="5486400" cy="4114800"/>
+          </a:xfrm>
+          <a:prstGeom prst="rect">
+            <a:avLst/>
+          </a:prstGeom>
+        </p:spPr>
+        <p:txBody>
+          <a:bodyPr spcFirstLastPara="1" wrap="square" lIns="91425" tIns="91425" rIns="91425" bIns="91425" anchor="t" anchorCtr="0">
+            <a:noAutofit/>
+          </a:bodyPr>
+          <a:lstStyle/>
+          <a:p>
+            <a:pPr marL="0" lvl="0" indent="0" algn="l" rtl="0">
+              <a:spcBef>
+                <a:spcPts val="0"/>
+              </a:spcBef>
+              <a:spcAft>
+                <a:spcPts val="0"/>
+              </a:spcAft>
+              <a:buNone/>
+            </a:pPr>
+            <a:endParaRPr/>
+          </a:p>
+        </p:txBody>
+      </p:sp>
+    </p:spTree>
+  </p:cSld>
+  <p:clrMapOvr>
+    <a:masterClrMapping/>
+  </p:clrMapOvr>
+</p:notes>
+</file>
+
+<file path=ppt/notesSlides/notesSlide16.xml><?xml version="1.0" encoding="utf-8"?>
+<p:notes xmlns:a="http://schemas.openxmlformats.org/drawingml/2006/main" xmlns:r="http://schemas.openxmlformats.org/officeDocument/2006/relationships" xmlns:p="http://schemas.openxmlformats.org/presentationml/2006/main" showMasterSp="0" showMasterPhAnim="0">
+  <p:cSld>
+    <p:spTree>
+      <p:nvGrpSpPr>
+        <p:cNvPr id="1" name="Shape 149"/>
+        <p:cNvGrpSpPr/>
+        <p:nvPr/>
+      </p:nvGrpSpPr>
+      <p:grpSpPr>
+        <a:xfrm>
+          <a:off x="0" y="0"/>
+          <a:ext cx="0" cy="0"/>
+          <a:chOff x="0" y="0"/>
+          <a:chExt cx="0" cy="0"/>
+        </a:xfrm>
+      </p:grpSpPr>
+      <p:sp>
+        <p:nvSpPr>
+          <p:cNvPr id="150" name="Google Shape;150;gf202640c57_0_20:notes"/>
+          <p:cNvSpPr>
+            <a:spLocks noGrp="1" noRot="1" noChangeAspect="1"/>
+          </p:cNvSpPr>
+          <p:nvPr>
+            <p:ph type="sldImg" idx="2"/>
+          </p:nvPr>
+        </p:nvSpPr>
+        <p:spPr>
+          <a:xfrm>
+            <a:off x="381000" y="685800"/>
+            <a:ext cx="6096000" cy="3429000"/>
+          </a:xfrm>
+          <a:custGeom>
+            <a:avLst/>
+            <a:gdLst/>
+            <a:ahLst/>
+            <a:cxnLst/>
+            <a:rect l="l" t="t" r="r" b="b"/>
+            <a:pathLst>
+              <a:path w="120000" h="120000" extrusionOk="0">
+                <a:moveTo>
+                  <a:pt x="0" y="0"/>
+                </a:moveTo>
+                <a:lnTo>
+                  <a:pt x="120000" y="0"/>
+                </a:lnTo>
+                <a:lnTo>
+                  <a:pt x="120000" y="120000"/>
+                </a:lnTo>
+                <a:lnTo>
+                  <a:pt x="0" y="120000"/>
+                </a:lnTo>
+                <a:close/>
+              </a:path>
+            </a:pathLst>
+          </a:custGeom>
+        </p:spPr>
+      </p:sp>
+      <p:sp>
+        <p:nvSpPr>
+          <p:cNvPr id="151" name="Google Shape;151;gf202640c57_0_20:notes"/>
+          <p:cNvSpPr txBox="1">
+            <a:spLocks noGrp="1"/>
+          </p:cNvSpPr>
+          <p:nvPr>
+            <p:ph type="body" idx="1"/>
+          </p:nvPr>
+        </p:nvSpPr>
+        <p:spPr>
+          <a:xfrm>
+            <a:off x="685800" y="4343400"/>
+            <a:ext cx="5486400" cy="4114800"/>
+          </a:xfrm>
+          <a:prstGeom prst="rect">
+            <a:avLst/>
+          </a:prstGeom>
+        </p:spPr>
+        <p:txBody>
+          <a:bodyPr spcFirstLastPara="1" wrap="square" lIns="91425" tIns="91425" rIns="91425" bIns="91425" anchor="t" anchorCtr="0">
+            <a:noAutofit/>
+          </a:bodyPr>
+          <a:lstStyle/>
+          <a:p>
+            <a:pPr marL="0" lvl="0" indent="0" algn="l" rtl="0">
+              <a:spcBef>
+                <a:spcPts val="0"/>
+              </a:spcBef>
+              <a:spcAft>
+                <a:spcPts val="0"/>
+              </a:spcAft>
+              <a:buNone/>
+            </a:pPr>
+            <a:endParaRPr/>
+          </a:p>
+        </p:txBody>
+      </p:sp>
+    </p:spTree>
+  </p:cSld>
+  <p:clrMapOvr>
+    <a:masterClrMapping/>
+  </p:clrMapOvr>
+</p:notes>
+</file>
+
+<file path=ppt/notesSlides/notesSlide17.xml><?xml version="1.0" encoding="utf-8"?>
+<p:notes xmlns:a="http://schemas.openxmlformats.org/drawingml/2006/main" xmlns:r="http://schemas.openxmlformats.org/officeDocument/2006/relationships" xmlns:p="http://schemas.openxmlformats.org/presentationml/2006/main" showMasterSp="0" showMasterPhAnim="0">
+  <p:cSld>
+    <p:spTree>
+      <p:nvGrpSpPr>
+        <p:cNvPr id="1" name="Shape 156"/>
+        <p:cNvGrpSpPr/>
+        <p:nvPr/>
+      </p:nvGrpSpPr>
+      <p:grpSpPr>
+        <a:xfrm>
+          <a:off x="0" y="0"/>
+          <a:ext cx="0" cy="0"/>
+          <a:chOff x="0" y="0"/>
+          <a:chExt cx="0" cy="0"/>
+        </a:xfrm>
+      </p:grpSpPr>
+      <p:sp>
+        <p:nvSpPr>
+          <p:cNvPr id="157" name="Google Shape;157;gf202640c57_0_14:notes"/>
+          <p:cNvSpPr>
+            <a:spLocks noGrp="1" noRot="1" noChangeAspect="1"/>
+          </p:cNvSpPr>
+          <p:nvPr>
+            <p:ph type="sldImg" idx="2"/>
+          </p:nvPr>
+        </p:nvSpPr>
+        <p:spPr>
+          <a:xfrm>
+            <a:off x="381000" y="685800"/>
+            <a:ext cx="6096000" cy="3429000"/>
+          </a:xfrm>
+          <a:custGeom>
+            <a:avLst/>
+            <a:gdLst/>
+            <a:ahLst/>
+            <a:cxnLst/>
+            <a:rect l="l" t="t" r="r" b="b"/>
+            <a:pathLst>
+              <a:path w="120000" h="120000" extrusionOk="0">
+                <a:moveTo>
+                  <a:pt x="0" y="0"/>
+                </a:moveTo>
+                <a:lnTo>
+                  <a:pt x="120000" y="0"/>
+                </a:lnTo>
+                <a:lnTo>
+                  <a:pt x="120000" y="120000"/>
+                </a:lnTo>
+                <a:lnTo>
+                  <a:pt x="0" y="120000"/>
+                </a:lnTo>
+                <a:close/>
+              </a:path>
+            </a:pathLst>
+          </a:custGeom>
+        </p:spPr>
+      </p:sp>
+      <p:sp>
+        <p:nvSpPr>
+          <p:cNvPr id="158" name="Google Shape;158;gf202640c57_0_14:notes"/>
+          <p:cNvSpPr txBox="1">
+            <a:spLocks noGrp="1"/>
+          </p:cNvSpPr>
+          <p:nvPr>
+            <p:ph type="body" idx="1"/>
+          </p:nvPr>
+        </p:nvSpPr>
+        <p:spPr>
+          <a:xfrm>
+            <a:off x="685800" y="4343400"/>
+            <a:ext cx="5486400" cy="4114800"/>
+          </a:xfrm>
+          <a:prstGeom prst="rect">
+            <a:avLst/>
+          </a:prstGeom>
+        </p:spPr>
+        <p:txBody>
+          <a:bodyPr spcFirstLastPara="1" wrap="square" lIns="91425" tIns="91425" rIns="91425" bIns="91425" anchor="t" anchorCtr="0">
+            <a:noAutofit/>
+          </a:bodyPr>
+          <a:lstStyle/>
+          <a:p>
+            <a:pPr marL="0" lvl="0" indent="0" algn="l" rtl="0">
+              <a:spcBef>
+                <a:spcPts val="0"/>
+              </a:spcBef>
+              <a:spcAft>
+                <a:spcPts val="0"/>
+              </a:spcAft>
+              <a:buNone/>
+            </a:pPr>
+            <a:endParaRPr/>
+          </a:p>
+        </p:txBody>
+      </p:sp>
+    </p:spTree>
+  </p:cSld>
+  <p:clrMapOvr>
+    <a:masterClrMapping/>
+  </p:clrMapOvr>
+</p:notes>
+</file>
+
+<file path=ppt/notesSlides/notesSlide18.xml><?xml version="1.0" encoding="utf-8"?>
+<p:notes xmlns:a="http://schemas.openxmlformats.org/drawingml/2006/main" xmlns:r="http://schemas.openxmlformats.org/officeDocument/2006/relationships" xmlns:p="http://schemas.openxmlformats.org/presentationml/2006/main" showMasterSp="0" showMasterPhAnim="0">
+  <p:cSld>
+    <p:spTree>
+      <p:nvGrpSpPr>
+        <p:cNvPr id="1" name="Shape 163"/>
+        <p:cNvGrpSpPr/>
+        <p:nvPr/>
+      </p:nvGrpSpPr>
+      <p:grpSpPr>
+        <a:xfrm>
+          <a:off x="0" y="0"/>
+          <a:ext cx="0" cy="0"/>
+          <a:chOff x="0" y="0"/>
+          <a:chExt cx="0" cy="0"/>
+        </a:xfrm>
+      </p:grpSpPr>
+      <p:sp>
+        <p:nvSpPr>
+          <p:cNvPr id="164" name="Google Shape;164;gf202640c57_0_8:notes"/>
+          <p:cNvSpPr>
+            <a:spLocks noGrp="1" noRot="1" noChangeAspect="1"/>
+          </p:cNvSpPr>
+          <p:nvPr>
+            <p:ph type="sldImg" idx="2"/>
+          </p:nvPr>
+        </p:nvSpPr>
+        <p:spPr>
+          <a:xfrm>
+            <a:off x="381000" y="685800"/>
+            <a:ext cx="6096000" cy="3429000"/>
+          </a:xfrm>
+          <a:custGeom>
+            <a:avLst/>
+            <a:gdLst/>
+            <a:ahLst/>
+            <a:cxnLst/>
+            <a:rect l="l" t="t" r="r" b="b"/>
+            <a:pathLst>
+              <a:path w="120000" h="120000" extrusionOk="0">
+                <a:moveTo>
+                  <a:pt x="0" y="0"/>
+                </a:moveTo>
+                <a:lnTo>
+                  <a:pt x="120000" y="0"/>
+                </a:lnTo>
+                <a:lnTo>
+                  <a:pt x="120000" y="120000"/>
+                </a:lnTo>
+                <a:lnTo>
+                  <a:pt x="0" y="120000"/>
+                </a:lnTo>
+                <a:close/>
+              </a:path>
+            </a:pathLst>
+          </a:custGeom>
+        </p:spPr>
+      </p:sp>
+      <p:sp>
+        <p:nvSpPr>
+          <p:cNvPr id="165" name="Google Shape;165;gf202640c57_0_8:notes"/>
+          <p:cNvSpPr txBox="1">
+            <a:spLocks noGrp="1"/>
+          </p:cNvSpPr>
+          <p:nvPr>
+            <p:ph type="body" idx="1"/>
+          </p:nvPr>
+        </p:nvSpPr>
+        <p:spPr>
+          <a:xfrm>
+            <a:off x="685800" y="4343400"/>
+            <a:ext cx="5486400" cy="4114800"/>
+          </a:xfrm>
+          <a:prstGeom prst="rect">
+            <a:avLst/>
+          </a:prstGeom>
+        </p:spPr>
+        <p:txBody>
+          <a:bodyPr spcFirstLastPara="1" wrap="square" lIns="91425" tIns="91425" rIns="91425" bIns="91425" anchor="t" anchorCtr="0">
+            <a:noAutofit/>
+          </a:bodyPr>
+          <a:lstStyle/>
+          <a:p>
+            <a:pPr marL="0" lvl="0" indent="0" algn="l" rtl="0">
+              <a:spcBef>
+                <a:spcPts val="0"/>
+              </a:spcBef>
+              <a:spcAft>
+                <a:spcPts val="0"/>
+              </a:spcAft>
+              <a:buNone/>
+            </a:pPr>
+            <a:endParaRPr/>
+          </a:p>
+        </p:txBody>
+      </p:sp>
+    </p:spTree>
+  </p:cSld>
+  <p:clrMapOvr>
+    <a:masterClrMapping/>
+  </p:clrMapOvr>
+</p:notes>
+</file>
+
+<file path=ppt/notesSlides/notesSlide2.xml><?xml version="1.0" encoding="utf-8"?>
+<p:notes xmlns:a="http://schemas.openxmlformats.org/drawingml/2006/main" xmlns:r="http://schemas.openxmlformats.org/officeDocument/2006/relationships" xmlns:p="http://schemas.openxmlformats.org/presentationml/2006/main" showMasterSp="0" showMasterPhAnim="0">
+  <p:cSld>
+    <p:spTree>
+      <p:nvGrpSpPr>
+        <p:cNvPr id="1" name="Shape 72"/>
+        <p:cNvGrpSpPr/>
+        <p:nvPr/>
+      </p:nvGrpSpPr>
+      <p:grpSpPr>
+        <a:xfrm>
+          <a:off x="0" y="0"/>
+          <a:ext cx="0" cy="0"/>
+          <a:chOff x="0" y="0"/>
+          <a:chExt cx="0" cy="0"/>
+        </a:xfrm>
+      </p:grpSpPr>
+      <p:sp>
+        <p:nvSpPr>
+          <p:cNvPr id="73" name="Google Shape;73;p:notes"/>
+          <p:cNvSpPr>
+            <a:spLocks noGrp="1" noRot="1" noChangeAspect="1"/>
+          </p:cNvSpPr>
+          <p:nvPr>
+            <p:ph type="sldImg" idx="2"/>
+          </p:nvPr>
+        </p:nvSpPr>
+        <p:spPr>
+          <a:xfrm>
+            <a:off x="381300" y="685800"/>
+            <a:ext cx="6096075" cy="3429000"/>
+          </a:xfrm>
+          <a:custGeom>
+            <a:avLst/>
+            <a:gdLst/>
+            <a:ahLst/>
+            <a:cxnLst/>
+            <a:rect l="l" t="t" r="r" b="b"/>
+            <a:pathLst>
+              <a:path w="120000" h="120000" extrusionOk="0">
+                <a:moveTo>
+                  <a:pt x="0" y="0"/>
+                </a:moveTo>
+                <a:lnTo>
+                  <a:pt x="120000" y="0"/>
+                </a:lnTo>
+                <a:lnTo>
+                  <a:pt x="120000" y="120000"/>
+                </a:lnTo>
+                <a:lnTo>
+                  <a:pt x="0" y="120000"/>
+                </a:lnTo>
+                <a:close/>
+              </a:path>
+            </a:pathLst>
+          </a:custGeom>
+        </p:spPr>
+      </p:sp>
+      <p:sp>
+        <p:nvSpPr>
+          <p:cNvPr id="74" name="Google Shape;74;p:notes"/>
+          <p:cNvSpPr txBox="1">
+            <a:spLocks noGrp="1"/>
+          </p:cNvSpPr>
+          <p:nvPr>
+            <p:ph type="body" idx="1"/>
+          </p:nvPr>
+        </p:nvSpPr>
+        <p:spPr>
+          <a:xfrm>
+            <a:off x="685800" y="4343400"/>
+            <a:ext cx="5486400" cy="4114800"/>
+          </a:xfrm>
+          <a:prstGeom prst="rect">
+            <a:avLst/>
+          </a:prstGeom>
+        </p:spPr>
+        <p:txBody>
+          <a:bodyPr spcFirstLastPara="1" wrap="square" lIns="91425" tIns="91425" rIns="91425" bIns="91425" anchor="t" anchorCtr="0">
+            <a:noAutofit/>
+          </a:bodyPr>
+          <a:lstStyle/>
+          <a:p>
+            <a:pPr marL="0" lvl="0" indent="0" algn="l" rtl="0">
+              <a:spcBef>
+                <a:spcPts val="0"/>
+              </a:spcBef>
+              <a:spcAft>
+                <a:spcPts val="0"/>
+              </a:spcAft>
+              <a:buNone/>
+            </a:pPr>
+            <a:endParaRPr/>
+          </a:p>
+        </p:txBody>
+      </p:sp>
+    </p:spTree>
+  </p:cSld>
+  <p:clrMapOvr>
+    <a:masterClrMapping/>
+  </p:clrMapOvr>
+</p:notes>
+</file>
+
+<file path=ppt/notesSlides/notesSlide3.xml><?xml version="1.0" encoding="utf-8"?>
+<p:notes xmlns:a="http://schemas.openxmlformats.org/drawingml/2006/main" xmlns:r="http://schemas.openxmlformats.org/officeDocument/2006/relationships" xmlns:p="http://schemas.openxmlformats.org/presentationml/2006/main" showMasterSp="0" showMasterPhAnim="0">
+  <p:cSld>
+    <p:spTree>
+      <p:nvGrpSpPr>
+        <p:cNvPr id="1" name="Shape 79"/>
+        <p:cNvGrpSpPr/>
+        <p:nvPr/>
+      </p:nvGrpSpPr>
+      <p:grpSpPr>
+        <a:xfrm>
+          <a:off x="0" y="0"/>
+          <a:ext cx="0" cy="0"/>
+          <a:chOff x="0" y="0"/>
+          <a:chExt cx="0" cy="0"/>
+        </a:xfrm>
+      </p:grpSpPr>
+      <p:sp>
+        <p:nvSpPr>
+          <p:cNvPr id="80" name="Google Shape;80;gf24172381d_0_5:notes"/>
+          <p:cNvSpPr>
+            <a:spLocks noGrp="1" noRot="1" noChangeAspect="1"/>
+          </p:cNvSpPr>
+          <p:nvPr>
+            <p:ph type="sldImg" idx="2"/>
+          </p:nvPr>
+        </p:nvSpPr>
+        <p:spPr>
+          <a:xfrm>
+            <a:off x="381000" y="685800"/>
+            <a:ext cx="6096000" cy="3429000"/>
+          </a:xfrm>
+          <a:custGeom>
+            <a:avLst/>
+            <a:gdLst/>
+            <a:ahLst/>
+            <a:cxnLst/>
+            <a:rect l="l" t="t" r="r" b="b"/>
+            <a:pathLst>
+              <a:path w="120000" h="120000" extrusionOk="0">
+                <a:moveTo>
+                  <a:pt x="0" y="0"/>
+                </a:moveTo>
+                <a:lnTo>
+                  <a:pt x="120000" y="0"/>
+                </a:lnTo>
+                <a:lnTo>
+                  <a:pt x="120000" y="120000"/>
+                </a:lnTo>
+                <a:lnTo>
+                  <a:pt x="0" y="120000"/>
+                </a:lnTo>
+                <a:close/>
+              </a:path>
+            </a:pathLst>
+          </a:custGeom>
+        </p:spPr>
+      </p:sp>
+      <p:sp>
+        <p:nvSpPr>
+          <p:cNvPr id="81" name="Google Shape;81;gf24172381d_0_5:notes"/>
+          <p:cNvSpPr txBox="1">
+            <a:spLocks noGrp="1"/>
+          </p:cNvSpPr>
+          <p:nvPr>
+            <p:ph type="body" idx="1"/>
+          </p:nvPr>
+        </p:nvSpPr>
+        <p:spPr>
+          <a:xfrm>
+            <a:off x="685800" y="4343400"/>
+            <a:ext cx="5486400" cy="4114800"/>
+          </a:xfrm>
+          <a:prstGeom prst="rect">
+            <a:avLst/>
+          </a:prstGeom>
+        </p:spPr>
+        <p:txBody>
+          <a:bodyPr spcFirstLastPara="1" wrap="square" lIns="91425" tIns="91425" rIns="91425" bIns="91425" anchor="t" anchorCtr="0">
+            <a:noAutofit/>
+          </a:bodyPr>
+          <a:lstStyle/>
+          <a:p>
+            <a:pPr marL="0" lvl="0" indent="0" algn="l" rtl="0">
+              <a:spcBef>
+                <a:spcPts val="0"/>
+              </a:spcBef>
+              <a:spcAft>
+                <a:spcPts val="0"/>
+              </a:spcAft>
+              <a:buNone/>
+            </a:pPr>
+            <a:endParaRPr/>
+          </a:p>
+        </p:txBody>
+      </p:sp>
+    </p:spTree>
+  </p:cSld>
+  <p:clrMapOvr>
+    <a:masterClrMapping/>
+  </p:clrMapOvr>
+</p:notes>
+</file>
+
+<file path=ppt/notesSlides/notesSlide4.xml><?xml version="1.0" encoding="utf-8"?>
+<p:notes xmlns:a="http://schemas.openxmlformats.org/drawingml/2006/main" xmlns:r="http://schemas.openxmlformats.org/officeDocument/2006/relationships" xmlns:p="http://schemas.openxmlformats.org/presentationml/2006/main" showMasterSp="0" showMasterPhAnim="0">
+  <p:cSld>
+    <p:spTree>
+      <p:nvGrpSpPr>
+        <p:cNvPr id="1" name="Shape 86"/>
+        <p:cNvGrpSpPr/>
+        <p:nvPr/>
+      </p:nvGrpSpPr>
+      <p:grpSpPr>
+        <a:xfrm>
+          <a:off x="0" y="0"/>
+          <a:ext cx="0" cy="0"/>
+          <a:chOff x="0" y="0"/>
+          <a:chExt cx="0" cy="0"/>
+        </a:xfrm>
+      </p:grpSpPr>
+      <p:sp>
+        <p:nvSpPr>
+          <p:cNvPr id="87" name="Google Shape;87;gf1f028e864_1_1:notes"/>
+          <p:cNvSpPr>
+            <a:spLocks noGrp="1" noRot="1" noChangeAspect="1"/>
+          </p:cNvSpPr>
+          <p:nvPr>
+            <p:ph type="sldImg" idx="2"/>
+          </p:nvPr>
+        </p:nvSpPr>
+        <p:spPr>
+          <a:xfrm>
+            <a:off x="381000" y="685800"/>
+            <a:ext cx="6096000" cy="3429000"/>
+          </a:xfrm>
+          <a:custGeom>
+            <a:avLst/>
+            <a:gdLst/>
+            <a:ahLst/>
+            <a:cxnLst/>
+            <a:rect l="l" t="t" r="r" b="b"/>
+            <a:pathLst>
+              <a:path w="120000" h="120000" extrusionOk="0">
+                <a:moveTo>
+                  <a:pt x="0" y="0"/>
+                </a:moveTo>
+                <a:lnTo>
+                  <a:pt x="120000" y="0"/>
+                </a:lnTo>
+                <a:lnTo>
+                  <a:pt x="120000" y="120000"/>
+                </a:lnTo>
+                <a:lnTo>
+                  <a:pt x="0" y="120000"/>
+                </a:lnTo>
+                <a:close/>
+              </a:path>
+            </a:pathLst>
+          </a:custGeom>
+        </p:spPr>
+      </p:sp>
+      <p:sp>
+        <p:nvSpPr>
+          <p:cNvPr id="88" name="Google Shape;88;gf1f028e864_1_1:notes"/>
+          <p:cNvSpPr txBox="1">
+            <a:spLocks noGrp="1"/>
+          </p:cNvSpPr>
+          <p:nvPr>
+            <p:ph type="body" idx="1"/>
+          </p:nvPr>
+        </p:nvSpPr>
+        <p:spPr>
+          <a:xfrm>
+            <a:off x="685800" y="4343400"/>
+            <a:ext cx="5486400" cy="4114800"/>
+          </a:xfrm>
+          <a:prstGeom prst="rect">
+            <a:avLst/>
+          </a:prstGeom>
+        </p:spPr>
+        <p:txBody>
+          <a:bodyPr spcFirstLastPara="1" wrap="square" lIns="91425" tIns="91425" rIns="91425" bIns="91425" anchor="t" anchorCtr="0">
+            <a:noAutofit/>
+          </a:bodyPr>
+          <a:lstStyle/>
+          <a:p>
+            <a:pPr marL="0" lvl="0" indent="0" algn="l" rtl="0">
+              <a:spcBef>
+                <a:spcPts val="0"/>
+              </a:spcBef>
+              <a:spcAft>
+                <a:spcPts val="0"/>
+              </a:spcAft>
+              <a:buNone/>
+            </a:pPr>
+            <a:endParaRPr/>
+          </a:p>
+        </p:txBody>
+      </p:sp>
+    </p:spTree>
+  </p:cSld>
+  <p:clrMapOvr>
+    <a:masterClrMapping/>
+  </p:clrMapOvr>
+</p:notes>
+</file>
+
+<file path=ppt/notesSlides/notesSlide5.xml><?xml version="1.0" encoding="utf-8"?>
+<p:notes xmlns:a="http://schemas.openxmlformats.org/drawingml/2006/main" xmlns:r="http://schemas.openxmlformats.org/officeDocument/2006/relationships" xmlns:p="http://schemas.openxmlformats.org/presentationml/2006/main" showMasterSp="0" showMasterPhAnim="0">
+  <p:cSld>
+    <p:spTree>
+      <p:nvGrpSpPr>
+        <p:cNvPr id="1" name="Shape 93"/>
+        <p:cNvGrpSpPr/>
+        <p:nvPr/>
+      </p:nvGrpSpPr>
+      <p:grpSpPr>
+        <a:xfrm>
+          <a:off x="0" y="0"/>
+          <a:ext cx="0" cy="0"/>
+          <a:chOff x="0" y="0"/>
+          <a:chExt cx="0" cy="0"/>
+        </a:xfrm>
+      </p:grpSpPr>
+      <p:sp>
+        <p:nvSpPr>
+          <p:cNvPr id="94" name="Google Shape;94;gf6bbe62a93_0_2:notes"/>
+          <p:cNvSpPr>
+            <a:spLocks noGrp="1" noRot="1" noChangeAspect="1"/>
+          </p:cNvSpPr>
+          <p:nvPr>
+            <p:ph type="sldImg" idx="2"/>
+          </p:nvPr>
+        </p:nvSpPr>
+        <p:spPr>
+          <a:xfrm>
+            <a:off x="381000" y="685800"/>
+            <a:ext cx="6096000" cy="3429000"/>
+          </a:xfrm>
+          <a:custGeom>
+            <a:avLst/>
+            <a:gdLst/>
+            <a:ahLst/>
+            <a:cxnLst/>
+            <a:rect l="l" t="t" r="r" b="b"/>
+            <a:pathLst>
+              <a:path w="120000" h="120000" extrusionOk="0">
+                <a:moveTo>
+                  <a:pt x="0" y="0"/>
+                </a:moveTo>
+                <a:lnTo>
+                  <a:pt x="120000" y="0"/>
+                </a:lnTo>
+                <a:lnTo>
+                  <a:pt x="120000" y="120000"/>
+                </a:lnTo>
+                <a:lnTo>
+                  <a:pt x="0" y="120000"/>
+                </a:lnTo>
+                <a:close/>
+              </a:path>
+            </a:pathLst>
+          </a:custGeom>
+        </p:spPr>
+      </p:sp>
+      <p:sp>
+        <p:nvSpPr>
+          <p:cNvPr id="95" name="Google Shape;95;gf6bbe62a93_0_2:notes"/>
+          <p:cNvSpPr txBox="1">
+            <a:spLocks noGrp="1"/>
+          </p:cNvSpPr>
+          <p:nvPr>
+            <p:ph type="body" idx="1"/>
+          </p:nvPr>
+        </p:nvSpPr>
+        <p:spPr>
+          <a:xfrm>
+            <a:off x="685800" y="4343400"/>
+            <a:ext cx="5486400" cy="4114800"/>
+          </a:xfrm>
+          <a:prstGeom prst="rect">
+            <a:avLst/>
+          </a:prstGeom>
+        </p:spPr>
+        <p:txBody>
+          <a:bodyPr spcFirstLastPara="1" wrap="square" lIns="91425" tIns="91425" rIns="91425" bIns="91425" anchor="t" anchorCtr="0">
+            <a:noAutofit/>
+          </a:bodyPr>
+          <a:lstStyle/>
+          <a:p>
+            <a:pPr marL="0" lvl="0" indent="0" algn="l" rtl="0">
+              <a:spcBef>
+                <a:spcPts val="0"/>
+              </a:spcBef>
+              <a:spcAft>
+                <a:spcPts val="0"/>
+              </a:spcAft>
+              <a:buNone/>
+            </a:pPr>
+            <a:endParaRPr/>
+          </a:p>
+        </p:txBody>
+      </p:sp>
+    </p:spTree>
+  </p:cSld>
+  <p:clrMapOvr>
+    <a:masterClrMapping/>
+  </p:clrMapOvr>
+</p:notes>
+</file>
+
+<file path=ppt/notesSlides/notesSlide6.xml><?xml version="1.0" encoding="utf-8"?>
+<p:notes xmlns:a="http://schemas.openxmlformats.org/drawingml/2006/main" xmlns:r="http://schemas.openxmlformats.org/officeDocument/2006/relationships" xmlns:p="http://schemas.openxmlformats.org/presentationml/2006/main" showMasterSp="0" showMasterPhAnim="0">
+  <p:cSld>
+    <p:spTree>
+      <p:nvGrpSpPr>
+        <p:cNvPr id="1" name="Shape 100"/>
+        <p:cNvGrpSpPr/>
+        <p:nvPr/>
+      </p:nvGrpSpPr>
+      <p:grpSpPr>
+        <a:xfrm>
+          <a:off x="0" y="0"/>
+          <a:ext cx="0" cy="0"/>
+          <a:chOff x="0" y="0"/>
+          <a:chExt cx="0" cy="0"/>
+        </a:xfrm>
+      </p:grpSpPr>
+      <p:sp>
+        <p:nvSpPr>
+          <p:cNvPr id="101" name="Google Shape;101;gf6bbe62a93_0_8:notes"/>
+          <p:cNvSpPr>
+            <a:spLocks noGrp="1" noRot="1" noChangeAspect="1"/>
+          </p:cNvSpPr>
+          <p:nvPr>
+            <p:ph type="sldImg" idx="2"/>
+          </p:nvPr>
+        </p:nvSpPr>
+        <p:spPr>
+          <a:xfrm>
+            <a:off x="381000" y="685800"/>
+            <a:ext cx="6096000" cy="3429000"/>
+          </a:xfrm>
+          <a:custGeom>
+            <a:avLst/>
+            <a:gdLst/>
+            <a:ahLst/>
+            <a:cxnLst/>
+            <a:rect l="l" t="t" r="r" b="b"/>
+            <a:pathLst>
+              <a:path w="120000" h="120000" extrusionOk="0">
+                <a:moveTo>
+                  <a:pt x="0" y="0"/>
+                </a:moveTo>
+                <a:lnTo>
+                  <a:pt x="120000" y="0"/>
+                </a:lnTo>
+                <a:lnTo>
+                  <a:pt x="120000" y="120000"/>
+                </a:lnTo>
+                <a:lnTo>
+                  <a:pt x="0" y="120000"/>
+                </a:lnTo>
+                <a:close/>
+              </a:path>
+            </a:pathLst>
+          </a:custGeom>
+        </p:spPr>
+      </p:sp>
+      <p:sp>
+        <p:nvSpPr>
+          <p:cNvPr id="102" name="Google Shape;102;gf6bbe62a93_0_8:notes"/>
+          <p:cNvSpPr txBox="1">
+            <a:spLocks noGrp="1"/>
+          </p:cNvSpPr>
+          <p:nvPr>
+            <p:ph type="body" idx="1"/>
+          </p:nvPr>
+        </p:nvSpPr>
+        <p:spPr>
+          <a:xfrm>
+            <a:off x="685800" y="4343400"/>
+            <a:ext cx="5486400" cy="4114800"/>
+          </a:xfrm>
+          <a:prstGeom prst="rect">
+            <a:avLst/>
+          </a:prstGeom>
+        </p:spPr>
+        <p:txBody>
+          <a:bodyPr spcFirstLastPara="1" wrap="square" lIns="91425" tIns="91425" rIns="91425" bIns="91425" anchor="t" anchorCtr="0">
+            <a:noAutofit/>
+          </a:bodyPr>
+          <a:lstStyle/>
+          <a:p>
+            <a:pPr marL="0" lvl="0" indent="0" algn="l" rtl="0">
+              <a:spcBef>
+                <a:spcPts val="0"/>
+              </a:spcBef>
+              <a:spcAft>
+                <a:spcPts val="0"/>
+              </a:spcAft>
+              <a:buNone/>
+            </a:pPr>
+            <a:endParaRPr/>
+          </a:p>
+        </p:txBody>
+      </p:sp>
+    </p:spTree>
+  </p:cSld>
+  <p:clrMapOvr>
+    <a:masterClrMapping/>
+  </p:clrMapOvr>
+</p:notes>
+</file>
+
+<file path=ppt/notesSlides/notesSlide7.xml><?xml version="1.0" encoding="utf-8"?>
 <p:notes xmlns:a="http://schemas.openxmlformats.org/drawingml/2006/main" xmlns:r="http://schemas.openxmlformats.org/officeDocument/2006/relationships" xmlns:p="http://schemas.openxmlformats.org/presentationml/2006/main" showMasterSp="0" showMasterPhAnim="0">
   <p:cSld>
     <p:spTree>
@@ -1334,1467 +2692,6 @@
       <p:sp>
         <p:nvSpPr>
           <p:cNvPr id="109" name="Google Shape;109;gf24172381d_0_21:notes"/>
-          <p:cNvSpPr txBox="1">
-            <a:spLocks noGrp="1"/>
-          </p:cNvSpPr>
-          <p:nvPr>
-            <p:ph type="body" idx="1"/>
-          </p:nvPr>
-        </p:nvSpPr>
-        <p:spPr>
-          <a:xfrm>
-            <a:off x="685800" y="4343400"/>
-            <a:ext cx="5486400" cy="4114800"/>
-          </a:xfrm>
-          <a:prstGeom prst="rect">
-            <a:avLst/>
-          </a:prstGeom>
-        </p:spPr>
-        <p:txBody>
-          <a:bodyPr spcFirstLastPara="1" wrap="square" lIns="91425" tIns="91425" rIns="91425" bIns="91425" anchor="t" anchorCtr="0">
-            <a:noAutofit/>
-          </a:bodyPr>
-          <a:lstStyle/>
-          <a:p>
-            <a:pPr marL="0" lvl="0" indent="0" algn="l" rtl="0">
-              <a:spcBef>
-                <a:spcPts val="0"/>
-              </a:spcBef>
-              <a:spcAft>
-                <a:spcPts val="0"/>
-              </a:spcAft>
-              <a:buNone/>
-            </a:pPr>
-            <a:endParaRPr/>
-          </a:p>
-        </p:txBody>
-      </p:sp>
-    </p:spTree>
-    <p:extLst>
-      <p:ext uri="{BB962C8B-B14F-4D97-AF65-F5344CB8AC3E}">
-        <p14:creationId xmlns:p14="http://schemas.microsoft.com/office/powerpoint/2010/main" val="3585179434"/>
-      </p:ext>
-    </p:extLst>
-  </p:cSld>
-  <p:clrMapOvr>
-    <a:masterClrMapping/>
-  </p:clrMapOvr>
-</p:notes>
-</file>
-
-<file path=ppt/notesSlides/notesSlide12.xml><?xml version="1.0" encoding="utf-8"?>
-<p:notes xmlns:a="http://schemas.openxmlformats.org/drawingml/2006/main" xmlns:r="http://schemas.openxmlformats.org/officeDocument/2006/relationships" xmlns:p="http://schemas.openxmlformats.org/presentationml/2006/main" showMasterSp="0" showMasterPhAnim="0">
-  <p:cSld>
-    <p:spTree>
-      <p:nvGrpSpPr>
-        <p:cNvPr id="1" name="Shape 114"/>
-        <p:cNvGrpSpPr/>
-        <p:nvPr/>
-      </p:nvGrpSpPr>
-      <p:grpSpPr>
-        <a:xfrm>
-          <a:off x="0" y="0"/>
-          <a:ext cx="0" cy="0"/>
-          <a:chOff x="0" y="0"/>
-          <a:chExt cx="0" cy="0"/>
-        </a:xfrm>
-      </p:grpSpPr>
-      <p:sp>
-        <p:nvSpPr>
-          <p:cNvPr id="115" name="Google Shape;115;gf6bbe62a93_0_16:notes"/>
-          <p:cNvSpPr>
-            <a:spLocks noGrp="1" noRot="1" noChangeAspect="1"/>
-          </p:cNvSpPr>
-          <p:nvPr>
-            <p:ph type="sldImg" idx="2"/>
-          </p:nvPr>
-        </p:nvSpPr>
-        <p:spPr>
-          <a:xfrm>
-            <a:off x="381000" y="685800"/>
-            <a:ext cx="6096000" cy="3429000"/>
-          </a:xfrm>
-          <a:custGeom>
-            <a:avLst/>
-            <a:gdLst/>
-            <a:ahLst/>
-            <a:cxnLst/>
-            <a:rect l="l" t="t" r="r" b="b"/>
-            <a:pathLst>
-              <a:path w="120000" h="120000" extrusionOk="0">
-                <a:moveTo>
-                  <a:pt x="0" y="0"/>
-                </a:moveTo>
-                <a:lnTo>
-                  <a:pt x="120000" y="0"/>
-                </a:lnTo>
-                <a:lnTo>
-                  <a:pt x="120000" y="120000"/>
-                </a:lnTo>
-                <a:lnTo>
-                  <a:pt x="0" y="120000"/>
-                </a:lnTo>
-                <a:close/>
-              </a:path>
-            </a:pathLst>
-          </a:custGeom>
-        </p:spPr>
-      </p:sp>
-      <p:sp>
-        <p:nvSpPr>
-          <p:cNvPr id="116" name="Google Shape;116;gf6bbe62a93_0_16:notes"/>
-          <p:cNvSpPr txBox="1">
-            <a:spLocks noGrp="1"/>
-          </p:cNvSpPr>
-          <p:nvPr>
-            <p:ph type="body" idx="1"/>
-          </p:nvPr>
-        </p:nvSpPr>
-        <p:spPr>
-          <a:xfrm>
-            <a:off x="685800" y="4343400"/>
-            <a:ext cx="5486400" cy="4114800"/>
-          </a:xfrm>
-          <a:prstGeom prst="rect">
-            <a:avLst/>
-          </a:prstGeom>
-        </p:spPr>
-        <p:txBody>
-          <a:bodyPr spcFirstLastPara="1" wrap="square" lIns="91425" tIns="91425" rIns="91425" bIns="91425" anchor="t" anchorCtr="0">
-            <a:noAutofit/>
-          </a:bodyPr>
-          <a:lstStyle/>
-          <a:p>
-            <a:pPr marL="0" lvl="0" indent="0" algn="l" rtl="0">
-              <a:spcBef>
-                <a:spcPts val="0"/>
-              </a:spcBef>
-              <a:spcAft>
-                <a:spcPts val="0"/>
-              </a:spcAft>
-              <a:buNone/>
-            </a:pPr>
-            <a:endParaRPr/>
-          </a:p>
-        </p:txBody>
-      </p:sp>
-    </p:spTree>
-  </p:cSld>
-  <p:clrMapOvr>
-    <a:masterClrMapping/>
-  </p:clrMapOvr>
-</p:notes>
-</file>
-
-<file path=ppt/notesSlides/notesSlide13.xml><?xml version="1.0" encoding="utf-8"?>
-<p:notes xmlns:a="http://schemas.openxmlformats.org/drawingml/2006/main" xmlns:r="http://schemas.openxmlformats.org/officeDocument/2006/relationships" xmlns:p="http://schemas.openxmlformats.org/presentationml/2006/main" showMasterSp="0" showMasterPhAnim="0">
-  <p:cSld>
-    <p:spTree>
-      <p:nvGrpSpPr>
-        <p:cNvPr id="1" name="Shape 121"/>
-        <p:cNvGrpSpPr/>
-        <p:nvPr/>
-      </p:nvGrpSpPr>
-      <p:grpSpPr>
-        <a:xfrm>
-          <a:off x="0" y="0"/>
-          <a:ext cx="0" cy="0"/>
-          <a:chOff x="0" y="0"/>
-          <a:chExt cx="0" cy="0"/>
-        </a:xfrm>
-      </p:grpSpPr>
-      <p:sp>
-        <p:nvSpPr>
-          <p:cNvPr id="122" name="Google Shape;122;gf202640c57_0_0:notes"/>
-          <p:cNvSpPr>
-            <a:spLocks noGrp="1" noRot="1" noChangeAspect="1"/>
-          </p:cNvSpPr>
-          <p:nvPr>
-            <p:ph type="sldImg" idx="2"/>
-          </p:nvPr>
-        </p:nvSpPr>
-        <p:spPr>
-          <a:xfrm>
-            <a:off x="381000" y="685800"/>
-            <a:ext cx="6096000" cy="3429000"/>
-          </a:xfrm>
-          <a:custGeom>
-            <a:avLst/>
-            <a:gdLst/>
-            <a:ahLst/>
-            <a:cxnLst/>
-            <a:rect l="l" t="t" r="r" b="b"/>
-            <a:pathLst>
-              <a:path w="120000" h="120000" extrusionOk="0">
-                <a:moveTo>
-                  <a:pt x="0" y="0"/>
-                </a:moveTo>
-                <a:lnTo>
-                  <a:pt x="120000" y="0"/>
-                </a:lnTo>
-                <a:lnTo>
-                  <a:pt x="120000" y="120000"/>
-                </a:lnTo>
-                <a:lnTo>
-                  <a:pt x="0" y="120000"/>
-                </a:lnTo>
-                <a:close/>
-              </a:path>
-            </a:pathLst>
-          </a:custGeom>
-        </p:spPr>
-      </p:sp>
-      <p:sp>
-        <p:nvSpPr>
-          <p:cNvPr id="123" name="Google Shape;123;gf202640c57_0_0:notes"/>
-          <p:cNvSpPr txBox="1">
-            <a:spLocks noGrp="1"/>
-          </p:cNvSpPr>
-          <p:nvPr>
-            <p:ph type="body" idx="1"/>
-          </p:nvPr>
-        </p:nvSpPr>
-        <p:spPr>
-          <a:xfrm>
-            <a:off x="685800" y="4343400"/>
-            <a:ext cx="5486400" cy="4114800"/>
-          </a:xfrm>
-          <a:prstGeom prst="rect">
-            <a:avLst/>
-          </a:prstGeom>
-        </p:spPr>
-        <p:txBody>
-          <a:bodyPr spcFirstLastPara="1" wrap="square" lIns="91425" tIns="91425" rIns="91425" bIns="91425" anchor="t" anchorCtr="0">
-            <a:noAutofit/>
-          </a:bodyPr>
-          <a:lstStyle/>
-          <a:p>
-            <a:pPr marL="0" lvl="0" indent="0" algn="l" rtl="0">
-              <a:spcBef>
-                <a:spcPts val="0"/>
-              </a:spcBef>
-              <a:spcAft>
-                <a:spcPts val="0"/>
-              </a:spcAft>
-              <a:buNone/>
-            </a:pPr>
-            <a:endParaRPr/>
-          </a:p>
-        </p:txBody>
-      </p:sp>
-    </p:spTree>
-  </p:cSld>
-  <p:clrMapOvr>
-    <a:masterClrMapping/>
-  </p:clrMapOvr>
-</p:notes>
-</file>
-
-<file path=ppt/notesSlides/notesSlide14.xml><?xml version="1.0" encoding="utf-8"?>
-<p:notes xmlns:a="http://schemas.openxmlformats.org/drawingml/2006/main" xmlns:r="http://schemas.openxmlformats.org/officeDocument/2006/relationships" xmlns:p="http://schemas.openxmlformats.org/presentationml/2006/main" showMasterSp="0" showMasterPhAnim="0">
-  <p:cSld>
-    <p:spTree>
-      <p:nvGrpSpPr>
-        <p:cNvPr id="1" name="Shape 128"/>
-        <p:cNvGrpSpPr/>
-        <p:nvPr/>
-      </p:nvGrpSpPr>
-      <p:grpSpPr>
-        <a:xfrm>
-          <a:off x="0" y="0"/>
-          <a:ext cx="0" cy="0"/>
-          <a:chOff x="0" y="0"/>
-          <a:chExt cx="0" cy="0"/>
-        </a:xfrm>
-      </p:grpSpPr>
-      <p:sp>
-        <p:nvSpPr>
-          <p:cNvPr id="129" name="Google Shape;129;gf6bbe62a93_0_22:notes"/>
-          <p:cNvSpPr>
-            <a:spLocks noGrp="1" noRot="1" noChangeAspect="1"/>
-          </p:cNvSpPr>
-          <p:nvPr>
-            <p:ph type="sldImg" idx="2"/>
-          </p:nvPr>
-        </p:nvSpPr>
-        <p:spPr>
-          <a:xfrm>
-            <a:off x="381000" y="685800"/>
-            <a:ext cx="6096000" cy="3429000"/>
-          </a:xfrm>
-          <a:custGeom>
-            <a:avLst/>
-            <a:gdLst/>
-            <a:ahLst/>
-            <a:cxnLst/>
-            <a:rect l="l" t="t" r="r" b="b"/>
-            <a:pathLst>
-              <a:path w="120000" h="120000" extrusionOk="0">
-                <a:moveTo>
-                  <a:pt x="0" y="0"/>
-                </a:moveTo>
-                <a:lnTo>
-                  <a:pt x="120000" y="0"/>
-                </a:lnTo>
-                <a:lnTo>
-                  <a:pt x="120000" y="120000"/>
-                </a:lnTo>
-                <a:lnTo>
-                  <a:pt x="0" y="120000"/>
-                </a:lnTo>
-                <a:close/>
-              </a:path>
-            </a:pathLst>
-          </a:custGeom>
-        </p:spPr>
-      </p:sp>
-      <p:sp>
-        <p:nvSpPr>
-          <p:cNvPr id="130" name="Google Shape;130;gf6bbe62a93_0_22:notes"/>
-          <p:cNvSpPr txBox="1">
-            <a:spLocks noGrp="1"/>
-          </p:cNvSpPr>
-          <p:nvPr>
-            <p:ph type="body" idx="1"/>
-          </p:nvPr>
-        </p:nvSpPr>
-        <p:spPr>
-          <a:xfrm>
-            <a:off x="685800" y="4343400"/>
-            <a:ext cx="5486400" cy="4114800"/>
-          </a:xfrm>
-          <a:prstGeom prst="rect">
-            <a:avLst/>
-          </a:prstGeom>
-        </p:spPr>
-        <p:txBody>
-          <a:bodyPr spcFirstLastPara="1" wrap="square" lIns="91425" tIns="91425" rIns="91425" bIns="91425" anchor="t" anchorCtr="0">
-            <a:noAutofit/>
-          </a:bodyPr>
-          <a:lstStyle/>
-          <a:p>
-            <a:pPr marL="0" lvl="0" indent="0" algn="l" rtl="0">
-              <a:spcBef>
-                <a:spcPts val="0"/>
-              </a:spcBef>
-              <a:spcAft>
-                <a:spcPts val="0"/>
-              </a:spcAft>
-              <a:buNone/>
-            </a:pPr>
-            <a:endParaRPr/>
-          </a:p>
-        </p:txBody>
-      </p:sp>
-    </p:spTree>
-  </p:cSld>
-  <p:clrMapOvr>
-    <a:masterClrMapping/>
-  </p:clrMapOvr>
-</p:notes>
-</file>
-
-<file path=ppt/notesSlides/notesSlide15.xml><?xml version="1.0" encoding="utf-8"?>
-<p:notes xmlns:a="http://schemas.openxmlformats.org/drawingml/2006/main" xmlns:r="http://schemas.openxmlformats.org/officeDocument/2006/relationships" xmlns:p="http://schemas.openxmlformats.org/presentationml/2006/main" showMasterSp="0" showMasterPhAnim="0">
-  <p:cSld>
-    <p:spTree>
-      <p:nvGrpSpPr>
-        <p:cNvPr id="1" name="Shape 135"/>
-        <p:cNvGrpSpPr/>
-        <p:nvPr/>
-      </p:nvGrpSpPr>
-      <p:grpSpPr>
-        <a:xfrm>
-          <a:off x="0" y="0"/>
-          <a:ext cx="0" cy="0"/>
-          <a:chOff x="0" y="0"/>
-          <a:chExt cx="0" cy="0"/>
-        </a:xfrm>
-      </p:grpSpPr>
-      <p:sp>
-        <p:nvSpPr>
-          <p:cNvPr id="136" name="Google Shape;136;gf202640c57_0_32:notes"/>
-          <p:cNvSpPr>
-            <a:spLocks noGrp="1" noRot="1" noChangeAspect="1"/>
-          </p:cNvSpPr>
-          <p:nvPr>
-            <p:ph type="sldImg" idx="2"/>
-          </p:nvPr>
-        </p:nvSpPr>
-        <p:spPr>
-          <a:xfrm>
-            <a:off x="381000" y="685800"/>
-            <a:ext cx="6096000" cy="3429000"/>
-          </a:xfrm>
-          <a:custGeom>
-            <a:avLst/>
-            <a:gdLst/>
-            <a:ahLst/>
-            <a:cxnLst/>
-            <a:rect l="l" t="t" r="r" b="b"/>
-            <a:pathLst>
-              <a:path w="120000" h="120000" extrusionOk="0">
-                <a:moveTo>
-                  <a:pt x="0" y="0"/>
-                </a:moveTo>
-                <a:lnTo>
-                  <a:pt x="120000" y="0"/>
-                </a:lnTo>
-                <a:lnTo>
-                  <a:pt x="120000" y="120000"/>
-                </a:lnTo>
-                <a:lnTo>
-                  <a:pt x="0" y="120000"/>
-                </a:lnTo>
-                <a:close/>
-              </a:path>
-            </a:pathLst>
-          </a:custGeom>
-        </p:spPr>
-      </p:sp>
-      <p:sp>
-        <p:nvSpPr>
-          <p:cNvPr id="137" name="Google Shape;137;gf202640c57_0_32:notes"/>
-          <p:cNvSpPr txBox="1">
-            <a:spLocks noGrp="1"/>
-          </p:cNvSpPr>
-          <p:nvPr>
-            <p:ph type="body" idx="1"/>
-          </p:nvPr>
-        </p:nvSpPr>
-        <p:spPr>
-          <a:xfrm>
-            <a:off x="685800" y="4343400"/>
-            <a:ext cx="5486400" cy="4114800"/>
-          </a:xfrm>
-          <a:prstGeom prst="rect">
-            <a:avLst/>
-          </a:prstGeom>
-        </p:spPr>
-        <p:txBody>
-          <a:bodyPr spcFirstLastPara="1" wrap="square" lIns="91425" tIns="91425" rIns="91425" bIns="91425" anchor="t" anchorCtr="0">
-            <a:noAutofit/>
-          </a:bodyPr>
-          <a:lstStyle/>
-          <a:p>
-            <a:pPr marL="0" lvl="0" indent="0" algn="l" rtl="0">
-              <a:spcBef>
-                <a:spcPts val="0"/>
-              </a:spcBef>
-              <a:spcAft>
-                <a:spcPts val="0"/>
-              </a:spcAft>
-              <a:buNone/>
-            </a:pPr>
-            <a:endParaRPr/>
-          </a:p>
-        </p:txBody>
-      </p:sp>
-    </p:spTree>
-  </p:cSld>
-  <p:clrMapOvr>
-    <a:masterClrMapping/>
-  </p:clrMapOvr>
-</p:notes>
-</file>
-
-<file path=ppt/notesSlides/notesSlide16.xml><?xml version="1.0" encoding="utf-8"?>
-<p:notes xmlns:a="http://schemas.openxmlformats.org/drawingml/2006/main" xmlns:r="http://schemas.openxmlformats.org/officeDocument/2006/relationships" xmlns:p="http://schemas.openxmlformats.org/presentationml/2006/main" showMasterSp="0" showMasterPhAnim="0">
-  <p:cSld>
-    <p:spTree>
-      <p:nvGrpSpPr>
-        <p:cNvPr id="1" name="Shape 142"/>
-        <p:cNvGrpSpPr/>
-        <p:nvPr/>
-      </p:nvGrpSpPr>
-      <p:grpSpPr>
-        <a:xfrm>
-          <a:off x="0" y="0"/>
-          <a:ext cx="0" cy="0"/>
-          <a:chOff x="0" y="0"/>
-          <a:chExt cx="0" cy="0"/>
-        </a:xfrm>
-      </p:grpSpPr>
-      <p:sp>
-        <p:nvSpPr>
-          <p:cNvPr id="143" name="Google Shape;143;gf202640c57_0_26:notes"/>
-          <p:cNvSpPr>
-            <a:spLocks noGrp="1" noRot="1" noChangeAspect="1"/>
-          </p:cNvSpPr>
-          <p:nvPr>
-            <p:ph type="sldImg" idx="2"/>
-          </p:nvPr>
-        </p:nvSpPr>
-        <p:spPr>
-          <a:xfrm>
-            <a:off x="381000" y="685800"/>
-            <a:ext cx="6096000" cy="3429000"/>
-          </a:xfrm>
-          <a:custGeom>
-            <a:avLst/>
-            <a:gdLst/>
-            <a:ahLst/>
-            <a:cxnLst/>
-            <a:rect l="l" t="t" r="r" b="b"/>
-            <a:pathLst>
-              <a:path w="120000" h="120000" extrusionOk="0">
-                <a:moveTo>
-                  <a:pt x="0" y="0"/>
-                </a:moveTo>
-                <a:lnTo>
-                  <a:pt x="120000" y="0"/>
-                </a:lnTo>
-                <a:lnTo>
-                  <a:pt x="120000" y="120000"/>
-                </a:lnTo>
-                <a:lnTo>
-                  <a:pt x="0" y="120000"/>
-                </a:lnTo>
-                <a:close/>
-              </a:path>
-            </a:pathLst>
-          </a:custGeom>
-        </p:spPr>
-      </p:sp>
-      <p:sp>
-        <p:nvSpPr>
-          <p:cNvPr id="144" name="Google Shape;144;gf202640c57_0_26:notes"/>
-          <p:cNvSpPr txBox="1">
-            <a:spLocks noGrp="1"/>
-          </p:cNvSpPr>
-          <p:nvPr>
-            <p:ph type="body" idx="1"/>
-          </p:nvPr>
-        </p:nvSpPr>
-        <p:spPr>
-          <a:xfrm>
-            <a:off x="685800" y="4343400"/>
-            <a:ext cx="5486400" cy="4114800"/>
-          </a:xfrm>
-          <a:prstGeom prst="rect">
-            <a:avLst/>
-          </a:prstGeom>
-        </p:spPr>
-        <p:txBody>
-          <a:bodyPr spcFirstLastPara="1" wrap="square" lIns="91425" tIns="91425" rIns="91425" bIns="91425" anchor="t" anchorCtr="0">
-            <a:noAutofit/>
-          </a:bodyPr>
-          <a:lstStyle/>
-          <a:p>
-            <a:pPr marL="0" lvl="0" indent="0" algn="l" rtl="0">
-              <a:spcBef>
-                <a:spcPts val="0"/>
-              </a:spcBef>
-              <a:spcAft>
-                <a:spcPts val="0"/>
-              </a:spcAft>
-              <a:buNone/>
-            </a:pPr>
-            <a:endParaRPr/>
-          </a:p>
-        </p:txBody>
-      </p:sp>
-    </p:spTree>
-  </p:cSld>
-  <p:clrMapOvr>
-    <a:masterClrMapping/>
-  </p:clrMapOvr>
-</p:notes>
-</file>
-
-<file path=ppt/notesSlides/notesSlide17.xml><?xml version="1.0" encoding="utf-8"?>
-<p:notes xmlns:a="http://schemas.openxmlformats.org/drawingml/2006/main" xmlns:r="http://schemas.openxmlformats.org/officeDocument/2006/relationships" xmlns:p="http://schemas.openxmlformats.org/presentationml/2006/main" showMasterSp="0" showMasterPhAnim="0">
-  <p:cSld>
-    <p:spTree>
-      <p:nvGrpSpPr>
-        <p:cNvPr id="1" name="Shape 149"/>
-        <p:cNvGrpSpPr/>
-        <p:nvPr/>
-      </p:nvGrpSpPr>
-      <p:grpSpPr>
-        <a:xfrm>
-          <a:off x="0" y="0"/>
-          <a:ext cx="0" cy="0"/>
-          <a:chOff x="0" y="0"/>
-          <a:chExt cx="0" cy="0"/>
-        </a:xfrm>
-      </p:grpSpPr>
-      <p:sp>
-        <p:nvSpPr>
-          <p:cNvPr id="150" name="Google Shape;150;gf202640c57_0_20:notes"/>
-          <p:cNvSpPr>
-            <a:spLocks noGrp="1" noRot="1" noChangeAspect="1"/>
-          </p:cNvSpPr>
-          <p:nvPr>
-            <p:ph type="sldImg" idx="2"/>
-          </p:nvPr>
-        </p:nvSpPr>
-        <p:spPr>
-          <a:xfrm>
-            <a:off x="381000" y="685800"/>
-            <a:ext cx="6096000" cy="3429000"/>
-          </a:xfrm>
-          <a:custGeom>
-            <a:avLst/>
-            <a:gdLst/>
-            <a:ahLst/>
-            <a:cxnLst/>
-            <a:rect l="l" t="t" r="r" b="b"/>
-            <a:pathLst>
-              <a:path w="120000" h="120000" extrusionOk="0">
-                <a:moveTo>
-                  <a:pt x="0" y="0"/>
-                </a:moveTo>
-                <a:lnTo>
-                  <a:pt x="120000" y="0"/>
-                </a:lnTo>
-                <a:lnTo>
-                  <a:pt x="120000" y="120000"/>
-                </a:lnTo>
-                <a:lnTo>
-                  <a:pt x="0" y="120000"/>
-                </a:lnTo>
-                <a:close/>
-              </a:path>
-            </a:pathLst>
-          </a:custGeom>
-        </p:spPr>
-      </p:sp>
-      <p:sp>
-        <p:nvSpPr>
-          <p:cNvPr id="151" name="Google Shape;151;gf202640c57_0_20:notes"/>
-          <p:cNvSpPr txBox="1">
-            <a:spLocks noGrp="1"/>
-          </p:cNvSpPr>
-          <p:nvPr>
-            <p:ph type="body" idx="1"/>
-          </p:nvPr>
-        </p:nvSpPr>
-        <p:spPr>
-          <a:xfrm>
-            <a:off x="685800" y="4343400"/>
-            <a:ext cx="5486400" cy="4114800"/>
-          </a:xfrm>
-          <a:prstGeom prst="rect">
-            <a:avLst/>
-          </a:prstGeom>
-        </p:spPr>
-        <p:txBody>
-          <a:bodyPr spcFirstLastPara="1" wrap="square" lIns="91425" tIns="91425" rIns="91425" bIns="91425" anchor="t" anchorCtr="0">
-            <a:noAutofit/>
-          </a:bodyPr>
-          <a:lstStyle/>
-          <a:p>
-            <a:pPr marL="0" lvl="0" indent="0" algn="l" rtl="0">
-              <a:spcBef>
-                <a:spcPts val="0"/>
-              </a:spcBef>
-              <a:spcAft>
-                <a:spcPts val="0"/>
-              </a:spcAft>
-              <a:buNone/>
-            </a:pPr>
-            <a:endParaRPr/>
-          </a:p>
-        </p:txBody>
-      </p:sp>
-    </p:spTree>
-  </p:cSld>
-  <p:clrMapOvr>
-    <a:masterClrMapping/>
-  </p:clrMapOvr>
-</p:notes>
-</file>
-
-<file path=ppt/notesSlides/notesSlide18.xml><?xml version="1.0" encoding="utf-8"?>
-<p:notes xmlns:a="http://schemas.openxmlformats.org/drawingml/2006/main" xmlns:r="http://schemas.openxmlformats.org/officeDocument/2006/relationships" xmlns:p="http://schemas.openxmlformats.org/presentationml/2006/main" showMasterSp="0" showMasterPhAnim="0">
-  <p:cSld>
-    <p:spTree>
-      <p:nvGrpSpPr>
-        <p:cNvPr id="1" name="Shape 156"/>
-        <p:cNvGrpSpPr/>
-        <p:nvPr/>
-      </p:nvGrpSpPr>
-      <p:grpSpPr>
-        <a:xfrm>
-          <a:off x="0" y="0"/>
-          <a:ext cx="0" cy="0"/>
-          <a:chOff x="0" y="0"/>
-          <a:chExt cx="0" cy="0"/>
-        </a:xfrm>
-      </p:grpSpPr>
-      <p:sp>
-        <p:nvSpPr>
-          <p:cNvPr id="157" name="Google Shape;157;gf202640c57_0_14:notes"/>
-          <p:cNvSpPr>
-            <a:spLocks noGrp="1" noRot="1" noChangeAspect="1"/>
-          </p:cNvSpPr>
-          <p:nvPr>
-            <p:ph type="sldImg" idx="2"/>
-          </p:nvPr>
-        </p:nvSpPr>
-        <p:spPr>
-          <a:xfrm>
-            <a:off x="381000" y="685800"/>
-            <a:ext cx="6096000" cy="3429000"/>
-          </a:xfrm>
-          <a:custGeom>
-            <a:avLst/>
-            <a:gdLst/>
-            <a:ahLst/>
-            <a:cxnLst/>
-            <a:rect l="l" t="t" r="r" b="b"/>
-            <a:pathLst>
-              <a:path w="120000" h="120000" extrusionOk="0">
-                <a:moveTo>
-                  <a:pt x="0" y="0"/>
-                </a:moveTo>
-                <a:lnTo>
-                  <a:pt x="120000" y="0"/>
-                </a:lnTo>
-                <a:lnTo>
-                  <a:pt x="120000" y="120000"/>
-                </a:lnTo>
-                <a:lnTo>
-                  <a:pt x="0" y="120000"/>
-                </a:lnTo>
-                <a:close/>
-              </a:path>
-            </a:pathLst>
-          </a:custGeom>
-        </p:spPr>
-      </p:sp>
-      <p:sp>
-        <p:nvSpPr>
-          <p:cNvPr id="158" name="Google Shape;158;gf202640c57_0_14:notes"/>
-          <p:cNvSpPr txBox="1">
-            <a:spLocks noGrp="1"/>
-          </p:cNvSpPr>
-          <p:nvPr>
-            <p:ph type="body" idx="1"/>
-          </p:nvPr>
-        </p:nvSpPr>
-        <p:spPr>
-          <a:xfrm>
-            <a:off x="685800" y="4343400"/>
-            <a:ext cx="5486400" cy="4114800"/>
-          </a:xfrm>
-          <a:prstGeom prst="rect">
-            <a:avLst/>
-          </a:prstGeom>
-        </p:spPr>
-        <p:txBody>
-          <a:bodyPr spcFirstLastPara="1" wrap="square" lIns="91425" tIns="91425" rIns="91425" bIns="91425" anchor="t" anchorCtr="0">
-            <a:noAutofit/>
-          </a:bodyPr>
-          <a:lstStyle/>
-          <a:p>
-            <a:pPr marL="0" lvl="0" indent="0" algn="l" rtl="0">
-              <a:spcBef>
-                <a:spcPts val="0"/>
-              </a:spcBef>
-              <a:spcAft>
-                <a:spcPts val="0"/>
-              </a:spcAft>
-              <a:buNone/>
-            </a:pPr>
-            <a:endParaRPr/>
-          </a:p>
-        </p:txBody>
-      </p:sp>
-    </p:spTree>
-  </p:cSld>
-  <p:clrMapOvr>
-    <a:masterClrMapping/>
-  </p:clrMapOvr>
-</p:notes>
-</file>
-
-<file path=ppt/notesSlides/notesSlide19.xml><?xml version="1.0" encoding="utf-8"?>
-<p:notes xmlns:a="http://schemas.openxmlformats.org/drawingml/2006/main" xmlns:r="http://schemas.openxmlformats.org/officeDocument/2006/relationships" xmlns:p="http://schemas.openxmlformats.org/presentationml/2006/main" showMasterSp="0" showMasterPhAnim="0">
-  <p:cSld>
-    <p:spTree>
-      <p:nvGrpSpPr>
-        <p:cNvPr id="1" name="Shape 163"/>
-        <p:cNvGrpSpPr/>
-        <p:nvPr/>
-      </p:nvGrpSpPr>
-      <p:grpSpPr>
-        <a:xfrm>
-          <a:off x="0" y="0"/>
-          <a:ext cx="0" cy="0"/>
-          <a:chOff x="0" y="0"/>
-          <a:chExt cx="0" cy="0"/>
-        </a:xfrm>
-      </p:grpSpPr>
-      <p:sp>
-        <p:nvSpPr>
-          <p:cNvPr id="164" name="Google Shape;164;gf202640c57_0_8:notes"/>
-          <p:cNvSpPr>
-            <a:spLocks noGrp="1" noRot="1" noChangeAspect="1"/>
-          </p:cNvSpPr>
-          <p:nvPr>
-            <p:ph type="sldImg" idx="2"/>
-          </p:nvPr>
-        </p:nvSpPr>
-        <p:spPr>
-          <a:xfrm>
-            <a:off x="381000" y="685800"/>
-            <a:ext cx="6096000" cy="3429000"/>
-          </a:xfrm>
-          <a:custGeom>
-            <a:avLst/>
-            <a:gdLst/>
-            <a:ahLst/>
-            <a:cxnLst/>
-            <a:rect l="l" t="t" r="r" b="b"/>
-            <a:pathLst>
-              <a:path w="120000" h="120000" extrusionOk="0">
-                <a:moveTo>
-                  <a:pt x="0" y="0"/>
-                </a:moveTo>
-                <a:lnTo>
-                  <a:pt x="120000" y="0"/>
-                </a:lnTo>
-                <a:lnTo>
-                  <a:pt x="120000" y="120000"/>
-                </a:lnTo>
-                <a:lnTo>
-                  <a:pt x="0" y="120000"/>
-                </a:lnTo>
-                <a:close/>
-              </a:path>
-            </a:pathLst>
-          </a:custGeom>
-        </p:spPr>
-      </p:sp>
-      <p:sp>
-        <p:nvSpPr>
-          <p:cNvPr id="165" name="Google Shape;165;gf202640c57_0_8:notes"/>
-          <p:cNvSpPr txBox="1">
-            <a:spLocks noGrp="1"/>
-          </p:cNvSpPr>
-          <p:nvPr>
-            <p:ph type="body" idx="1"/>
-          </p:nvPr>
-        </p:nvSpPr>
-        <p:spPr>
-          <a:xfrm>
-            <a:off x="685800" y="4343400"/>
-            <a:ext cx="5486400" cy="4114800"/>
-          </a:xfrm>
-          <a:prstGeom prst="rect">
-            <a:avLst/>
-          </a:prstGeom>
-        </p:spPr>
-        <p:txBody>
-          <a:bodyPr spcFirstLastPara="1" wrap="square" lIns="91425" tIns="91425" rIns="91425" bIns="91425" anchor="t" anchorCtr="0">
-            <a:noAutofit/>
-          </a:bodyPr>
-          <a:lstStyle/>
-          <a:p>
-            <a:pPr marL="0" lvl="0" indent="0" algn="l" rtl="0">
-              <a:spcBef>
-                <a:spcPts val="0"/>
-              </a:spcBef>
-              <a:spcAft>
-                <a:spcPts val="0"/>
-              </a:spcAft>
-              <a:buNone/>
-            </a:pPr>
-            <a:endParaRPr/>
-          </a:p>
-        </p:txBody>
-      </p:sp>
-    </p:spTree>
-  </p:cSld>
-  <p:clrMapOvr>
-    <a:masterClrMapping/>
-  </p:clrMapOvr>
-</p:notes>
-</file>
-
-<file path=ppt/notesSlides/notesSlide2.xml><?xml version="1.0" encoding="utf-8"?>
-<p:notes xmlns:a="http://schemas.openxmlformats.org/drawingml/2006/main" xmlns:r="http://schemas.openxmlformats.org/officeDocument/2006/relationships" xmlns:p="http://schemas.openxmlformats.org/presentationml/2006/main" showMasterSp="0" showMasterPhAnim="0">
-  <p:cSld>
-    <p:spTree>
-      <p:nvGrpSpPr>
-        <p:cNvPr id="1" name="Shape 58"/>
-        <p:cNvGrpSpPr/>
-        <p:nvPr/>
-      </p:nvGrpSpPr>
-      <p:grpSpPr>
-        <a:xfrm>
-          <a:off x="0" y="0"/>
-          <a:ext cx="0" cy="0"/>
-          <a:chOff x="0" y="0"/>
-          <a:chExt cx="0" cy="0"/>
-        </a:xfrm>
-      </p:grpSpPr>
-      <p:sp>
-        <p:nvSpPr>
-          <p:cNvPr id="59" name="Google Shape;59;gf202640c57_3_2:notes"/>
-          <p:cNvSpPr>
-            <a:spLocks noGrp="1" noRot="1" noChangeAspect="1"/>
-          </p:cNvSpPr>
-          <p:nvPr>
-            <p:ph type="sldImg" idx="2"/>
-          </p:nvPr>
-        </p:nvSpPr>
-        <p:spPr>
-          <a:xfrm>
-            <a:off x="381300" y="685800"/>
-            <a:ext cx="6096000" cy="3429000"/>
-          </a:xfrm>
-          <a:custGeom>
-            <a:avLst/>
-            <a:gdLst/>
-            <a:ahLst/>
-            <a:cxnLst/>
-            <a:rect l="l" t="t" r="r" b="b"/>
-            <a:pathLst>
-              <a:path w="120000" h="120000" extrusionOk="0">
-                <a:moveTo>
-                  <a:pt x="0" y="0"/>
-                </a:moveTo>
-                <a:lnTo>
-                  <a:pt x="120000" y="0"/>
-                </a:lnTo>
-                <a:lnTo>
-                  <a:pt x="120000" y="120000"/>
-                </a:lnTo>
-                <a:lnTo>
-                  <a:pt x="0" y="120000"/>
-                </a:lnTo>
-                <a:close/>
-              </a:path>
-            </a:pathLst>
-          </a:custGeom>
-        </p:spPr>
-      </p:sp>
-      <p:sp>
-        <p:nvSpPr>
-          <p:cNvPr id="60" name="Google Shape;60;gf202640c57_3_2:notes"/>
-          <p:cNvSpPr txBox="1">
-            <a:spLocks noGrp="1"/>
-          </p:cNvSpPr>
-          <p:nvPr>
-            <p:ph type="body" idx="1"/>
-          </p:nvPr>
-        </p:nvSpPr>
-        <p:spPr>
-          <a:xfrm>
-            <a:off x="685800" y="4343400"/>
-            <a:ext cx="5486400" cy="4114800"/>
-          </a:xfrm>
-          <a:prstGeom prst="rect">
-            <a:avLst/>
-          </a:prstGeom>
-        </p:spPr>
-        <p:txBody>
-          <a:bodyPr spcFirstLastPara="1" wrap="square" lIns="91425" tIns="91425" rIns="91425" bIns="91425" anchor="t" anchorCtr="0">
-            <a:noAutofit/>
-          </a:bodyPr>
-          <a:lstStyle/>
-          <a:p>
-            <a:pPr marL="0" lvl="0" indent="0" algn="l" rtl="0">
-              <a:spcBef>
-                <a:spcPts val="0"/>
-              </a:spcBef>
-              <a:spcAft>
-                <a:spcPts val="0"/>
-              </a:spcAft>
-              <a:buNone/>
-            </a:pPr>
-            <a:endParaRPr/>
-          </a:p>
-        </p:txBody>
-      </p:sp>
-    </p:spTree>
-  </p:cSld>
-  <p:clrMapOvr>
-    <a:masterClrMapping/>
-  </p:clrMapOvr>
-</p:notes>
-</file>
-
-<file path=ppt/notesSlides/notesSlide3.xml><?xml version="1.0" encoding="utf-8"?>
-<p:notes xmlns:a="http://schemas.openxmlformats.org/drawingml/2006/main" xmlns:r="http://schemas.openxmlformats.org/officeDocument/2006/relationships" xmlns:p="http://schemas.openxmlformats.org/presentationml/2006/main" showMasterSp="0" showMasterPhAnim="0">
-  <p:cSld>
-    <p:spTree>
-      <p:nvGrpSpPr>
-        <p:cNvPr id="1" name="Shape 72"/>
-        <p:cNvGrpSpPr/>
-        <p:nvPr/>
-      </p:nvGrpSpPr>
-      <p:grpSpPr>
-        <a:xfrm>
-          <a:off x="0" y="0"/>
-          <a:ext cx="0" cy="0"/>
-          <a:chOff x="0" y="0"/>
-          <a:chExt cx="0" cy="0"/>
-        </a:xfrm>
-      </p:grpSpPr>
-      <p:sp>
-        <p:nvSpPr>
-          <p:cNvPr id="73" name="Google Shape;73;p:notes"/>
-          <p:cNvSpPr>
-            <a:spLocks noGrp="1" noRot="1" noChangeAspect="1"/>
-          </p:cNvSpPr>
-          <p:nvPr>
-            <p:ph type="sldImg" idx="2"/>
-          </p:nvPr>
-        </p:nvSpPr>
-        <p:spPr>
-          <a:xfrm>
-            <a:off x="381300" y="685800"/>
-            <a:ext cx="6096075" cy="3429000"/>
-          </a:xfrm>
-          <a:custGeom>
-            <a:avLst/>
-            <a:gdLst/>
-            <a:ahLst/>
-            <a:cxnLst/>
-            <a:rect l="l" t="t" r="r" b="b"/>
-            <a:pathLst>
-              <a:path w="120000" h="120000" extrusionOk="0">
-                <a:moveTo>
-                  <a:pt x="0" y="0"/>
-                </a:moveTo>
-                <a:lnTo>
-                  <a:pt x="120000" y="0"/>
-                </a:lnTo>
-                <a:lnTo>
-                  <a:pt x="120000" y="120000"/>
-                </a:lnTo>
-                <a:lnTo>
-                  <a:pt x="0" y="120000"/>
-                </a:lnTo>
-                <a:close/>
-              </a:path>
-            </a:pathLst>
-          </a:custGeom>
-        </p:spPr>
-      </p:sp>
-      <p:sp>
-        <p:nvSpPr>
-          <p:cNvPr id="74" name="Google Shape;74;p:notes"/>
-          <p:cNvSpPr txBox="1">
-            <a:spLocks noGrp="1"/>
-          </p:cNvSpPr>
-          <p:nvPr>
-            <p:ph type="body" idx="1"/>
-          </p:nvPr>
-        </p:nvSpPr>
-        <p:spPr>
-          <a:xfrm>
-            <a:off x="685800" y="4343400"/>
-            <a:ext cx="5486400" cy="4114800"/>
-          </a:xfrm>
-          <a:prstGeom prst="rect">
-            <a:avLst/>
-          </a:prstGeom>
-        </p:spPr>
-        <p:txBody>
-          <a:bodyPr spcFirstLastPara="1" wrap="square" lIns="91425" tIns="91425" rIns="91425" bIns="91425" anchor="t" anchorCtr="0">
-            <a:noAutofit/>
-          </a:bodyPr>
-          <a:lstStyle/>
-          <a:p>
-            <a:pPr marL="0" lvl="0" indent="0" algn="l" rtl="0">
-              <a:spcBef>
-                <a:spcPts val="0"/>
-              </a:spcBef>
-              <a:spcAft>
-                <a:spcPts val="0"/>
-              </a:spcAft>
-              <a:buNone/>
-            </a:pPr>
-            <a:endParaRPr/>
-          </a:p>
-        </p:txBody>
-      </p:sp>
-    </p:spTree>
-  </p:cSld>
-  <p:clrMapOvr>
-    <a:masterClrMapping/>
-  </p:clrMapOvr>
-</p:notes>
-</file>
-
-<file path=ppt/notesSlides/notesSlide4.xml><?xml version="1.0" encoding="utf-8"?>
-<p:notes xmlns:a="http://schemas.openxmlformats.org/drawingml/2006/main" xmlns:r="http://schemas.openxmlformats.org/officeDocument/2006/relationships" xmlns:p="http://schemas.openxmlformats.org/presentationml/2006/main" showMasterSp="0" showMasterPhAnim="0">
-  <p:cSld>
-    <p:spTree>
-      <p:nvGrpSpPr>
-        <p:cNvPr id="1" name="Shape 79"/>
-        <p:cNvGrpSpPr/>
-        <p:nvPr/>
-      </p:nvGrpSpPr>
-      <p:grpSpPr>
-        <a:xfrm>
-          <a:off x="0" y="0"/>
-          <a:ext cx="0" cy="0"/>
-          <a:chOff x="0" y="0"/>
-          <a:chExt cx="0" cy="0"/>
-        </a:xfrm>
-      </p:grpSpPr>
-      <p:sp>
-        <p:nvSpPr>
-          <p:cNvPr id="80" name="Google Shape;80;gf24172381d_0_5:notes"/>
-          <p:cNvSpPr>
-            <a:spLocks noGrp="1" noRot="1" noChangeAspect="1"/>
-          </p:cNvSpPr>
-          <p:nvPr>
-            <p:ph type="sldImg" idx="2"/>
-          </p:nvPr>
-        </p:nvSpPr>
-        <p:spPr>
-          <a:xfrm>
-            <a:off x="381000" y="685800"/>
-            <a:ext cx="6096000" cy="3429000"/>
-          </a:xfrm>
-          <a:custGeom>
-            <a:avLst/>
-            <a:gdLst/>
-            <a:ahLst/>
-            <a:cxnLst/>
-            <a:rect l="l" t="t" r="r" b="b"/>
-            <a:pathLst>
-              <a:path w="120000" h="120000" extrusionOk="0">
-                <a:moveTo>
-                  <a:pt x="0" y="0"/>
-                </a:moveTo>
-                <a:lnTo>
-                  <a:pt x="120000" y="0"/>
-                </a:lnTo>
-                <a:lnTo>
-                  <a:pt x="120000" y="120000"/>
-                </a:lnTo>
-                <a:lnTo>
-                  <a:pt x="0" y="120000"/>
-                </a:lnTo>
-                <a:close/>
-              </a:path>
-            </a:pathLst>
-          </a:custGeom>
-        </p:spPr>
-      </p:sp>
-      <p:sp>
-        <p:nvSpPr>
-          <p:cNvPr id="81" name="Google Shape;81;gf24172381d_0_5:notes"/>
-          <p:cNvSpPr txBox="1">
-            <a:spLocks noGrp="1"/>
-          </p:cNvSpPr>
-          <p:nvPr>
-            <p:ph type="body" idx="1"/>
-          </p:nvPr>
-        </p:nvSpPr>
-        <p:spPr>
-          <a:xfrm>
-            <a:off x="685800" y="4343400"/>
-            <a:ext cx="5486400" cy="4114800"/>
-          </a:xfrm>
-          <a:prstGeom prst="rect">
-            <a:avLst/>
-          </a:prstGeom>
-        </p:spPr>
-        <p:txBody>
-          <a:bodyPr spcFirstLastPara="1" wrap="square" lIns="91425" tIns="91425" rIns="91425" bIns="91425" anchor="t" anchorCtr="0">
-            <a:noAutofit/>
-          </a:bodyPr>
-          <a:lstStyle/>
-          <a:p>
-            <a:pPr marL="0" lvl="0" indent="0" algn="l" rtl="0">
-              <a:spcBef>
-                <a:spcPts val="0"/>
-              </a:spcBef>
-              <a:spcAft>
-                <a:spcPts val="0"/>
-              </a:spcAft>
-              <a:buNone/>
-            </a:pPr>
-            <a:endParaRPr/>
-          </a:p>
-        </p:txBody>
-      </p:sp>
-    </p:spTree>
-  </p:cSld>
-  <p:clrMapOvr>
-    <a:masterClrMapping/>
-  </p:clrMapOvr>
-</p:notes>
-</file>
-
-<file path=ppt/notesSlides/notesSlide5.xml><?xml version="1.0" encoding="utf-8"?>
-<p:notes xmlns:a="http://schemas.openxmlformats.org/drawingml/2006/main" xmlns:r="http://schemas.openxmlformats.org/officeDocument/2006/relationships" xmlns:p="http://schemas.openxmlformats.org/presentationml/2006/main" showMasterSp="0" showMasterPhAnim="0">
-  <p:cSld>
-    <p:spTree>
-      <p:nvGrpSpPr>
-        <p:cNvPr id="1" name="Shape 86"/>
-        <p:cNvGrpSpPr/>
-        <p:nvPr/>
-      </p:nvGrpSpPr>
-      <p:grpSpPr>
-        <a:xfrm>
-          <a:off x="0" y="0"/>
-          <a:ext cx="0" cy="0"/>
-          <a:chOff x="0" y="0"/>
-          <a:chExt cx="0" cy="0"/>
-        </a:xfrm>
-      </p:grpSpPr>
-      <p:sp>
-        <p:nvSpPr>
-          <p:cNvPr id="87" name="Google Shape;87;gf1f028e864_1_1:notes"/>
-          <p:cNvSpPr>
-            <a:spLocks noGrp="1" noRot="1" noChangeAspect="1"/>
-          </p:cNvSpPr>
-          <p:nvPr>
-            <p:ph type="sldImg" idx="2"/>
-          </p:nvPr>
-        </p:nvSpPr>
-        <p:spPr>
-          <a:xfrm>
-            <a:off x="381000" y="685800"/>
-            <a:ext cx="6096000" cy="3429000"/>
-          </a:xfrm>
-          <a:custGeom>
-            <a:avLst/>
-            <a:gdLst/>
-            <a:ahLst/>
-            <a:cxnLst/>
-            <a:rect l="l" t="t" r="r" b="b"/>
-            <a:pathLst>
-              <a:path w="120000" h="120000" extrusionOk="0">
-                <a:moveTo>
-                  <a:pt x="0" y="0"/>
-                </a:moveTo>
-                <a:lnTo>
-                  <a:pt x="120000" y="0"/>
-                </a:lnTo>
-                <a:lnTo>
-                  <a:pt x="120000" y="120000"/>
-                </a:lnTo>
-                <a:lnTo>
-                  <a:pt x="0" y="120000"/>
-                </a:lnTo>
-                <a:close/>
-              </a:path>
-            </a:pathLst>
-          </a:custGeom>
-        </p:spPr>
-      </p:sp>
-      <p:sp>
-        <p:nvSpPr>
-          <p:cNvPr id="88" name="Google Shape;88;gf1f028e864_1_1:notes"/>
-          <p:cNvSpPr txBox="1">
-            <a:spLocks noGrp="1"/>
-          </p:cNvSpPr>
-          <p:nvPr>
-            <p:ph type="body" idx="1"/>
-          </p:nvPr>
-        </p:nvSpPr>
-        <p:spPr>
-          <a:xfrm>
-            <a:off x="685800" y="4343400"/>
-            <a:ext cx="5486400" cy="4114800"/>
-          </a:xfrm>
-          <a:prstGeom prst="rect">
-            <a:avLst/>
-          </a:prstGeom>
-        </p:spPr>
-        <p:txBody>
-          <a:bodyPr spcFirstLastPara="1" wrap="square" lIns="91425" tIns="91425" rIns="91425" bIns="91425" anchor="t" anchorCtr="0">
-            <a:noAutofit/>
-          </a:bodyPr>
-          <a:lstStyle/>
-          <a:p>
-            <a:pPr marL="0" lvl="0" indent="0" algn="l" rtl="0">
-              <a:spcBef>
-                <a:spcPts val="0"/>
-              </a:spcBef>
-              <a:spcAft>
-                <a:spcPts val="0"/>
-              </a:spcAft>
-              <a:buNone/>
-            </a:pPr>
-            <a:endParaRPr/>
-          </a:p>
-        </p:txBody>
-      </p:sp>
-    </p:spTree>
-  </p:cSld>
-  <p:clrMapOvr>
-    <a:masterClrMapping/>
-  </p:clrMapOvr>
-</p:notes>
-</file>
-
-<file path=ppt/notesSlides/notesSlide6.xml><?xml version="1.0" encoding="utf-8"?>
-<p:notes xmlns:a="http://schemas.openxmlformats.org/drawingml/2006/main" xmlns:r="http://schemas.openxmlformats.org/officeDocument/2006/relationships" xmlns:p="http://schemas.openxmlformats.org/presentationml/2006/main" showMasterSp="0" showMasterPhAnim="0">
-  <p:cSld>
-    <p:spTree>
-      <p:nvGrpSpPr>
-        <p:cNvPr id="1" name="Shape 93"/>
-        <p:cNvGrpSpPr/>
-        <p:nvPr/>
-      </p:nvGrpSpPr>
-      <p:grpSpPr>
-        <a:xfrm>
-          <a:off x="0" y="0"/>
-          <a:ext cx="0" cy="0"/>
-          <a:chOff x="0" y="0"/>
-          <a:chExt cx="0" cy="0"/>
-        </a:xfrm>
-      </p:grpSpPr>
-      <p:sp>
-        <p:nvSpPr>
-          <p:cNvPr id="94" name="Google Shape;94;gf6bbe62a93_0_2:notes"/>
-          <p:cNvSpPr>
-            <a:spLocks noGrp="1" noRot="1" noChangeAspect="1"/>
-          </p:cNvSpPr>
-          <p:nvPr>
-            <p:ph type="sldImg" idx="2"/>
-          </p:nvPr>
-        </p:nvSpPr>
-        <p:spPr>
-          <a:xfrm>
-            <a:off x="381000" y="685800"/>
-            <a:ext cx="6096000" cy="3429000"/>
-          </a:xfrm>
-          <a:custGeom>
-            <a:avLst/>
-            <a:gdLst/>
-            <a:ahLst/>
-            <a:cxnLst/>
-            <a:rect l="l" t="t" r="r" b="b"/>
-            <a:pathLst>
-              <a:path w="120000" h="120000" extrusionOk="0">
-                <a:moveTo>
-                  <a:pt x="0" y="0"/>
-                </a:moveTo>
-                <a:lnTo>
-                  <a:pt x="120000" y="0"/>
-                </a:lnTo>
-                <a:lnTo>
-                  <a:pt x="120000" y="120000"/>
-                </a:lnTo>
-                <a:lnTo>
-                  <a:pt x="0" y="120000"/>
-                </a:lnTo>
-                <a:close/>
-              </a:path>
-            </a:pathLst>
-          </a:custGeom>
-        </p:spPr>
-      </p:sp>
-      <p:sp>
-        <p:nvSpPr>
-          <p:cNvPr id="95" name="Google Shape;95;gf6bbe62a93_0_2:notes"/>
-          <p:cNvSpPr txBox="1">
-            <a:spLocks noGrp="1"/>
-          </p:cNvSpPr>
-          <p:nvPr>
-            <p:ph type="body" idx="1"/>
-          </p:nvPr>
-        </p:nvSpPr>
-        <p:spPr>
-          <a:xfrm>
-            <a:off x="685800" y="4343400"/>
-            <a:ext cx="5486400" cy="4114800"/>
-          </a:xfrm>
-          <a:prstGeom prst="rect">
-            <a:avLst/>
-          </a:prstGeom>
-        </p:spPr>
-        <p:txBody>
-          <a:bodyPr spcFirstLastPara="1" wrap="square" lIns="91425" tIns="91425" rIns="91425" bIns="91425" anchor="t" anchorCtr="0">
-            <a:noAutofit/>
-          </a:bodyPr>
-          <a:lstStyle/>
-          <a:p>
-            <a:pPr marL="0" lvl="0" indent="0" algn="l" rtl="0">
-              <a:spcBef>
-                <a:spcPts val="0"/>
-              </a:spcBef>
-              <a:spcAft>
-                <a:spcPts val="0"/>
-              </a:spcAft>
-              <a:buNone/>
-            </a:pPr>
-            <a:endParaRPr/>
-          </a:p>
-        </p:txBody>
-      </p:sp>
-    </p:spTree>
-  </p:cSld>
-  <p:clrMapOvr>
-    <a:masterClrMapping/>
-  </p:clrMapOvr>
-</p:notes>
-</file>
-
-<file path=ppt/notesSlides/notesSlide7.xml><?xml version="1.0" encoding="utf-8"?>
-<p:notes xmlns:a="http://schemas.openxmlformats.org/drawingml/2006/main" xmlns:r="http://schemas.openxmlformats.org/officeDocument/2006/relationships" xmlns:p="http://schemas.openxmlformats.org/presentationml/2006/main" showMasterSp="0" showMasterPhAnim="0">
-  <p:cSld>
-    <p:spTree>
-      <p:nvGrpSpPr>
-        <p:cNvPr id="1" name="Shape 100"/>
-        <p:cNvGrpSpPr/>
-        <p:nvPr/>
-      </p:nvGrpSpPr>
-      <p:grpSpPr>
-        <a:xfrm>
-          <a:off x="0" y="0"/>
-          <a:ext cx="0" cy="0"/>
-          <a:chOff x="0" y="0"/>
-          <a:chExt cx="0" cy="0"/>
-        </a:xfrm>
-      </p:grpSpPr>
-      <p:sp>
-        <p:nvSpPr>
-          <p:cNvPr id="101" name="Google Shape;101;gf6bbe62a93_0_8:notes"/>
-          <p:cNvSpPr>
-            <a:spLocks noGrp="1" noRot="1" noChangeAspect="1"/>
-          </p:cNvSpPr>
-          <p:nvPr>
-            <p:ph type="sldImg" idx="2"/>
-          </p:nvPr>
-        </p:nvSpPr>
-        <p:spPr>
-          <a:xfrm>
-            <a:off x="381000" y="685800"/>
-            <a:ext cx="6096000" cy="3429000"/>
-          </a:xfrm>
-          <a:custGeom>
-            <a:avLst/>
-            <a:gdLst/>
-            <a:ahLst/>
-            <a:cxnLst/>
-            <a:rect l="l" t="t" r="r" b="b"/>
-            <a:pathLst>
-              <a:path w="120000" h="120000" extrusionOk="0">
-                <a:moveTo>
-                  <a:pt x="0" y="0"/>
-                </a:moveTo>
-                <a:lnTo>
-                  <a:pt x="120000" y="0"/>
-                </a:lnTo>
-                <a:lnTo>
-                  <a:pt x="120000" y="120000"/>
-                </a:lnTo>
-                <a:lnTo>
-                  <a:pt x="0" y="120000"/>
-                </a:lnTo>
-                <a:close/>
-              </a:path>
-            </a:pathLst>
-          </a:custGeom>
-        </p:spPr>
-      </p:sp>
-      <p:sp>
-        <p:nvSpPr>
-          <p:cNvPr id="102" name="Google Shape;102;gf6bbe62a93_0_8:notes"/>
           <p:cNvSpPr txBox="1">
             <a:spLocks noGrp="1"/>
           </p:cNvSpPr>
@@ -2935,6 +2832,11 @@
         </p:txBody>
       </p:sp>
     </p:spTree>
+    <p:extLst>
+      <p:ext uri="{BB962C8B-B14F-4D97-AF65-F5344CB8AC3E}">
+        <p14:creationId xmlns:p14="http://schemas.microsoft.com/office/powerpoint/2010/main" val="640602972"/>
+      </p:ext>
+    </p:extLst>
   </p:cSld>
   <p:clrMapOvr>
     <a:masterClrMapping/>
@@ -3041,7 +2943,7 @@
     </p:spTree>
     <p:extLst>
       <p:ext uri="{BB962C8B-B14F-4D97-AF65-F5344CB8AC3E}">
-        <p14:creationId xmlns:p14="http://schemas.microsoft.com/office/powerpoint/2010/main" val="640602972"/>
+        <p14:creationId xmlns:p14="http://schemas.microsoft.com/office/powerpoint/2010/main" val="2448838592"/>
       </p:ext>
     </p:extLst>
   </p:cSld>
@@ -8211,11 +8113,11 @@
 </file>
 
 <file path=ppt/slides/slide1.xml><?xml version="1.0" encoding="utf-8"?>
-<p:sld xmlns:a="http://schemas.openxmlformats.org/drawingml/2006/main" xmlns:r="http://schemas.openxmlformats.org/officeDocument/2006/relationships" xmlns:p="http://schemas.openxmlformats.org/presentationml/2006/main">
+<p:sld xmlns:a="http://schemas.openxmlformats.org/drawingml/2006/main" xmlns:r="http://schemas.openxmlformats.org/officeDocument/2006/relationships" xmlns:p="http://schemas.openxmlformats.org/presentationml/2006/main" show="0">
   <p:cSld>
     <p:spTree>
       <p:nvGrpSpPr>
-        <p:cNvPr id="1" name="Shape 55"/>
+        <p:cNvPr id="1" name="Shape 61"/>
         <p:cNvGrpSpPr/>
         <p:nvPr/>
       </p:nvGrpSpPr>
@@ -8229,7 +8131,7 @@
       </p:grpSpPr>
       <p:sp>
         <p:nvSpPr>
-          <p:cNvPr id="56" name="Google Shape;56;p13"/>
+          <p:cNvPr id="62" name="Google Shape;62;p14"/>
           <p:cNvSpPr txBox="1">
             <a:spLocks noGrp="1"/>
           </p:cNvSpPr>
@@ -8263,7 +8165,7 @@
             </a:pPr>
             <a:r>
               <a:rPr lang="en"/>
-              <a:t>Reminders...	</a:t>
+              <a:t>Images from Inu + Neko</a:t>
             </a:r>
             <a:endParaRPr/>
           </a:p>
@@ -8271,7 +8173,7 @@
       </p:sp>
       <p:sp>
         <p:nvSpPr>
-          <p:cNvPr id="57" name="Google Shape;57;p13"/>
+          <p:cNvPr id="63" name="Google Shape;63;p14"/>
           <p:cNvSpPr txBox="1">
             <a:spLocks noGrp="1"/>
           </p:cNvSpPr>
@@ -8282,7 +8184,7 @@
         <p:spPr>
           <a:xfrm>
             <a:off x="311700" y="1152475"/>
-            <a:ext cx="8520600" cy="3764700"/>
+            <a:ext cx="8520600" cy="836700"/>
           </a:xfrm>
           <a:prstGeom prst="rect">
             <a:avLst/>
@@ -8290,230 +8192,251 @@
         </p:spPr>
         <p:txBody>
           <a:bodyPr spcFirstLastPara="1" wrap="square" lIns="91425" tIns="91425" rIns="91425" bIns="91425" anchor="t" anchorCtr="0">
-            <a:normAutofit lnSpcReduction="10000"/>
+            <a:noAutofit/>
           </a:bodyPr>
           <a:lstStyle/>
           <a:p>
-            <a:pPr marL="457200" lvl="0" indent="-342900" algn="l" rtl="0">
-              <a:spcBef>
-                <a:spcPts val="0"/>
-              </a:spcBef>
-              <a:spcAft>
-                <a:spcPts val="0"/>
-              </a:spcAft>
-              <a:buSzPts val="1800"/>
-              <a:buChar char="●"/>
+            <a:pPr marL="0" lvl="0" indent="0" algn="l" rtl="0">
+              <a:spcBef>
+                <a:spcPts val="0"/>
+              </a:spcBef>
+              <a:spcAft>
+                <a:spcPts val="1200"/>
+              </a:spcAft>
+              <a:buNone/>
             </a:pPr>
             <a:r>
               <a:rPr lang="en"/>
-              <a:t>You’ll use </a:t>
-            </a:r>
-            <a:r>
-              <a:rPr lang="en" b="1"/>
-              <a:t>this file</a:t>
-            </a:r>
-            <a:r>
-              <a:rPr lang="en"/>
-              <a:t> for the entirety of this capstone. Save it in a place where you can easily access it over the upcoming weeks.</a:t>
+              <a:t>Here are a few images that can be used throughout your deck that are part of the Inu + Neko image library. </a:t>
             </a:r>
             <a:endParaRPr/>
           </a:p>
-          <a:p>
-            <a:pPr marL="914400" lvl="1" indent="-317500" algn="l" rtl="0">
-              <a:spcBef>
-                <a:spcPts val="0"/>
-              </a:spcBef>
-              <a:spcAft>
-                <a:spcPts val="0"/>
-              </a:spcAft>
-              <a:buSzPts val="1400"/>
-              <a:buChar char="○"/>
-            </a:pPr>
-            <a:r>
-              <a:rPr lang="en"/>
-              <a:t>You can edit and save this document in Google Drive</a:t>
-            </a:r>
-            <a:endParaRPr/>
-          </a:p>
-          <a:p>
-            <a:pPr marL="914400" lvl="1" indent="-317500" algn="l" rtl="0">
-              <a:spcBef>
-                <a:spcPts val="0"/>
-              </a:spcBef>
-              <a:spcAft>
-                <a:spcPts val="0"/>
-              </a:spcAft>
-              <a:buSzPts val="1400"/>
-              <a:buChar char="○"/>
-            </a:pPr>
-            <a:r>
-              <a:rPr lang="en"/>
-              <a:t>If you download this document, keep it in a place you can find it later</a:t>
-            </a:r>
-            <a:endParaRPr/>
-          </a:p>
-          <a:p>
-            <a:pPr marL="457200" lvl="0" indent="-342900" algn="l" rtl="0">
-              <a:spcBef>
-                <a:spcPts val="0"/>
-              </a:spcBef>
-              <a:spcAft>
-                <a:spcPts val="0"/>
-              </a:spcAft>
-              <a:buSzPts val="1800"/>
-              <a:buChar char="●"/>
-            </a:pPr>
-            <a:r>
-              <a:rPr lang="en"/>
-              <a:t>The content you put into this document will be used later </a:t>
-            </a:r>
-            <a:endParaRPr/>
-          </a:p>
-          <a:p>
-            <a:pPr marL="914400" lvl="1" indent="-317500" algn="l" rtl="0">
-              <a:spcBef>
-                <a:spcPts val="0"/>
-              </a:spcBef>
-              <a:spcAft>
-                <a:spcPts val="0"/>
-              </a:spcAft>
-              <a:buSzPts val="1400"/>
-              <a:buChar char="○"/>
-            </a:pPr>
-            <a:r>
-              <a:rPr lang="en"/>
-              <a:t>It is recommended that you do not skip any capstone readings </a:t>
-            </a:r>
-            <a:endParaRPr/>
-          </a:p>
-          <a:p>
-            <a:pPr marL="457200" lvl="0" indent="-342900" algn="l" rtl="0">
-              <a:spcBef>
-                <a:spcPts val="0"/>
-              </a:spcBef>
-              <a:spcAft>
-                <a:spcPts val="0"/>
-              </a:spcAft>
-              <a:buSzPts val="1800"/>
-              <a:buChar char="●"/>
-            </a:pPr>
-            <a:r>
-              <a:rPr lang="en"/>
-              <a:t>Feel free to customize this slide deck to make it your own, but make sure to answer all the questions in the prompts</a:t>
-            </a:r>
-            <a:endParaRPr/>
-          </a:p>
-          <a:p>
-            <a:pPr marL="457200" lvl="0" indent="-342900" algn="l" rtl="0">
-              <a:spcBef>
-                <a:spcPts val="0"/>
-              </a:spcBef>
-              <a:spcAft>
-                <a:spcPts val="0"/>
-              </a:spcAft>
-              <a:buSzPts val="1800"/>
-              <a:buChar char="●"/>
-            </a:pPr>
-            <a:r>
-              <a:rPr lang="en"/>
-              <a:t>Requirements:</a:t>
-            </a:r>
-            <a:endParaRPr/>
-          </a:p>
-          <a:p>
-            <a:pPr marL="914400" lvl="1" indent="-317500" algn="l" rtl="0">
-              <a:spcBef>
-                <a:spcPts val="0"/>
-              </a:spcBef>
-              <a:spcAft>
-                <a:spcPts val="0"/>
-              </a:spcAft>
-              <a:buSzPts val="1400"/>
-              <a:buChar char="○"/>
-            </a:pPr>
-            <a:r>
-              <a:rPr lang="en"/>
-              <a:t>Answer all the questions in this document</a:t>
-            </a:r>
-            <a:endParaRPr/>
-          </a:p>
-          <a:p>
-            <a:pPr marL="914400" lvl="1" indent="-317500" algn="l" rtl="0">
-              <a:spcBef>
-                <a:spcPts val="0"/>
-              </a:spcBef>
-              <a:spcAft>
-                <a:spcPts val="0"/>
-              </a:spcAft>
-              <a:buSzPts val="1400"/>
-              <a:buChar char="○"/>
-            </a:pPr>
-            <a:r>
-              <a:rPr lang="en"/>
-              <a:t>When complete, download this as a PDF document for submission in the peer review assignment. </a:t>
-            </a:r>
-            <a:endParaRPr/>
-          </a:p>
-          <a:p>
-            <a:pPr marL="914400" lvl="1" indent="-317500" algn="l" rtl="0">
-              <a:spcBef>
-                <a:spcPts val="0"/>
-              </a:spcBef>
-              <a:spcAft>
-                <a:spcPts val="0"/>
-              </a:spcAft>
-              <a:buSzPts val="1400"/>
-              <a:buChar char="○"/>
-            </a:pPr>
-            <a:r>
-              <a:rPr lang="en"/>
-              <a:t>Don’t know how to download as a PDF? You can find more information about downloading this by </a:t>
-            </a:r>
-            <a:r>
-              <a:rPr lang="en" u="sng">
-                <a:solidFill>
-                  <a:schemeClr val="hlink"/>
-                </a:solidFill>
-                <a:hlinkClick r:id="rId3"/>
-              </a:rPr>
-              <a:t>clicking here</a:t>
-            </a:r>
-            <a:r>
-              <a:rPr lang="en"/>
-              <a:t>.</a:t>
-            </a:r>
-            <a:endParaRPr/>
-          </a:p>
-          <a:p>
-            <a:pPr marL="914400" lvl="1" indent="-317500" algn="l" rtl="0">
-              <a:spcBef>
-                <a:spcPts val="0"/>
-              </a:spcBef>
-              <a:spcAft>
-                <a:spcPts val="0"/>
-              </a:spcAft>
-              <a:buClr>
-                <a:srgbClr val="FF0000"/>
-              </a:buClr>
-              <a:buSzPts val="1400"/>
-              <a:buChar char="○"/>
-            </a:pPr>
-            <a:r>
-              <a:rPr lang="en">
-                <a:solidFill>
-                  <a:srgbClr val="FF0000"/>
-                </a:solidFill>
-              </a:rPr>
-              <a:t>Remove this slide before submitting</a:t>
-            </a:r>
-            <a:endParaRPr>
-              <a:solidFill>
-                <a:srgbClr val="FF0000"/>
-              </a:solidFill>
-            </a:endParaRPr>
-          </a:p>
         </p:txBody>
       </p:sp>
+      <p:pic>
+        <p:nvPicPr>
+          <p:cNvPr id="64" name="Google Shape;64;p14"/>
+          <p:cNvPicPr preferRelativeResize="0"/>
+          <p:nvPr/>
+        </p:nvPicPr>
+        <p:blipFill>
+          <a:blip r:embed="rId3">
+            <a:alphaModFix/>
+          </a:blip>
+          <a:stretch>
+            <a:fillRect/>
+          </a:stretch>
+        </p:blipFill>
+        <p:spPr>
+          <a:xfrm>
+            <a:off x="235275" y="2071901"/>
+            <a:ext cx="1931648" cy="1326125"/>
+          </a:xfrm>
+          <a:prstGeom prst="rect">
+            <a:avLst/>
+          </a:prstGeom>
+          <a:noFill/>
+          <a:ln>
+            <a:noFill/>
+          </a:ln>
+        </p:spPr>
+      </p:pic>
+      <p:pic>
+        <p:nvPicPr>
+          <p:cNvPr id="65" name="Google Shape;65;p14"/>
+          <p:cNvPicPr preferRelativeResize="0"/>
+          <p:nvPr/>
+        </p:nvPicPr>
+        <p:blipFill>
+          <a:blip r:embed="rId4">
+            <a:alphaModFix/>
+          </a:blip>
+          <a:stretch>
+            <a:fillRect/>
+          </a:stretch>
+        </p:blipFill>
+        <p:spPr>
+          <a:xfrm>
+            <a:off x="2400687" y="2071897"/>
+            <a:ext cx="1931648" cy="1287454"/>
+          </a:xfrm>
+          <a:prstGeom prst="rect">
+            <a:avLst/>
+          </a:prstGeom>
+          <a:noFill/>
+          <a:ln>
+            <a:noFill/>
+          </a:ln>
+        </p:spPr>
+      </p:pic>
+      <p:pic>
+        <p:nvPicPr>
+          <p:cNvPr id="66" name="Google Shape;66;p14"/>
+          <p:cNvPicPr preferRelativeResize="0"/>
+          <p:nvPr/>
+        </p:nvPicPr>
+        <p:blipFill>
+          <a:blip r:embed="rId5">
+            <a:alphaModFix/>
+          </a:blip>
+          <a:stretch>
+            <a:fillRect/>
+          </a:stretch>
+        </p:blipFill>
+        <p:spPr>
+          <a:xfrm>
+            <a:off x="4566099" y="2052563"/>
+            <a:ext cx="1986760" cy="1326127"/>
+          </a:xfrm>
+          <a:prstGeom prst="rect">
+            <a:avLst/>
+          </a:prstGeom>
+          <a:noFill/>
+          <a:ln>
+            <a:noFill/>
+          </a:ln>
+        </p:spPr>
+      </p:pic>
+      <p:pic>
+        <p:nvPicPr>
+          <p:cNvPr id="67" name="Google Shape;67;p14"/>
+          <p:cNvPicPr preferRelativeResize="0"/>
+          <p:nvPr/>
+        </p:nvPicPr>
+        <p:blipFill>
+          <a:blip r:embed="rId6">
+            <a:alphaModFix/>
+          </a:blip>
+          <a:stretch>
+            <a:fillRect/>
+          </a:stretch>
+        </p:blipFill>
+        <p:spPr>
+          <a:xfrm>
+            <a:off x="6786623" y="2053543"/>
+            <a:ext cx="1986749" cy="1324169"/>
+          </a:xfrm>
+          <a:prstGeom prst="rect">
+            <a:avLst/>
+          </a:prstGeom>
+          <a:noFill/>
+          <a:ln>
+            <a:noFill/>
+          </a:ln>
+        </p:spPr>
+      </p:pic>
+      <p:pic>
+        <p:nvPicPr>
+          <p:cNvPr id="68" name="Google Shape;68;p14"/>
+          <p:cNvPicPr preferRelativeResize="0"/>
+          <p:nvPr/>
+        </p:nvPicPr>
+        <p:blipFill>
+          <a:blip r:embed="rId7">
+            <a:alphaModFix/>
+          </a:blip>
+          <a:stretch>
+            <a:fillRect/>
+          </a:stretch>
+        </p:blipFill>
+        <p:spPr>
+          <a:xfrm>
+            <a:off x="235277" y="3587625"/>
+            <a:ext cx="1931648" cy="1287444"/>
+          </a:xfrm>
+          <a:prstGeom prst="rect">
+            <a:avLst/>
+          </a:prstGeom>
+          <a:noFill/>
+          <a:ln>
+            <a:noFill/>
+          </a:ln>
+        </p:spPr>
+      </p:pic>
+      <p:pic>
+        <p:nvPicPr>
+          <p:cNvPr id="69" name="Google Shape;69;p14"/>
+          <p:cNvPicPr preferRelativeResize="0"/>
+          <p:nvPr/>
+        </p:nvPicPr>
+        <p:blipFill>
+          <a:blip r:embed="rId8">
+            <a:alphaModFix/>
+          </a:blip>
+          <a:stretch>
+            <a:fillRect/>
+          </a:stretch>
+        </p:blipFill>
+        <p:spPr>
+          <a:xfrm>
+            <a:off x="2428244" y="3587621"/>
+            <a:ext cx="1931648" cy="1287451"/>
+          </a:xfrm>
+          <a:prstGeom prst="rect">
+            <a:avLst/>
+          </a:prstGeom>
+          <a:noFill/>
+          <a:ln>
+            <a:noFill/>
+          </a:ln>
+        </p:spPr>
+      </p:pic>
+      <p:pic>
+        <p:nvPicPr>
+          <p:cNvPr id="70" name="Google Shape;70;p14"/>
+          <p:cNvPicPr preferRelativeResize="0"/>
+          <p:nvPr/>
+        </p:nvPicPr>
+        <p:blipFill>
+          <a:blip r:embed="rId9">
+            <a:alphaModFix/>
+          </a:blip>
+          <a:stretch>
+            <a:fillRect/>
+          </a:stretch>
+        </p:blipFill>
+        <p:spPr>
+          <a:xfrm>
+            <a:off x="4621210" y="3517354"/>
+            <a:ext cx="1931648" cy="1427986"/>
+          </a:xfrm>
+          <a:prstGeom prst="rect">
+            <a:avLst/>
+          </a:prstGeom>
+          <a:noFill/>
+          <a:ln>
+            <a:noFill/>
+          </a:ln>
+        </p:spPr>
+      </p:pic>
+      <p:pic>
+        <p:nvPicPr>
+          <p:cNvPr id="71" name="Google Shape;71;p14"/>
+          <p:cNvPicPr preferRelativeResize="0"/>
+          <p:nvPr/>
+        </p:nvPicPr>
+        <p:blipFill>
+          <a:blip r:embed="rId10">
+            <a:alphaModFix/>
+          </a:blip>
+          <a:stretch>
+            <a:fillRect/>
+          </a:stretch>
+        </p:blipFill>
+        <p:spPr>
+          <a:xfrm>
+            <a:off x="6814177" y="3535263"/>
+            <a:ext cx="1931648" cy="1392167"/>
+          </a:xfrm>
+          <a:prstGeom prst="rect">
+            <a:avLst/>
+          </a:prstGeom>
+          <a:noFill/>
+          <a:ln>
+            <a:noFill/>
+          </a:ln>
+        </p:spPr>
+      </p:pic>
     </p:spTree>
   </p:cSld>
   <p:clrMapOvr>
@@ -8575,145 +8498,6 @@
             </a:pPr>
             <a:r>
               <a:rPr lang="en" sz="2800" dirty="0"/>
-              <a:t>Your Data Visualization 3 of 4</a:t>
-            </a:r>
-            <a:endParaRPr sz="2800" dirty="0"/>
-          </a:p>
-        </p:txBody>
-      </p:sp>
-      <p:sp>
-        <p:nvSpPr>
-          <p:cNvPr id="112" name="Google Shape;112;p20"/>
-          <p:cNvSpPr txBox="1">
-            <a:spLocks noGrp="1"/>
-          </p:cNvSpPr>
-          <p:nvPr>
-            <p:ph type="body" idx="1"/>
-          </p:nvPr>
-        </p:nvSpPr>
-        <p:spPr>
-          <a:xfrm>
-            <a:off x="311700" y="1152475"/>
-            <a:ext cx="8520600" cy="621678"/>
-          </a:xfrm>
-          <a:prstGeom prst="rect">
-            <a:avLst/>
-          </a:prstGeom>
-        </p:spPr>
-        <p:txBody>
-          <a:bodyPr spcFirstLastPara="1" wrap="square" lIns="91425" tIns="91425" rIns="91425" bIns="91425" anchor="t" anchorCtr="0">
-            <a:spAutoFit/>
-          </a:bodyPr>
-          <a:lstStyle/>
-          <a:p>
-            <a:pPr marL="0" lvl="0" indent="0" algn="l" rtl="0">
-              <a:spcBef>
-                <a:spcPts val="0"/>
-              </a:spcBef>
-              <a:spcAft>
-                <a:spcPts val="1200"/>
-              </a:spcAft>
-              <a:buNone/>
-            </a:pPr>
-            <a:r>
-              <a:rPr lang="en" sz="1600" dirty="0"/>
-              <a:t>Purchases by Age</a:t>
-            </a:r>
-            <a:endParaRPr sz="1600" i="1" dirty="0"/>
-          </a:p>
-        </p:txBody>
-      </p:sp>
-      <p:pic>
-        <p:nvPicPr>
-          <p:cNvPr id="113" name="Google Shape;113;p20"/>
-          <p:cNvPicPr preferRelativeResize="0"/>
-          <p:nvPr/>
-        </p:nvPicPr>
-        <p:blipFill>
-          <a:blip r:embed="rId3"/>
-          <a:srcRect/>
-          <a:stretch/>
-        </p:blipFill>
-        <p:spPr>
-          <a:xfrm>
-            <a:off x="402021" y="1718325"/>
-            <a:ext cx="7961586" cy="3425175"/>
-          </a:xfrm>
-          <a:prstGeom prst="rect">
-            <a:avLst/>
-          </a:prstGeom>
-          <a:noFill/>
-          <a:ln>
-            <a:noFill/>
-          </a:ln>
-        </p:spPr>
-      </p:pic>
-    </p:spTree>
-    <p:extLst>
-      <p:ext uri="{BB962C8B-B14F-4D97-AF65-F5344CB8AC3E}">
-        <p14:creationId xmlns:p14="http://schemas.microsoft.com/office/powerpoint/2010/main" val="3499915561"/>
-      </p:ext>
-    </p:extLst>
-  </p:cSld>
-  <p:clrMapOvr>
-    <a:masterClrMapping/>
-  </p:clrMapOvr>
-</p:sld>
-</file>
-
-<file path=ppt/slides/slide11.xml><?xml version="1.0" encoding="utf-8"?>
-<p:sld xmlns:a="http://schemas.openxmlformats.org/drawingml/2006/main" xmlns:r="http://schemas.openxmlformats.org/officeDocument/2006/relationships" xmlns:p="http://schemas.openxmlformats.org/presentationml/2006/main">
-  <p:cSld>
-    <p:spTree>
-      <p:nvGrpSpPr>
-        <p:cNvPr id="1" name="Shape 110"/>
-        <p:cNvGrpSpPr/>
-        <p:nvPr/>
-      </p:nvGrpSpPr>
-      <p:grpSpPr>
-        <a:xfrm>
-          <a:off x="0" y="0"/>
-          <a:ext cx="0" cy="0"/>
-          <a:chOff x="0" y="0"/>
-          <a:chExt cx="0" cy="0"/>
-        </a:xfrm>
-      </p:grpSpPr>
-      <p:sp>
-        <p:nvSpPr>
-          <p:cNvPr id="111" name="Google Shape;111;p20"/>
-          <p:cNvSpPr txBox="1">
-            <a:spLocks noGrp="1"/>
-          </p:cNvSpPr>
-          <p:nvPr>
-            <p:ph type="title"/>
-          </p:nvPr>
-        </p:nvSpPr>
-        <p:spPr>
-          <a:xfrm>
-            <a:off x="311700" y="445025"/>
-            <a:ext cx="8520600" cy="572700"/>
-          </a:xfrm>
-          <a:prstGeom prst="rect">
-            <a:avLst/>
-          </a:prstGeom>
-        </p:spPr>
-        <p:txBody>
-          <a:bodyPr spcFirstLastPara="1" wrap="square" lIns="91425" tIns="91425" rIns="91425" bIns="91425" anchor="t" anchorCtr="0">
-            <a:noAutofit/>
-          </a:bodyPr>
-          <a:lstStyle/>
-          <a:p>
-            <a:pPr marL="0" lvl="0" indent="0" algn="l" rtl="0">
-              <a:spcBef>
-                <a:spcPts val="0"/>
-              </a:spcBef>
-              <a:spcAft>
-                <a:spcPts val="0"/>
-              </a:spcAft>
-              <a:buNone/>
-            </a:pPr>
-            <a:r>
-              <a:rPr lang="en" sz="2800" dirty="0"/>
               <a:t>Your Data Visualization 4 of 4</a:t>
             </a:r>
             <a:endParaRPr sz="2800" dirty="0"/>
@@ -8800,7 +8584,7 @@
 </p:sld>
 </file>
 
-<file path=ppt/slides/slide12.xml><?xml version="1.0" encoding="utf-8"?>
+<file path=ppt/slides/slide11.xml><?xml version="1.0" encoding="utf-8"?>
 <p:sld xmlns:a="http://schemas.openxmlformats.org/drawingml/2006/main" xmlns:r="http://schemas.openxmlformats.org/officeDocument/2006/relationships" xmlns:p="http://schemas.openxmlformats.org/presentationml/2006/main">
   <p:cSld>
     <p:spTree>
@@ -9125,7 +8909,7 @@
 </p:sld>
 </file>
 
-<file path=ppt/slides/slide13.xml><?xml version="1.0" encoding="utf-8"?>
+<file path=ppt/slides/slide12.xml><?xml version="1.0" encoding="utf-8"?>
 <p:sld xmlns:a="http://schemas.openxmlformats.org/drawingml/2006/main" xmlns:r="http://schemas.openxmlformats.org/officeDocument/2006/relationships" xmlns:p="http://schemas.openxmlformats.org/presentationml/2006/main">
   <p:cSld>
     <p:spTree>
@@ -9298,7 +9082,7 @@
 </p:sld>
 </file>
 
-<file path=ppt/slides/slide14.xml><?xml version="1.0" encoding="utf-8"?>
+<file path=ppt/slides/slide13.xml><?xml version="1.0" encoding="utf-8"?>
 <p:sld xmlns:a="http://schemas.openxmlformats.org/drawingml/2006/main" xmlns:r="http://schemas.openxmlformats.org/officeDocument/2006/relationships" xmlns:p="http://schemas.openxmlformats.org/presentationml/2006/main">
   <p:cSld>
     <p:spTree>
@@ -9471,7 +9255,7 @@
 </p:sld>
 </file>
 
-<file path=ppt/slides/slide15.xml><?xml version="1.0" encoding="utf-8"?>
+<file path=ppt/slides/slide14.xml><?xml version="1.0" encoding="utf-8"?>
 <p:sld xmlns:a="http://schemas.openxmlformats.org/drawingml/2006/main" xmlns:r="http://schemas.openxmlformats.org/officeDocument/2006/relationships" xmlns:p="http://schemas.openxmlformats.org/presentationml/2006/main">
   <p:cSld>
     <p:spTree>
@@ -9644,7 +9428,7 @@
 </p:sld>
 </file>
 
-<file path=ppt/slides/slide16.xml><?xml version="1.0" encoding="utf-8"?>
+<file path=ppt/slides/slide15.xml><?xml version="1.0" encoding="utf-8"?>
 <p:sld xmlns:a="http://schemas.openxmlformats.org/drawingml/2006/main" xmlns:r="http://schemas.openxmlformats.org/officeDocument/2006/relationships" xmlns:p="http://schemas.openxmlformats.org/presentationml/2006/main">
   <p:cSld>
     <p:spTree>
@@ -9817,7 +9601,7 @@
 </p:sld>
 </file>
 
-<file path=ppt/slides/slide17.xml><?xml version="1.0" encoding="utf-8"?>
+<file path=ppt/slides/slide16.xml><?xml version="1.0" encoding="utf-8"?>
 <p:sld xmlns:a="http://schemas.openxmlformats.org/drawingml/2006/main" xmlns:r="http://schemas.openxmlformats.org/officeDocument/2006/relationships" xmlns:p="http://schemas.openxmlformats.org/presentationml/2006/main">
   <p:cSld>
     <p:spTree>
@@ -9990,7 +9774,7 @@
 </p:sld>
 </file>
 
-<file path=ppt/slides/slide18.xml><?xml version="1.0" encoding="utf-8"?>
+<file path=ppt/slides/slide17.xml><?xml version="1.0" encoding="utf-8"?>
 <p:sld xmlns:a="http://schemas.openxmlformats.org/drawingml/2006/main" xmlns:r="http://schemas.openxmlformats.org/officeDocument/2006/relationships" xmlns:p="http://schemas.openxmlformats.org/presentationml/2006/main">
   <p:cSld>
     <p:spTree>
@@ -10206,7 +9990,7 @@
 </p:sld>
 </file>
 
-<file path=ppt/slides/slide19.xml><?xml version="1.0" encoding="utf-8"?>
+<file path=ppt/slides/slide18.xml><?xml version="1.0" encoding="utf-8"?>
 <p:sld xmlns:a="http://schemas.openxmlformats.org/drawingml/2006/main" xmlns:r="http://schemas.openxmlformats.org/officeDocument/2006/relationships" xmlns:p="http://schemas.openxmlformats.org/presentationml/2006/main">
   <p:cSld>
     <p:spTree>
@@ -10412,339 +10196,6 @@
   <p:cSld>
     <p:spTree>
       <p:nvGrpSpPr>
-        <p:cNvPr id="1" name="Shape 61"/>
-        <p:cNvGrpSpPr/>
-        <p:nvPr/>
-      </p:nvGrpSpPr>
-      <p:grpSpPr>
-        <a:xfrm>
-          <a:off x="0" y="0"/>
-          <a:ext cx="0" cy="0"/>
-          <a:chOff x="0" y="0"/>
-          <a:chExt cx="0" cy="0"/>
-        </a:xfrm>
-      </p:grpSpPr>
-      <p:sp>
-        <p:nvSpPr>
-          <p:cNvPr id="62" name="Google Shape;62;p14"/>
-          <p:cNvSpPr txBox="1">
-            <a:spLocks noGrp="1"/>
-          </p:cNvSpPr>
-          <p:nvPr>
-            <p:ph type="title"/>
-          </p:nvPr>
-        </p:nvSpPr>
-        <p:spPr>
-          <a:xfrm>
-            <a:off x="311700" y="445025"/>
-            <a:ext cx="8520600" cy="572700"/>
-          </a:xfrm>
-          <a:prstGeom prst="rect">
-            <a:avLst/>
-          </a:prstGeom>
-        </p:spPr>
-        <p:txBody>
-          <a:bodyPr spcFirstLastPara="1" wrap="square" lIns="91425" tIns="91425" rIns="91425" bIns="91425" anchor="t" anchorCtr="0">
-            <a:normAutofit fontScale="90000"/>
-          </a:bodyPr>
-          <a:lstStyle/>
-          <a:p>
-            <a:pPr marL="0" lvl="0" indent="0" algn="l" rtl="0">
-              <a:spcBef>
-                <a:spcPts val="0"/>
-              </a:spcBef>
-              <a:spcAft>
-                <a:spcPts val="0"/>
-              </a:spcAft>
-              <a:buNone/>
-            </a:pPr>
-            <a:r>
-              <a:rPr lang="en"/>
-              <a:t>Images from Inu + Neko</a:t>
-            </a:r>
-            <a:endParaRPr/>
-          </a:p>
-        </p:txBody>
-      </p:sp>
-      <p:sp>
-        <p:nvSpPr>
-          <p:cNvPr id="63" name="Google Shape;63;p14"/>
-          <p:cNvSpPr txBox="1">
-            <a:spLocks noGrp="1"/>
-          </p:cNvSpPr>
-          <p:nvPr>
-            <p:ph type="body" idx="1"/>
-          </p:nvPr>
-        </p:nvSpPr>
-        <p:spPr>
-          <a:xfrm>
-            <a:off x="311700" y="1152475"/>
-            <a:ext cx="8520600" cy="836700"/>
-          </a:xfrm>
-          <a:prstGeom prst="rect">
-            <a:avLst/>
-          </a:prstGeom>
-        </p:spPr>
-        <p:txBody>
-          <a:bodyPr spcFirstLastPara="1" wrap="square" lIns="91425" tIns="91425" rIns="91425" bIns="91425" anchor="t" anchorCtr="0">
-            <a:noAutofit/>
-          </a:bodyPr>
-          <a:lstStyle/>
-          <a:p>
-            <a:pPr marL="0" lvl="0" indent="0" algn="l" rtl="0">
-              <a:spcBef>
-                <a:spcPts val="0"/>
-              </a:spcBef>
-              <a:spcAft>
-                <a:spcPts val="1200"/>
-              </a:spcAft>
-              <a:buNone/>
-            </a:pPr>
-            <a:r>
-              <a:rPr lang="en"/>
-              <a:t>Here are a few images that can be used throughout your deck that are part of the Inu + Neko image library. </a:t>
-            </a:r>
-            <a:endParaRPr/>
-          </a:p>
-        </p:txBody>
-      </p:sp>
-      <p:pic>
-        <p:nvPicPr>
-          <p:cNvPr id="64" name="Google Shape;64;p14"/>
-          <p:cNvPicPr preferRelativeResize="0"/>
-          <p:nvPr/>
-        </p:nvPicPr>
-        <p:blipFill>
-          <a:blip r:embed="rId3">
-            <a:alphaModFix/>
-          </a:blip>
-          <a:stretch>
-            <a:fillRect/>
-          </a:stretch>
-        </p:blipFill>
-        <p:spPr>
-          <a:xfrm>
-            <a:off x="235275" y="2071901"/>
-            <a:ext cx="1931648" cy="1326125"/>
-          </a:xfrm>
-          <a:prstGeom prst="rect">
-            <a:avLst/>
-          </a:prstGeom>
-          <a:noFill/>
-          <a:ln>
-            <a:noFill/>
-          </a:ln>
-        </p:spPr>
-      </p:pic>
-      <p:pic>
-        <p:nvPicPr>
-          <p:cNvPr id="65" name="Google Shape;65;p14"/>
-          <p:cNvPicPr preferRelativeResize="0"/>
-          <p:nvPr/>
-        </p:nvPicPr>
-        <p:blipFill>
-          <a:blip r:embed="rId4">
-            <a:alphaModFix/>
-          </a:blip>
-          <a:stretch>
-            <a:fillRect/>
-          </a:stretch>
-        </p:blipFill>
-        <p:spPr>
-          <a:xfrm>
-            <a:off x="2400687" y="2071897"/>
-            <a:ext cx="1931648" cy="1287454"/>
-          </a:xfrm>
-          <a:prstGeom prst="rect">
-            <a:avLst/>
-          </a:prstGeom>
-          <a:noFill/>
-          <a:ln>
-            <a:noFill/>
-          </a:ln>
-        </p:spPr>
-      </p:pic>
-      <p:pic>
-        <p:nvPicPr>
-          <p:cNvPr id="66" name="Google Shape;66;p14"/>
-          <p:cNvPicPr preferRelativeResize="0"/>
-          <p:nvPr/>
-        </p:nvPicPr>
-        <p:blipFill>
-          <a:blip r:embed="rId5">
-            <a:alphaModFix/>
-          </a:blip>
-          <a:stretch>
-            <a:fillRect/>
-          </a:stretch>
-        </p:blipFill>
-        <p:spPr>
-          <a:xfrm>
-            <a:off x="4566099" y="2052563"/>
-            <a:ext cx="1986760" cy="1326127"/>
-          </a:xfrm>
-          <a:prstGeom prst="rect">
-            <a:avLst/>
-          </a:prstGeom>
-          <a:noFill/>
-          <a:ln>
-            <a:noFill/>
-          </a:ln>
-        </p:spPr>
-      </p:pic>
-      <p:pic>
-        <p:nvPicPr>
-          <p:cNvPr id="67" name="Google Shape;67;p14"/>
-          <p:cNvPicPr preferRelativeResize="0"/>
-          <p:nvPr/>
-        </p:nvPicPr>
-        <p:blipFill>
-          <a:blip r:embed="rId6">
-            <a:alphaModFix/>
-          </a:blip>
-          <a:stretch>
-            <a:fillRect/>
-          </a:stretch>
-        </p:blipFill>
-        <p:spPr>
-          <a:xfrm>
-            <a:off x="6786623" y="2053543"/>
-            <a:ext cx="1986749" cy="1324169"/>
-          </a:xfrm>
-          <a:prstGeom prst="rect">
-            <a:avLst/>
-          </a:prstGeom>
-          <a:noFill/>
-          <a:ln>
-            <a:noFill/>
-          </a:ln>
-        </p:spPr>
-      </p:pic>
-      <p:pic>
-        <p:nvPicPr>
-          <p:cNvPr id="68" name="Google Shape;68;p14"/>
-          <p:cNvPicPr preferRelativeResize="0"/>
-          <p:nvPr/>
-        </p:nvPicPr>
-        <p:blipFill>
-          <a:blip r:embed="rId7">
-            <a:alphaModFix/>
-          </a:blip>
-          <a:stretch>
-            <a:fillRect/>
-          </a:stretch>
-        </p:blipFill>
-        <p:spPr>
-          <a:xfrm>
-            <a:off x="235277" y="3587625"/>
-            <a:ext cx="1931648" cy="1287444"/>
-          </a:xfrm>
-          <a:prstGeom prst="rect">
-            <a:avLst/>
-          </a:prstGeom>
-          <a:noFill/>
-          <a:ln>
-            <a:noFill/>
-          </a:ln>
-        </p:spPr>
-      </p:pic>
-      <p:pic>
-        <p:nvPicPr>
-          <p:cNvPr id="69" name="Google Shape;69;p14"/>
-          <p:cNvPicPr preferRelativeResize="0"/>
-          <p:nvPr/>
-        </p:nvPicPr>
-        <p:blipFill>
-          <a:blip r:embed="rId8">
-            <a:alphaModFix/>
-          </a:blip>
-          <a:stretch>
-            <a:fillRect/>
-          </a:stretch>
-        </p:blipFill>
-        <p:spPr>
-          <a:xfrm>
-            <a:off x="2428244" y="3587621"/>
-            <a:ext cx="1931648" cy="1287451"/>
-          </a:xfrm>
-          <a:prstGeom prst="rect">
-            <a:avLst/>
-          </a:prstGeom>
-          <a:noFill/>
-          <a:ln>
-            <a:noFill/>
-          </a:ln>
-        </p:spPr>
-      </p:pic>
-      <p:pic>
-        <p:nvPicPr>
-          <p:cNvPr id="70" name="Google Shape;70;p14"/>
-          <p:cNvPicPr preferRelativeResize="0"/>
-          <p:nvPr/>
-        </p:nvPicPr>
-        <p:blipFill>
-          <a:blip r:embed="rId9">
-            <a:alphaModFix/>
-          </a:blip>
-          <a:stretch>
-            <a:fillRect/>
-          </a:stretch>
-        </p:blipFill>
-        <p:spPr>
-          <a:xfrm>
-            <a:off x="4621210" y="3517354"/>
-            <a:ext cx="1931648" cy="1427986"/>
-          </a:xfrm>
-          <a:prstGeom prst="rect">
-            <a:avLst/>
-          </a:prstGeom>
-          <a:noFill/>
-          <a:ln>
-            <a:noFill/>
-          </a:ln>
-        </p:spPr>
-      </p:pic>
-      <p:pic>
-        <p:nvPicPr>
-          <p:cNvPr id="71" name="Google Shape;71;p14"/>
-          <p:cNvPicPr preferRelativeResize="0"/>
-          <p:nvPr/>
-        </p:nvPicPr>
-        <p:blipFill>
-          <a:blip r:embed="rId10">
-            <a:alphaModFix/>
-          </a:blip>
-          <a:stretch>
-            <a:fillRect/>
-          </a:stretch>
-        </p:blipFill>
-        <p:spPr>
-          <a:xfrm>
-            <a:off x="6814177" y="3535263"/>
-            <a:ext cx="1931648" cy="1392167"/>
-          </a:xfrm>
-          <a:prstGeom prst="rect">
-            <a:avLst/>
-          </a:prstGeom>
-          <a:noFill/>
-          <a:ln>
-            <a:noFill/>
-          </a:ln>
-        </p:spPr>
-      </p:pic>
-    </p:spTree>
-  </p:cSld>
-  <p:clrMapOvr>
-    <a:masterClrMapping/>
-  </p:clrMapOvr>
-</p:sld>
-</file>
-
-<file path=ppt/slides/slide3.xml><?xml version="1.0" encoding="utf-8"?>
-<p:sld xmlns:a="http://schemas.openxmlformats.org/drawingml/2006/main" xmlns:r="http://schemas.openxmlformats.org/officeDocument/2006/relationships" xmlns:p="http://schemas.openxmlformats.org/presentationml/2006/main">
-  <p:cSld>
-    <p:spTree>
-      <p:nvGrpSpPr>
         <p:cNvPr id="1" name="Shape 75"/>
         <p:cNvGrpSpPr/>
         <p:nvPr/>
@@ -10877,7 +10328,7 @@
 </p:sld>
 </file>
 
-<file path=ppt/slides/slide4.xml><?xml version="1.0" encoding="utf-8"?>
+<file path=ppt/slides/slide3.xml><?xml version="1.0" encoding="utf-8"?>
 <p:sld xmlns:a="http://schemas.openxmlformats.org/drawingml/2006/main" xmlns:r="http://schemas.openxmlformats.org/officeDocument/2006/relationships" xmlns:p="http://schemas.openxmlformats.org/presentationml/2006/main">
   <p:cSld>
     <p:spTree>
@@ -11166,7 +10617,7 @@
 </p:sld>
 </file>
 
-<file path=ppt/slides/slide5.xml><?xml version="1.0" encoding="utf-8"?>
+<file path=ppt/slides/slide4.xml><?xml version="1.0" encoding="utf-8"?>
 <p:sld xmlns:a="http://schemas.openxmlformats.org/drawingml/2006/main" xmlns:r="http://schemas.openxmlformats.org/officeDocument/2006/relationships" xmlns:p="http://schemas.openxmlformats.org/presentationml/2006/main">
   <p:cSld>
     <p:spTree>
@@ -11570,7 +11021,7 @@
 </p:sld>
 </file>
 
-<file path=ppt/slides/slide6.xml><?xml version="1.0" encoding="utf-8"?>
+<file path=ppt/slides/slide5.xml><?xml version="1.0" encoding="utf-8"?>
 <p:sld xmlns:a="http://schemas.openxmlformats.org/drawingml/2006/main" xmlns:r="http://schemas.openxmlformats.org/officeDocument/2006/relationships" xmlns:p="http://schemas.openxmlformats.org/presentationml/2006/main">
   <p:cSld>
     <p:spTree>
@@ -11789,7 +11240,7 @@
 </p:sld>
 </file>
 
-<file path=ppt/slides/slide7.xml><?xml version="1.0" encoding="utf-8"?>
+<file path=ppt/slides/slide6.xml><?xml version="1.0" encoding="utf-8"?>
 <p:sld xmlns:a="http://schemas.openxmlformats.org/drawingml/2006/main" xmlns:r="http://schemas.openxmlformats.org/officeDocument/2006/relationships" xmlns:p="http://schemas.openxmlformats.org/presentationml/2006/main">
   <p:cSld>
     <p:spTree>
@@ -12056,6 +11507,140 @@
           </a:p>
         </p:txBody>
       </p:sp>
+    </p:spTree>
+  </p:cSld>
+  <p:clrMapOvr>
+    <a:masterClrMapping/>
+  </p:clrMapOvr>
+</p:sld>
+</file>
+
+<file path=ppt/slides/slide7.xml><?xml version="1.0" encoding="utf-8"?>
+<p:sld xmlns:a="http://schemas.openxmlformats.org/drawingml/2006/main" xmlns:r="http://schemas.openxmlformats.org/officeDocument/2006/relationships" xmlns:p="http://schemas.openxmlformats.org/presentationml/2006/main">
+  <p:cSld>
+    <p:spTree>
+      <p:nvGrpSpPr>
+        <p:cNvPr id="1" name="Shape 110"/>
+        <p:cNvGrpSpPr/>
+        <p:nvPr/>
+      </p:nvGrpSpPr>
+      <p:grpSpPr>
+        <a:xfrm>
+          <a:off x="0" y="0"/>
+          <a:ext cx="0" cy="0"/>
+          <a:chOff x="0" y="0"/>
+          <a:chExt cx="0" cy="0"/>
+        </a:xfrm>
+      </p:grpSpPr>
+      <p:sp>
+        <p:nvSpPr>
+          <p:cNvPr id="111" name="Google Shape;111;p20"/>
+          <p:cNvSpPr txBox="1">
+            <a:spLocks noGrp="1"/>
+          </p:cNvSpPr>
+          <p:nvPr>
+            <p:ph type="title"/>
+          </p:nvPr>
+        </p:nvSpPr>
+        <p:spPr>
+          <a:xfrm>
+            <a:off x="311700" y="445025"/>
+            <a:ext cx="8520600" cy="572700"/>
+          </a:xfrm>
+          <a:prstGeom prst="rect">
+            <a:avLst/>
+          </a:prstGeom>
+        </p:spPr>
+        <p:txBody>
+          <a:bodyPr spcFirstLastPara="1" wrap="square" lIns="91425" tIns="91425" rIns="91425" bIns="91425" anchor="t" anchorCtr="0">
+            <a:noAutofit/>
+          </a:bodyPr>
+          <a:lstStyle/>
+          <a:p>
+            <a:pPr marL="0" lvl="0" indent="0" algn="l" rtl="0">
+              <a:spcBef>
+                <a:spcPts val="0"/>
+              </a:spcBef>
+              <a:spcAft>
+                <a:spcPts val="0"/>
+              </a:spcAft>
+              <a:buNone/>
+            </a:pPr>
+            <a:r>
+              <a:rPr lang="en" sz="2800" dirty="0"/>
+              <a:t>Your Data Visualization 1 of 4</a:t>
+            </a:r>
+            <a:endParaRPr sz="2800" dirty="0"/>
+          </a:p>
+        </p:txBody>
+      </p:sp>
+      <p:sp>
+        <p:nvSpPr>
+          <p:cNvPr id="112" name="Google Shape;112;p20"/>
+          <p:cNvSpPr txBox="1">
+            <a:spLocks noGrp="1"/>
+          </p:cNvSpPr>
+          <p:nvPr>
+            <p:ph type="body" idx="1"/>
+          </p:nvPr>
+        </p:nvSpPr>
+        <p:spPr>
+          <a:xfrm>
+            <a:off x="311700" y="1152475"/>
+            <a:ext cx="8520600" cy="621678"/>
+          </a:xfrm>
+          <a:prstGeom prst="rect">
+            <a:avLst/>
+          </a:prstGeom>
+        </p:spPr>
+        <p:txBody>
+          <a:bodyPr spcFirstLastPara="1" wrap="square" lIns="91425" tIns="91425" rIns="91425" bIns="91425" anchor="t" anchorCtr="0">
+            <a:spAutoFit/>
+          </a:bodyPr>
+          <a:lstStyle/>
+          <a:p>
+            <a:pPr marL="0" lvl="0" indent="0" algn="l" rtl="0">
+              <a:spcBef>
+                <a:spcPts val="0"/>
+              </a:spcBef>
+              <a:spcAft>
+                <a:spcPts val="1200"/>
+              </a:spcAft>
+              <a:buNone/>
+            </a:pPr>
+            <a:r>
+              <a:rPr lang="en" sz="1600" dirty="0"/>
+              <a:t>Purchases Trend by Month and Day</a:t>
+            </a:r>
+            <a:endParaRPr sz="1600" i="1" dirty="0"/>
+          </a:p>
+        </p:txBody>
+      </p:sp>
+      <p:pic>
+        <p:nvPicPr>
+          <p:cNvPr id="113" name="Google Shape;113;p20"/>
+          <p:cNvPicPr preferRelativeResize="0"/>
+          <p:nvPr/>
+        </p:nvPicPr>
+        <p:blipFill>
+          <a:blip r:embed="rId3"/>
+          <a:srcRect/>
+          <a:stretch/>
+        </p:blipFill>
+        <p:spPr>
+          <a:xfrm>
+            <a:off x="488731" y="1718325"/>
+            <a:ext cx="8245365" cy="3175325"/>
+          </a:xfrm>
+          <a:prstGeom prst="rect">
+            <a:avLst/>
+          </a:prstGeom>
+          <a:noFill/>
+          <a:ln>
+            <a:noFill/>
+          </a:ln>
+        </p:spPr>
+      </p:pic>
     </p:spTree>
   </p:cSld>
   <p:clrMapOvr>
@@ -12117,7 +11702,7 @@
             </a:pPr>
             <a:r>
               <a:rPr lang="en" sz="2800" dirty="0"/>
-              <a:t>Your Data Visualization 1 of 4</a:t>
+              <a:t>Your Data Visualization 2 of 4</a:t>
             </a:r>
             <a:endParaRPr sz="2800" dirty="0"/>
           </a:p>
@@ -12159,7 +11744,7 @@
             </a:pPr>
             <a:r>
               <a:rPr lang="en" sz="1600" dirty="0"/>
-              <a:t>Purchases Trend by Month and Day</a:t>
+              <a:t>Purchases by Category and Title</a:t>
             </a:r>
             <a:endParaRPr sz="1600" i="1" dirty="0"/>
           </a:p>
@@ -12178,8 +11763,8 @@
         </p:blipFill>
         <p:spPr>
           <a:xfrm>
-            <a:off x="488731" y="1718325"/>
-            <a:ext cx="8245365" cy="3175325"/>
+            <a:off x="381549" y="1655379"/>
+            <a:ext cx="3856176" cy="3208283"/>
           </a:xfrm>
           <a:prstGeom prst="rect">
             <a:avLst/>
@@ -12190,7 +11775,43 @@
           </a:ln>
         </p:spPr>
       </p:pic>
+      <p:pic>
+        <p:nvPicPr>
+          <p:cNvPr id="5" name="Google Shape;113;p20">
+            <a:extLst>
+              <a:ext uri="{FF2B5EF4-FFF2-40B4-BE49-F238E27FC236}">
+                <a16:creationId xmlns:a16="http://schemas.microsoft.com/office/drawing/2014/main" id="{7B5F27EC-1A48-478A-BC30-E7D758BCC4CE}"/>
+              </a:ext>
+            </a:extLst>
+          </p:cNvPr>
+          <p:cNvPicPr preferRelativeResize="0"/>
+          <p:nvPr/>
+        </p:nvPicPr>
+        <p:blipFill>
+          <a:blip r:embed="rId4"/>
+          <a:srcRect/>
+          <a:stretch/>
+        </p:blipFill>
+        <p:spPr>
+          <a:xfrm>
+            <a:off x="4237725" y="1828800"/>
+            <a:ext cx="4290848" cy="2932386"/>
+          </a:xfrm>
+          <a:prstGeom prst="rect">
+            <a:avLst/>
+          </a:prstGeom>
+          <a:noFill/>
+          <a:ln>
+            <a:noFill/>
+          </a:ln>
+        </p:spPr>
+      </p:pic>
     </p:spTree>
+    <p:extLst>
+      <p:ext uri="{BB962C8B-B14F-4D97-AF65-F5344CB8AC3E}">
+        <p14:creationId xmlns:p14="http://schemas.microsoft.com/office/powerpoint/2010/main" val="3878331478"/>
+      </p:ext>
+    </p:extLst>
   </p:cSld>
   <p:clrMapOvr>
     <a:masterClrMapping/>
@@ -12251,7 +11872,7 @@
             </a:pPr>
             <a:r>
               <a:rPr lang="en" sz="2800" dirty="0"/>
-              <a:t>Your Data Visualization 2 of 4</a:t>
+              <a:t>Your Data Visualization 3 of 4</a:t>
             </a:r>
             <a:endParaRPr sz="2800" dirty="0"/>
           </a:p>
@@ -12293,7 +11914,7 @@
             </a:pPr>
             <a:r>
               <a:rPr lang="en" sz="1600" dirty="0"/>
-              <a:t>Purchases by Category and Title</a:t>
+              <a:t>Purchases by Age</a:t>
             </a:r>
             <a:endParaRPr sz="1600" i="1" dirty="0"/>
           </a:p>
@@ -12312,8 +11933,8 @@
         </p:blipFill>
         <p:spPr>
           <a:xfrm>
-            <a:off x="381549" y="1655379"/>
-            <a:ext cx="3856176" cy="3208283"/>
+            <a:off x="402021" y="1718325"/>
+            <a:ext cx="7961586" cy="3425175"/>
           </a:xfrm>
           <a:prstGeom prst="rect">
             <a:avLst/>
@@ -12324,41 +11945,10 @@
           </a:ln>
         </p:spPr>
       </p:pic>
-      <p:pic>
-        <p:nvPicPr>
-          <p:cNvPr id="5" name="Google Shape;113;p20">
-            <a:extLst>
-              <a:ext uri="{FF2B5EF4-FFF2-40B4-BE49-F238E27FC236}">
-                <a16:creationId xmlns:a16="http://schemas.microsoft.com/office/drawing/2014/main" id="{7B5F27EC-1A48-478A-BC30-E7D758BCC4CE}"/>
-              </a:ext>
-            </a:extLst>
-          </p:cNvPr>
-          <p:cNvPicPr preferRelativeResize="0"/>
-          <p:nvPr/>
-        </p:nvPicPr>
-        <p:blipFill>
-          <a:blip r:embed="rId4"/>
-          <a:srcRect/>
-          <a:stretch/>
-        </p:blipFill>
-        <p:spPr>
-          <a:xfrm>
-            <a:off x="4237725" y="1828800"/>
-            <a:ext cx="4290848" cy="2932386"/>
-          </a:xfrm>
-          <a:prstGeom prst="rect">
-            <a:avLst/>
-          </a:prstGeom>
-          <a:noFill/>
-          <a:ln>
-            <a:noFill/>
-          </a:ln>
-        </p:spPr>
-      </p:pic>
     </p:spTree>
     <p:extLst>
       <p:ext uri="{BB962C8B-B14F-4D97-AF65-F5344CB8AC3E}">
-        <p14:creationId xmlns:p14="http://schemas.microsoft.com/office/powerpoint/2010/main" val="3878331478"/>
+        <p14:creationId xmlns:p14="http://schemas.microsoft.com/office/powerpoint/2010/main" val="3499915561"/>
       </p:ext>
     </p:extLst>
   </p:cSld>
